--- a/Documentation/Templates/Template #7/Template #7 - Final Project Presentation - 8.0.pptx
+++ b/Documentation/Templates/Template #7/Template #7 - Final Project Presentation - 8.0.pptx
@@ -5,7 +5,7 @@
     <p:sldMasterId id="2147483648" r:id="rId1"/>
   </p:sldMasterIdLst>
   <p:notesMasterIdLst>
-    <p:notesMasterId r:id="rId52"/>
+    <p:notesMasterId r:id="rId49"/>
   </p:notesMasterIdLst>
   <p:sldIdLst>
     <p:sldId id="256" r:id="rId2"/>
@@ -15,49 +15,46 @@
     <p:sldId id="260" r:id="rId6"/>
     <p:sldId id="325" r:id="rId7"/>
     <p:sldId id="278" r:id="rId8"/>
-    <p:sldId id="261" r:id="rId9"/>
-    <p:sldId id="339" r:id="rId10"/>
+    <p:sldId id="281" r:id="rId9"/>
+    <p:sldId id="261" r:id="rId10"/>
     <p:sldId id="286" r:id="rId11"/>
     <p:sldId id="284" r:id="rId12"/>
     <p:sldId id="285" r:id="rId13"/>
     <p:sldId id="287" r:id="rId14"/>
     <p:sldId id="262" r:id="rId15"/>
     <p:sldId id="289" r:id="rId16"/>
-    <p:sldId id="263" r:id="rId17"/>
-    <p:sldId id="290" r:id="rId18"/>
-    <p:sldId id="291" r:id="rId19"/>
-    <p:sldId id="292" r:id="rId20"/>
-    <p:sldId id="264" r:id="rId21"/>
-    <p:sldId id="265" r:id="rId22"/>
-    <p:sldId id="294" r:id="rId23"/>
-    <p:sldId id="331" r:id="rId24"/>
-    <p:sldId id="295" r:id="rId25"/>
-    <p:sldId id="332" r:id="rId26"/>
-    <p:sldId id="266" r:id="rId27"/>
-    <p:sldId id="267" r:id="rId28"/>
-    <p:sldId id="268" r:id="rId29"/>
-    <p:sldId id="302" r:id="rId30"/>
-    <p:sldId id="304" r:id="rId31"/>
-    <p:sldId id="309" r:id="rId32"/>
-    <p:sldId id="307" r:id="rId33"/>
-    <p:sldId id="308" r:id="rId34"/>
-    <p:sldId id="306" r:id="rId35"/>
-    <p:sldId id="334" r:id="rId36"/>
-    <p:sldId id="269" r:id="rId37"/>
-    <p:sldId id="312" r:id="rId38"/>
-    <p:sldId id="335" r:id="rId39"/>
-    <p:sldId id="270" r:id="rId40"/>
-    <p:sldId id="271" r:id="rId41"/>
-    <p:sldId id="316" r:id="rId42"/>
-    <p:sldId id="272" r:id="rId43"/>
-    <p:sldId id="273" r:id="rId44"/>
-    <p:sldId id="274" r:id="rId45"/>
-    <p:sldId id="320" r:id="rId46"/>
-    <p:sldId id="275" r:id="rId47"/>
-    <p:sldId id="276" r:id="rId48"/>
-    <p:sldId id="337" r:id="rId49"/>
-    <p:sldId id="338" r:id="rId50"/>
-    <p:sldId id="277" r:id="rId51"/>
+    <p:sldId id="290" r:id="rId17"/>
+    <p:sldId id="291" r:id="rId18"/>
+    <p:sldId id="292" r:id="rId19"/>
+    <p:sldId id="264" r:id="rId20"/>
+    <p:sldId id="265" r:id="rId21"/>
+    <p:sldId id="294" r:id="rId22"/>
+    <p:sldId id="331" r:id="rId23"/>
+    <p:sldId id="295" r:id="rId24"/>
+    <p:sldId id="332" r:id="rId25"/>
+    <p:sldId id="268" r:id="rId26"/>
+    <p:sldId id="302" r:id="rId27"/>
+    <p:sldId id="304" r:id="rId28"/>
+    <p:sldId id="309" r:id="rId29"/>
+    <p:sldId id="307" r:id="rId30"/>
+    <p:sldId id="308" r:id="rId31"/>
+    <p:sldId id="306" r:id="rId32"/>
+    <p:sldId id="334" r:id="rId33"/>
+    <p:sldId id="269" r:id="rId34"/>
+    <p:sldId id="312" r:id="rId35"/>
+    <p:sldId id="335" r:id="rId36"/>
+    <p:sldId id="270" r:id="rId37"/>
+    <p:sldId id="271" r:id="rId38"/>
+    <p:sldId id="316" r:id="rId39"/>
+    <p:sldId id="272" r:id="rId40"/>
+    <p:sldId id="273" r:id="rId41"/>
+    <p:sldId id="274" r:id="rId42"/>
+    <p:sldId id="320" r:id="rId43"/>
+    <p:sldId id="275" r:id="rId44"/>
+    <p:sldId id="276" r:id="rId45"/>
+    <p:sldId id="337" r:id="rId46"/>
+    <p:sldId id="338" r:id="rId47"/>
+    <p:sldId id="277" r:id="rId48"/>
   </p:sldIdLst>
   <p:sldSz cx="9144000" cy="6858000" type="screen4x3"/>
   <p:notesSz cx="7315200" cy="9601200"/>
@@ -306,15 +303,14 @@
         <p14:section name="Untitled Section" id="{3DA1470F-FAAD-49F9-B4B4-90302CB11E63}">
           <p14:sldIdLst>
             <p14:sldId id="278"/>
+            <p14:sldId id="281"/>
             <p14:sldId id="261"/>
-            <p14:sldId id="339"/>
             <p14:sldId id="286"/>
             <p14:sldId id="284"/>
             <p14:sldId id="285"/>
             <p14:sldId id="287"/>
             <p14:sldId id="262"/>
             <p14:sldId id="289"/>
-            <p14:sldId id="263"/>
             <p14:sldId id="290"/>
             <p14:sldId id="291"/>
             <p14:sldId id="292"/>
@@ -328,8 +324,6 @@
             <p14:sldId id="331"/>
             <p14:sldId id="295"/>
             <p14:sldId id="332"/>
-            <p14:sldId id="266"/>
-            <p14:sldId id="267"/>
           </p14:sldIdLst>
         </p14:section>
         <p14:section name="Untitled Section" id="{33F090DD-C11E-4D8F-8CDE-3BF7844375C2}">
@@ -1093,128 +1087,6 @@
   <p:cSld>
     <p:spTree>
       <p:nvGrpSpPr>
-        <p:cNvPr id="1" name="Shape 129"/>
-        <p:cNvGrpSpPr/>
-        <p:nvPr/>
-      </p:nvGrpSpPr>
-      <p:grpSpPr>
-        <a:xfrm>
-          <a:off x="0" y="0"/>
-          <a:ext cx="0" cy="0"/>
-          <a:chOff x="0" y="0"/>
-          <a:chExt cx="0" cy="0"/>
-        </a:xfrm>
-      </p:grpSpPr>
-      <p:sp>
-        <p:nvSpPr>
-          <p:cNvPr id="130" name="Google Shape;130;p7:notes"/>
-          <p:cNvSpPr txBox="1">
-            <a:spLocks noGrp="1"/>
-          </p:cNvSpPr>
-          <p:nvPr>
-            <p:ph type="body" idx="1"/>
-          </p:nvPr>
-        </p:nvSpPr>
-        <p:spPr>
-          <a:xfrm>
-            <a:off x="731500" y="4560550"/>
-            <a:ext cx="5852150" cy="4320525"/>
-          </a:xfrm>
-          <a:prstGeom prst="rect">
-            <a:avLst/>
-          </a:prstGeom>
-          <a:noFill/>
-          <a:ln>
-            <a:noFill/>
-          </a:ln>
-        </p:spPr>
-        <p:txBody>
-          <a:bodyPr spcFirstLastPara="1" wrap="square" lIns="91425" tIns="91425" rIns="91425" bIns="91425" anchor="t" anchorCtr="0">
-            <a:noAutofit/>
-          </a:bodyPr>
-          <a:lstStyle/>
-          <a:p>
-            <a:pPr marL="0" lvl="0" indent="0" algn="l" rtl="0">
-              <a:lnSpc>
-                <a:spcPct val="100000"/>
-              </a:lnSpc>
-              <a:spcBef>
-                <a:spcPts val="0"/>
-              </a:spcBef>
-              <a:spcAft>
-                <a:spcPts val="0"/>
-              </a:spcAft>
-              <a:buSzPts val="1100"/>
-              <a:buNone/>
-            </a:pPr>
-            <a:endParaRPr/>
-          </a:p>
-        </p:txBody>
-      </p:sp>
-      <p:sp>
-        <p:nvSpPr>
-          <p:cNvPr id="131" name="Google Shape;131;p7:notes"/>
-          <p:cNvSpPr>
-            <a:spLocks noGrp="1" noRot="1" noChangeAspect="1"/>
-          </p:cNvSpPr>
-          <p:nvPr>
-            <p:ph type="sldImg" idx="2"/>
-          </p:nvPr>
-        </p:nvSpPr>
-        <p:spPr>
-          <a:xfrm>
-            <a:off x="1219425" y="720075"/>
-            <a:ext cx="4877025" cy="3600450"/>
-          </a:xfrm>
-          <a:custGeom>
-            <a:avLst/>
-            <a:gdLst/>
-            <a:ahLst/>
-            <a:cxnLst/>
-            <a:rect l="l" t="t" r="r" b="b"/>
-            <a:pathLst>
-              <a:path w="120000" h="120000" extrusionOk="0">
-                <a:moveTo>
-                  <a:pt x="0" y="0"/>
-                </a:moveTo>
-                <a:lnTo>
-                  <a:pt x="120000" y="0"/>
-                </a:lnTo>
-                <a:lnTo>
-                  <a:pt x="120000" y="120000"/>
-                </a:lnTo>
-                <a:lnTo>
-                  <a:pt x="0" y="120000"/>
-                </a:lnTo>
-                <a:close/>
-              </a:path>
-            </a:pathLst>
-          </a:custGeom>
-          <a:noFill/>
-          <a:ln w="9525" cap="flat" cmpd="sng">
-            <a:solidFill>
-              <a:srgbClr val="000000"/>
-            </a:solidFill>
-            <a:prstDash val="solid"/>
-            <a:round/>
-            <a:headEnd type="none" w="sm" len="sm"/>
-            <a:tailEnd type="none" w="sm" len="sm"/>
-          </a:ln>
-        </p:spPr>
-      </p:sp>
-    </p:spTree>
-  </p:cSld>
-  <p:clrMapOvr>
-    <a:masterClrMapping/>
-  </p:clrMapOvr>
-</p:notes>
-</file>
-
-<file path=ppt/notesSlides/notesSlide11.xml><?xml version="1.0" encoding="utf-8"?>
-<p:notes xmlns:a="http://schemas.openxmlformats.org/drawingml/2006/main" xmlns:r="http://schemas.openxmlformats.org/officeDocument/2006/relationships" xmlns:p="http://schemas.openxmlformats.org/presentationml/2006/main" showMasterSp="0" showMasterPhAnim="0">
-  <p:cSld>
-    <p:spTree>
-      <p:nvGrpSpPr>
         <p:cNvPr id="1" name="Shape 135"/>
         <p:cNvGrpSpPr/>
         <p:nvPr/>
@@ -1332,12 +1204,12 @@
 </p:notes>
 </file>
 
-<file path=ppt/notesSlides/notesSlide12.xml><?xml version="1.0" encoding="utf-8"?>
+<file path=ppt/notesSlides/notesSlide11.xml><?xml version="1.0" encoding="utf-8"?>
 <p:notes xmlns:a="http://schemas.openxmlformats.org/drawingml/2006/main" xmlns:r="http://schemas.openxmlformats.org/officeDocument/2006/relationships" xmlns:p="http://schemas.openxmlformats.org/presentationml/2006/main" showMasterSp="0" showMasterPhAnim="0">
   <p:cSld>
     <p:spTree>
       <p:nvGrpSpPr>
-        <p:cNvPr id="1" name="Shape 141"/>
+        <p:cNvPr id="1" name="Shape 153"/>
         <p:cNvGrpSpPr/>
         <p:nvPr/>
       </p:nvGrpSpPr>
@@ -1351,7 +1223,7 @@
       </p:grpSpPr>
       <p:sp>
         <p:nvSpPr>
-          <p:cNvPr id="142" name="Google Shape;142;p10:notes"/>
+          <p:cNvPr id="154" name="Google Shape;154;p12:notes"/>
           <p:cNvSpPr txBox="1">
             <a:spLocks noGrp="1"/>
           </p:cNvSpPr>
@@ -1397,7 +1269,129 @@
       </p:sp>
       <p:sp>
         <p:nvSpPr>
-          <p:cNvPr id="143" name="Google Shape;143;p10:notes"/>
+          <p:cNvPr id="155" name="Google Shape;155;p12:notes"/>
+          <p:cNvSpPr>
+            <a:spLocks noGrp="1" noRot="1" noChangeAspect="1"/>
+          </p:cNvSpPr>
+          <p:nvPr>
+            <p:ph type="sldImg" idx="2"/>
+          </p:nvPr>
+        </p:nvSpPr>
+        <p:spPr>
+          <a:xfrm>
+            <a:off x="1257300" y="720725"/>
+            <a:ext cx="4800600" cy="3600450"/>
+          </a:xfrm>
+          <a:custGeom>
+            <a:avLst/>
+            <a:gdLst/>
+            <a:ahLst/>
+            <a:cxnLst/>
+            <a:rect l="l" t="t" r="r" b="b"/>
+            <a:pathLst>
+              <a:path w="120000" h="120000" extrusionOk="0">
+                <a:moveTo>
+                  <a:pt x="0" y="0"/>
+                </a:moveTo>
+                <a:lnTo>
+                  <a:pt x="120000" y="0"/>
+                </a:lnTo>
+                <a:lnTo>
+                  <a:pt x="120000" y="120000"/>
+                </a:lnTo>
+                <a:lnTo>
+                  <a:pt x="0" y="120000"/>
+                </a:lnTo>
+                <a:close/>
+              </a:path>
+            </a:pathLst>
+          </a:custGeom>
+          <a:noFill/>
+          <a:ln w="9525" cap="flat" cmpd="sng">
+            <a:solidFill>
+              <a:srgbClr val="000000"/>
+            </a:solidFill>
+            <a:prstDash val="solid"/>
+            <a:round/>
+            <a:headEnd type="none" w="sm" len="sm"/>
+            <a:tailEnd type="none" w="sm" len="sm"/>
+          </a:ln>
+        </p:spPr>
+      </p:sp>
+    </p:spTree>
+  </p:cSld>
+  <p:clrMapOvr>
+    <a:masterClrMapping/>
+  </p:clrMapOvr>
+</p:notes>
+</file>
+
+<file path=ppt/notesSlides/notesSlide12.xml><?xml version="1.0" encoding="utf-8"?>
+<p:notes xmlns:a="http://schemas.openxmlformats.org/drawingml/2006/main" xmlns:r="http://schemas.openxmlformats.org/officeDocument/2006/relationships" xmlns:p="http://schemas.openxmlformats.org/presentationml/2006/main" showMasterSp="0" showMasterPhAnim="0">
+  <p:cSld>
+    <p:spTree>
+      <p:nvGrpSpPr>
+        <p:cNvPr id="1" name="Shape 159"/>
+        <p:cNvGrpSpPr/>
+        <p:nvPr/>
+      </p:nvGrpSpPr>
+      <p:grpSpPr>
+        <a:xfrm>
+          <a:off x="0" y="0"/>
+          <a:ext cx="0" cy="0"/>
+          <a:chOff x="0" y="0"/>
+          <a:chExt cx="0" cy="0"/>
+        </a:xfrm>
+      </p:grpSpPr>
+      <p:sp>
+        <p:nvSpPr>
+          <p:cNvPr id="160" name="Google Shape;160;p13:notes"/>
+          <p:cNvSpPr txBox="1">
+            <a:spLocks noGrp="1"/>
+          </p:cNvSpPr>
+          <p:nvPr>
+            <p:ph type="body" idx="1"/>
+          </p:nvPr>
+        </p:nvSpPr>
+        <p:spPr>
+          <a:xfrm>
+            <a:off x="731500" y="4560550"/>
+            <a:ext cx="5852150" cy="4320525"/>
+          </a:xfrm>
+          <a:prstGeom prst="rect">
+            <a:avLst/>
+          </a:prstGeom>
+          <a:noFill/>
+          <a:ln>
+            <a:noFill/>
+          </a:ln>
+        </p:spPr>
+        <p:txBody>
+          <a:bodyPr spcFirstLastPara="1" wrap="square" lIns="91425" tIns="91425" rIns="91425" bIns="91425" anchor="t" anchorCtr="0">
+            <a:noAutofit/>
+          </a:bodyPr>
+          <a:lstStyle/>
+          <a:p>
+            <a:pPr marL="0" lvl="0" indent="0" algn="l" rtl="0">
+              <a:lnSpc>
+                <a:spcPct val="100000"/>
+              </a:lnSpc>
+              <a:spcBef>
+                <a:spcPts val="0"/>
+              </a:spcBef>
+              <a:spcAft>
+                <a:spcPts val="0"/>
+              </a:spcAft>
+              <a:buSzPts val="1100"/>
+              <a:buNone/>
+            </a:pPr>
+            <a:endParaRPr/>
+          </a:p>
+        </p:txBody>
+      </p:sp>
+      <p:sp>
+        <p:nvSpPr>
+          <p:cNvPr id="161" name="Google Shape;161;p13:notes"/>
           <p:cNvSpPr>
             <a:spLocks noGrp="1" noRot="1" noChangeAspect="1"/>
           </p:cNvSpPr>
@@ -1459,7 +1453,7 @@
   <p:cSld>
     <p:spTree>
       <p:nvGrpSpPr>
-        <p:cNvPr id="1" name="Shape 147"/>
+        <p:cNvPr id="1" name="Shape 165"/>
         <p:cNvGrpSpPr/>
         <p:nvPr/>
       </p:nvGrpSpPr>
@@ -1473,7 +1467,7 @@
       </p:grpSpPr>
       <p:sp>
         <p:nvSpPr>
-          <p:cNvPr id="148" name="Google Shape;148;p11:notes"/>
+          <p:cNvPr id="166" name="Google Shape;166;p14:notes"/>
           <p:cNvSpPr txBox="1">
             <a:spLocks noGrp="1"/>
           </p:cNvSpPr>
@@ -1519,7 +1513,7 @@
       </p:sp>
       <p:sp>
         <p:nvSpPr>
-          <p:cNvPr id="149" name="Google Shape;149;p11:notes"/>
+          <p:cNvPr id="167" name="Google Shape;167;p14:notes"/>
           <p:cNvSpPr>
             <a:spLocks noGrp="1" noRot="1" noChangeAspect="1"/>
           </p:cNvSpPr>
@@ -1529,8 +1523,8 @@
         </p:nvSpPr>
         <p:spPr>
           <a:xfrm>
-            <a:off x="1257300" y="720725"/>
-            <a:ext cx="4800600" cy="3600450"/>
+            <a:off x="1219425" y="720075"/>
+            <a:ext cx="4877025" cy="3600450"/>
           </a:xfrm>
           <a:custGeom>
             <a:avLst/>
@@ -1581,7 +1575,7 @@
   <p:cSld>
     <p:spTree>
       <p:nvGrpSpPr>
-        <p:cNvPr id="1" name="Shape 153"/>
+        <p:cNvPr id="1" name="Shape 171"/>
         <p:cNvGrpSpPr/>
         <p:nvPr/>
       </p:nvGrpSpPr>
@@ -1595,7 +1589,7 @@
       </p:grpSpPr>
       <p:sp>
         <p:nvSpPr>
-          <p:cNvPr id="154" name="Google Shape;154;p12:notes"/>
+          <p:cNvPr id="172" name="Google Shape;172;p15:notes"/>
           <p:cNvSpPr txBox="1">
             <a:spLocks noGrp="1"/>
           </p:cNvSpPr>
@@ -1641,7 +1635,7 @@
       </p:sp>
       <p:sp>
         <p:nvSpPr>
-          <p:cNvPr id="155" name="Google Shape;155;p12:notes"/>
+          <p:cNvPr id="173" name="Google Shape;173;p15:notes"/>
           <p:cNvSpPr>
             <a:spLocks noGrp="1" noRot="1" noChangeAspect="1"/>
           </p:cNvSpPr>
@@ -1703,7 +1697,7 @@
   <p:cSld>
     <p:spTree>
       <p:nvGrpSpPr>
-        <p:cNvPr id="1" name="Shape 159"/>
+        <p:cNvPr id="1" name="Shape 177"/>
         <p:cNvGrpSpPr/>
         <p:nvPr/>
       </p:nvGrpSpPr>
@@ -1717,7 +1711,7 @@
       </p:grpSpPr>
       <p:sp>
         <p:nvSpPr>
-          <p:cNvPr id="160" name="Google Shape;160;p13:notes"/>
+          <p:cNvPr id="178" name="Google Shape;178;p16:notes"/>
           <p:cNvSpPr txBox="1">
             <a:spLocks noGrp="1"/>
           </p:cNvSpPr>
@@ -1763,7 +1757,129 @@
       </p:sp>
       <p:sp>
         <p:nvSpPr>
-          <p:cNvPr id="161" name="Google Shape;161;p13:notes"/>
+          <p:cNvPr id="179" name="Google Shape;179;p16:notes"/>
+          <p:cNvSpPr>
+            <a:spLocks noGrp="1" noRot="1" noChangeAspect="1"/>
+          </p:cNvSpPr>
+          <p:nvPr>
+            <p:ph type="sldImg" idx="2"/>
+          </p:nvPr>
+        </p:nvSpPr>
+        <p:spPr>
+          <a:xfrm>
+            <a:off x="1219425" y="720075"/>
+            <a:ext cx="4877025" cy="3600450"/>
+          </a:xfrm>
+          <a:custGeom>
+            <a:avLst/>
+            <a:gdLst/>
+            <a:ahLst/>
+            <a:cxnLst/>
+            <a:rect l="l" t="t" r="r" b="b"/>
+            <a:pathLst>
+              <a:path w="120000" h="120000" extrusionOk="0">
+                <a:moveTo>
+                  <a:pt x="0" y="0"/>
+                </a:moveTo>
+                <a:lnTo>
+                  <a:pt x="120000" y="0"/>
+                </a:lnTo>
+                <a:lnTo>
+                  <a:pt x="120000" y="120000"/>
+                </a:lnTo>
+                <a:lnTo>
+                  <a:pt x="0" y="120000"/>
+                </a:lnTo>
+                <a:close/>
+              </a:path>
+            </a:pathLst>
+          </a:custGeom>
+          <a:noFill/>
+          <a:ln w="9525" cap="flat" cmpd="sng">
+            <a:solidFill>
+              <a:srgbClr val="000000"/>
+            </a:solidFill>
+            <a:prstDash val="solid"/>
+            <a:round/>
+            <a:headEnd type="none" w="sm" len="sm"/>
+            <a:tailEnd type="none" w="sm" len="sm"/>
+          </a:ln>
+        </p:spPr>
+      </p:sp>
+    </p:spTree>
+  </p:cSld>
+  <p:clrMapOvr>
+    <a:masterClrMapping/>
+  </p:clrMapOvr>
+</p:notes>
+</file>
+
+<file path=ppt/notesSlides/notesSlide16.xml><?xml version="1.0" encoding="utf-8"?>
+<p:notes xmlns:a="http://schemas.openxmlformats.org/drawingml/2006/main" xmlns:r="http://schemas.openxmlformats.org/officeDocument/2006/relationships" xmlns:p="http://schemas.openxmlformats.org/presentationml/2006/main" showMasterSp="0" showMasterPhAnim="0">
+  <p:cSld>
+    <p:spTree>
+      <p:nvGrpSpPr>
+        <p:cNvPr id="1" name="Shape 183"/>
+        <p:cNvGrpSpPr/>
+        <p:nvPr/>
+      </p:nvGrpSpPr>
+      <p:grpSpPr>
+        <a:xfrm>
+          <a:off x="0" y="0"/>
+          <a:ext cx="0" cy="0"/>
+          <a:chOff x="0" y="0"/>
+          <a:chExt cx="0" cy="0"/>
+        </a:xfrm>
+      </p:grpSpPr>
+      <p:sp>
+        <p:nvSpPr>
+          <p:cNvPr id="184" name="Google Shape;184;p17:notes"/>
+          <p:cNvSpPr txBox="1">
+            <a:spLocks noGrp="1"/>
+          </p:cNvSpPr>
+          <p:nvPr>
+            <p:ph type="body" idx="1"/>
+          </p:nvPr>
+        </p:nvSpPr>
+        <p:spPr>
+          <a:xfrm>
+            <a:off x="731500" y="4560550"/>
+            <a:ext cx="5852150" cy="4320525"/>
+          </a:xfrm>
+          <a:prstGeom prst="rect">
+            <a:avLst/>
+          </a:prstGeom>
+          <a:noFill/>
+          <a:ln>
+            <a:noFill/>
+          </a:ln>
+        </p:spPr>
+        <p:txBody>
+          <a:bodyPr spcFirstLastPara="1" wrap="square" lIns="91425" tIns="91425" rIns="91425" bIns="91425" anchor="t" anchorCtr="0">
+            <a:noAutofit/>
+          </a:bodyPr>
+          <a:lstStyle/>
+          <a:p>
+            <a:pPr marL="0" lvl="0" indent="0" algn="l" rtl="0">
+              <a:lnSpc>
+                <a:spcPct val="100000"/>
+              </a:lnSpc>
+              <a:spcBef>
+                <a:spcPts val="0"/>
+              </a:spcBef>
+              <a:spcAft>
+                <a:spcPts val="0"/>
+              </a:spcAft>
+              <a:buSzPts val="1100"/>
+              <a:buNone/>
+            </a:pPr>
+            <a:endParaRPr/>
+          </a:p>
+        </p:txBody>
+      </p:sp>
+      <p:sp>
+        <p:nvSpPr>
+          <p:cNvPr id="185" name="Google Shape;185;p17:notes"/>
           <p:cNvSpPr>
             <a:spLocks noGrp="1" noRot="1" noChangeAspect="1"/>
           </p:cNvSpPr>
@@ -1820,12 +1936,12 @@
 </p:notes>
 </file>
 
-<file path=ppt/notesSlides/notesSlide16.xml><?xml version="1.0" encoding="utf-8"?>
+<file path=ppt/notesSlides/notesSlide17.xml><?xml version="1.0" encoding="utf-8"?>
 <p:notes xmlns:a="http://schemas.openxmlformats.org/drawingml/2006/main" xmlns:r="http://schemas.openxmlformats.org/officeDocument/2006/relationships" xmlns:p="http://schemas.openxmlformats.org/presentationml/2006/main" showMasterSp="0" showMasterPhAnim="0">
   <p:cSld>
     <p:spTree>
       <p:nvGrpSpPr>
-        <p:cNvPr id="1" name="Shape 165"/>
+        <p:cNvPr id="1" name="Shape 190"/>
         <p:cNvGrpSpPr/>
         <p:nvPr/>
       </p:nvGrpSpPr>
@@ -1839,7 +1955,7 @@
       </p:grpSpPr>
       <p:sp>
         <p:nvSpPr>
-          <p:cNvPr id="166" name="Google Shape;166;p14:notes"/>
+          <p:cNvPr id="191" name="Google Shape;191;p18:notes"/>
           <p:cNvSpPr txBox="1">
             <a:spLocks noGrp="1"/>
           </p:cNvSpPr>
@@ -1885,129 +2001,7 @@
       </p:sp>
       <p:sp>
         <p:nvSpPr>
-          <p:cNvPr id="167" name="Google Shape;167;p14:notes"/>
-          <p:cNvSpPr>
-            <a:spLocks noGrp="1" noRot="1" noChangeAspect="1"/>
-          </p:cNvSpPr>
-          <p:nvPr>
-            <p:ph type="sldImg" idx="2"/>
-          </p:nvPr>
-        </p:nvSpPr>
-        <p:spPr>
-          <a:xfrm>
-            <a:off x="1219425" y="720075"/>
-            <a:ext cx="4877025" cy="3600450"/>
-          </a:xfrm>
-          <a:custGeom>
-            <a:avLst/>
-            <a:gdLst/>
-            <a:ahLst/>
-            <a:cxnLst/>
-            <a:rect l="l" t="t" r="r" b="b"/>
-            <a:pathLst>
-              <a:path w="120000" h="120000" extrusionOk="0">
-                <a:moveTo>
-                  <a:pt x="0" y="0"/>
-                </a:moveTo>
-                <a:lnTo>
-                  <a:pt x="120000" y="0"/>
-                </a:lnTo>
-                <a:lnTo>
-                  <a:pt x="120000" y="120000"/>
-                </a:lnTo>
-                <a:lnTo>
-                  <a:pt x="0" y="120000"/>
-                </a:lnTo>
-                <a:close/>
-              </a:path>
-            </a:pathLst>
-          </a:custGeom>
-          <a:noFill/>
-          <a:ln w="9525" cap="flat" cmpd="sng">
-            <a:solidFill>
-              <a:srgbClr val="000000"/>
-            </a:solidFill>
-            <a:prstDash val="solid"/>
-            <a:round/>
-            <a:headEnd type="none" w="sm" len="sm"/>
-            <a:tailEnd type="none" w="sm" len="sm"/>
-          </a:ln>
-        </p:spPr>
-      </p:sp>
-    </p:spTree>
-  </p:cSld>
-  <p:clrMapOvr>
-    <a:masterClrMapping/>
-  </p:clrMapOvr>
-</p:notes>
-</file>
-
-<file path=ppt/notesSlides/notesSlide17.xml><?xml version="1.0" encoding="utf-8"?>
-<p:notes xmlns:a="http://schemas.openxmlformats.org/drawingml/2006/main" xmlns:r="http://schemas.openxmlformats.org/officeDocument/2006/relationships" xmlns:p="http://schemas.openxmlformats.org/presentationml/2006/main" showMasterSp="0" showMasterPhAnim="0">
-  <p:cSld>
-    <p:spTree>
-      <p:nvGrpSpPr>
-        <p:cNvPr id="1" name="Shape 171"/>
-        <p:cNvGrpSpPr/>
-        <p:nvPr/>
-      </p:nvGrpSpPr>
-      <p:grpSpPr>
-        <a:xfrm>
-          <a:off x="0" y="0"/>
-          <a:ext cx="0" cy="0"/>
-          <a:chOff x="0" y="0"/>
-          <a:chExt cx="0" cy="0"/>
-        </a:xfrm>
-      </p:grpSpPr>
-      <p:sp>
-        <p:nvSpPr>
-          <p:cNvPr id="172" name="Google Shape;172;p15:notes"/>
-          <p:cNvSpPr txBox="1">
-            <a:spLocks noGrp="1"/>
-          </p:cNvSpPr>
-          <p:nvPr>
-            <p:ph type="body" idx="1"/>
-          </p:nvPr>
-        </p:nvSpPr>
-        <p:spPr>
-          <a:xfrm>
-            <a:off x="731500" y="4560550"/>
-            <a:ext cx="5852150" cy="4320525"/>
-          </a:xfrm>
-          <a:prstGeom prst="rect">
-            <a:avLst/>
-          </a:prstGeom>
-          <a:noFill/>
-          <a:ln>
-            <a:noFill/>
-          </a:ln>
-        </p:spPr>
-        <p:txBody>
-          <a:bodyPr spcFirstLastPara="1" wrap="square" lIns="91425" tIns="91425" rIns="91425" bIns="91425" anchor="t" anchorCtr="0">
-            <a:noAutofit/>
-          </a:bodyPr>
-          <a:lstStyle/>
-          <a:p>
-            <a:pPr marL="0" lvl="0" indent="0" algn="l" rtl="0">
-              <a:lnSpc>
-                <a:spcPct val="100000"/>
-              </a:lnSpc>
-              <a:spcBef>
-                <a:spcPts val="0"/>
-              </a:spcBef>
-              <a:spcAft>
-                <a:spcPts val="0"/>
-              </a:spcAft>
-              <a:buSzPts val="1100"/>
-              <a:buNone/>
-            </a:pPr>
-            <a:endParaRPr/>
-          </a:p>
-        </p:txBody>
-      </p:sp>
-      <p:sp>
-        <p:nvSpPr>
-          <p:cNvPr id="173" name="Google Shape;173;p15:notes"/>
+          <p:cNvPr id="192" name="Google Shape;192;p18:notes"/>
           <p:cNvSpPr>
             <a:spLocks noGrp="1" noRot="1" noChangeAspect="1"/>
           </p:cNvSpPr>
@@ -2069,7 +2063,7 @@
   <p:cSld>
     <p:spTree>
       <p:nvGrpSpPr>
-        <p:cNvPr id="1" name="Shape 177"/>
+        <p:cNvPr id="1" name="Shape 196"/>
         <p:cNvGrpSpPr/>
         <p:nvPr/>
       </p:nvGrpSpPr>
@@ -2083,7 +2077,7 @@
       </p:grpSpPr>
       <p:sp>
         <p:nvSpPr>
-          <p:cNvPr id="178" name="Google Shape;178;p16:notes"/>
+          <p:cNvPr id="197" name="Google Shape;197;p19:notes"/>
           <p:cNvSpPr txBox="1">
             <a:spLocks noGrp="1"/>
           </p:cNvSpPr>
@@ -2129,7 +2123,7 @@
       </p:sp>
       <p:sp>
         <p:nvSpPr>
-          <p:cNvPr id="179" name="Google Shape;179;p16:notes"/>
+          <p:cNvPr id="198" name="Google Shape;198;p19:notes"/>
           <p:cNvSpPr>
             <a:spLocks noGrp="1" noRot="1" noChangeAspect="1"/>
           </p:cNvSpPr>
@@ -2191,7 +2185,7 @@
   <p:cSld>
     <p:spTree>
       <p:nvGrpSpPr>
-        <p:cNvPr id="1" name="Shape 183"/>
+        <p:cNvPr id="1" name="Shape 202"/>
         <p:cNvGrpSpPr/>
         <p:nvPr/>
       </p:nvGrpSpPr>
@@ -2205,7 +2199,7 @@
       </p:grpSpPr>
       <p:sp>
         <p:nvSpPr>
-          <p:cNvPr id="184" name="Google Shape;184;p17:notes"/>
+          <p:cNvPr id="203" name="Google Shape;203;p20:notes"/>
           <p:cNvSpPr txBox="1">
             <a:spLocks noGrp="1"/>
           </p:cNvSpPr>
@@ -2251,7 +2245,7 @@
       </p:sp>
       <p:sp>
         <p:nvSpPr>
-          <p:cNvPr id="185" name="Google Shape;185;p17:notes"/>
+          <p:cNvPr id="204" name="Google Shape;204;p20:notes"/>
           <p:cNvSpPr>
             <a:spLocks noGrp="1" noRot="1" noChangeAspect="1"/>
           </p:cNvSpPr>
@@ -2431,372 +2425,6 @@
 </file>
 
 <file path=ppt/notesSlides/notesSlide20.xml><?xml version="1.0" encoding="utf-8"?>
-<p:notes xmlns:a="http://schemas.openxmlformats.org/drawingml/2006/main" xmlns:r="http://schemas.openxmlformats.org/officeDocument/2006/relationships" xmlns:p="http://schemas.openxmlformats.org/presentationml/2006/main" showMasterSp="0" showMasterPhAnim="0">
-  <p:cSld>
-    <p:spTree>
-      <p:nvGrpSpPr>
-        <p:cNvPr id="1" name="Shape 190"/>
-        <p:cNvGrpSpPr/>
-        <p:nvPr/>
-      </p:nvGrpSpPr>
-      <p:grpSpPr>
-        <a:xfrm>
-          <a:off x="0" y="0"/>
-          <a:ext cx="0" cy="0"/>
-          <a:chOff x="0" y="0"/>
-          <a:chExt cx="0" cy="0"/>
-        </a:xfrm>
-      </p:grpSpPr>
-      <p:sp>
-        <p:nvSpPr>
-          <p:cNvPr id="191" name="Google Shape;191;p18:notes"/>
-          <p:cNvSpPr txBox="1">
-            <a:spLocks noGrp="1"/>
-          </p:cNvSpPr>
-          <p:nvPr>
-            <p:ph type="body" idx="1"/>
-          </p:nvPr>
-        </p:nvSpPr>
-        <p:spPr>
-          <a:xfrm>
-            <a:off x="731500" y="4560550"/>
-            <a:ext cx="5852150" cy="4320525"/>
-          </a:xfrm>
-          <a:prstGeom prst="rect">
-            <a:avLst/>
-          </a:prstGeom>
-          <a:noFill/>
-          <a:ln>
-            <a:noFill/>
-          </a:ln>
-        </p:spPr>
-        <p:txBody>
-          <a:bodyPr spcFirstLastPara="1" wrap="square" lIns="91425" tIns="91425" rIns="91425" bIns="91425" anchor="t" anchorCtr="0">
-            <a:noAutofit/>
-          </a:bodyPr>
-          <a:lstStyle/>
-          <a:p>
-            <a:pPr marL="0" lvl="0" indent="0" algn="l" rtl="0">
-              <a:lnSpc>
-                <a:spcPct val="100000"/>
-              </a:lnSpc>
-              <a:spcBef>
-                <a:spcPts val="0"/>
-              </a:spcBef>
-              <a:spcAft>
-                <a:spcPts val="0"/>
-              </a:spcAft>
-              <a:buSzPts val="1100"/>
-              <a:buNone/>
-            </a:pPr>
-            <a:endParaRPr/>
-          </a:p>
-        </p:txBody>
-      </p:sp>
-      <p:sp>
-        <p:nvSpPr>
-          <p:cNvPr id="192" name="Google Shape;192;p18:notes"/>
-          <p:cNvSpPr>
-            <a:spLocks noGrp="1" noRot="1" noChangeAspect="1"/>
-          </p:cNvSpPr>
-          <p:nvPr>
-            <p:ph type="sldImg" idx="2"/>
-          </p:nvPr>
-        </p:nvSpPr>
-        <p:spPr>
-          <a:xfrm>
-            <a:off x="1257300" y="720725"/>
-            <a:ext cx="4800600" cy="3600450"/>
-          </a:xfrm>
-          <a:custGeom>
-            <a:avLst/>
-            <a:gdLst/>
-            <a:ahLst/>
-            <a:cxnLst/>
-            <a:rect l="l" t="t" r="r" b="b"/>
-            <a:pathLst>
-              <a:path w="120000" h="120000" extrusionOk="0">
-                <a:moveTo>
-                  <a:pt x="0" y="0"/>
-                </a:moveTo>
-                <a:lnTo>
-                  <a:pt x="120000" y="0"/>
-                </a:lnTo>
-                <a:lnTo>
-                  <a:pt x="120000" y="120000"/>
-                </a:lnTo>
-                <a:lnTo>
-                  <a:pt x="0" y="120000"/>
-                </a:lnTo>
-                <a:close/>
-              </a:path>
-            </a:pathLst>
-          </a:custGeom>
-          <a:noFill/>
-          <a:ln w="9525" cap="flat" cmpd="sng">
-            <a:solidFill>
-              <a:srgbClr val="000000"/>
-            </a:solidFill>
-            <a:prstDash val="solid"/>
-            <a:round/>
-            <a:headEnd type="none" w="sm" len="sm"/>
-            <a:tailEnd type="none" w="sm" len="sm"/>
-          </a:ln>
-        </p:spPr>
-      </p:sp>
-    </p:spTree>
-  </p:cSld>
-  <p:clrMapOvr>
-    <a:masterClrMapping/>
-  </p:clrMapOvr>
-</p:notes>
-</file>
-
-<file path=ppt/notesSlides/notesSlide21.xml><?xml version="1.0" encoding="utf-8"?>
-<p:notes xmlns:a="http://schemas.openxmlformats.org/drawingml/2006/main" xmlns:r="http://schemas.openxmlformats.org/officeDocument/2006/relationships" xmlns:p="http://schemas.openxmlformats.org/presentationml/2006/main" showMasterSp="0" showMasterPhAnim="0">
-  <p:cSld>
-    <p:spTree>
-      <p:nvGrpSpPr>
-        <p:cNvPr id="1" name="Shape 196"/>
-        <p:cNvGrpSpPr/>
-        <p:nvPr/>
-      </p:nvGrpSpPr>
-      <p:grpSpPr>
-        <a:xfrm>
-          <a:off x="0" y="0"/>
-          <a:ext cx="0" cy="0"/>
-          <a:chOff x="0" y="0"/>
-          <a:chExt cx="0" cy="0"/>
-        </a:xfrm>
-      </p:grpSpPr>
-      <p:sp>
-        <p:nvSpPr>
-          <p:cNvPr id="197" name="Google Shape;197;p19:notes"/>
-          <p:cNvSpPr txBox="1">
-            <a:spLocks noGrp="1"/>
-          </p:cNvSpPr>
-          <p:nvPr>
-            <p:ph type="body" idx="1"/>
-          </p:nvPr>
-        </p:nvSpPr>
-        <p:spPr>
-          <a:xfrm>
-            <a:off x="731500" y="4560550"/>
-            <a:ext cx="5852150" cy="4320525"/>
-          </a:xfrm>
-          <a:prstGeom prst="rect">
-            <a:avLst/>
-          </a:prstGeom>
-          <a:noFill/>
-          <a:ln>
-            <a:noFill/>
-          </a:ln>
-        </p:spPr>
-        <p:txBody>
-          <a:bodyPr spcFirstLastPara="1" wrap="square" lIns="91425" tIns="91425" rIns="91425" bIns="91425" anchor="t" anchorCtr="0">
-            <a:noAutofit/>
-          </a:bodyPr>
-          <a:lstStyle/>
-          <a:p>
-            <a:pPr marL="0" lvl="0" indent="0" algn="l" rtl="0">
-              <a:lnSpc>
-                <a:spcPct val="100000"/>
-              </a:lnSpc>
-              <a:spcBef>
-                <a:spcPts val="0"/>
-              </a:spcBef>
-              <a:spcAft>
-                <a:spcPts val="0"/>
-              </a:spcAft>
-              <a:buSzPts val="1100"/>
-              <a:buNone/>
-            </a:pPr>
-            <a:endParaRPr/>
-          </a:p>
-        </p:txBody>
-      </p:sp>
-      <p:sp>
-        <p:nvSpPr>
-          <p:cNvPr id="198" name="Google Shape;198;p19:notes"/>
-          <p:cNvSpPr>
-            <a:spLocks noGrp="1" noRot="1" noChangeAspect="1"/>
-          </p:cNvSpPr>
-          <p:nvPr>
-            <p:ph type="sldImg" idx="2"/>
-          </p:nvPr>
-        </p:nvSpPr>
-        <p:spPr>
-          <a:xfrm>
-            <a:off x="1219425" y="720075"/>
-            <a:ext cx="4877025" cy="3600450"/>
-          </a:xfrm>
-          <a:custGeom>
-            <a:avLst/>
-            <a:gdLst/>
-            <a:ahLst/>
-            <a:cxnLst/>
-            <a:rect l="l" t="t" r="r" b="b"/>
-            <a:pathLst>
-              <a:path w="120000" h="120000" extrusionOk="0">
-                <a:moveTo>
-                  <a:pt x="0" y="0"/>
-                </a:moveTo>
-                <a:lnTo>
-                  <a:pt x="120000" y="0"/>
-                </a:lnTo>
-                <a:lnTo>
-                  <a:pt x="120000" y="120000"/>
-                </a:lnTo>
-                <a:lnTo>
-                  <a:pt x="0" y="120000"/>
-                </a:lnTo>
-                <a:close/>
-              </a:path>
-            </a:pathLst>
-          </a:custGeom>
-          <a:noFill/>
-          <a:ln w="9525" cap="flat" cmpd="sng">
-            <a:solidFill>
-              <a:srgbClr val="000000"/>
-            </a:solidFill>
-            <a:prstDash val="solid"/>
-            <a:round/>
-            <a:headEnd type="none" w="sm" len="sm"/>
-            <a:tailEnd type="none" w="sm" len="sm"/>
-          </a:ln>
-        </p:spPr>
-      </p:sp>
-    </p:spTree>
-  </p:cSld>
-  <p:clrMapOvr>
-    <a:masterClrMapping/>
-  </p:clrMapOvr>
-</p:notes>
-</file>
-
-<file path=ppt/notesSlides/notesSlide22.xml><?xml version="1.0" encoding="utf-8"?>
-<p:notes xmlns:a="http://schemas.openxmlformats.org/drawingml/2006/main" xmlns:r="http://schemas.openxmlformats.org/officeDocument/2006/relationships" xmlns:p="http://schemas.openxmlformats.org/presentationml/2006/main" showMasterSp="0" showMasterPhAnim="0">
-  <p:cSld>
-    <p:spTree>
-      <p:nvGrpSpPr>
-        <p:cNvPr id="1" name="Shape 202"/>
-        <p:cNvGrpSpPr/>
-        <p:nvPr/>
-      </p:nvGrpSpPr>
-      <p:grpSpPr>
-        <a:xfrm>
-          <a:off x="0" y="0"/>
-          <a:ext cx="0" cy="0"/>
-          <a:chOff x="0" y="0"/>
-          <a:chExt cx="0" cy="0"/>
-        </a:xfrm>
-      </p:grpSpPr>
-      <p:sp>
-        <p:nvSpPr>
-          <p:cNvPr id="203" name="Google Shape;203;p20:notes"/>
-          <p:cNvSpPr txBox="1">
-            <a:spLocks noGrp="1"/>
-          </p:cNvSpPr>
-          <p:nvPr>
-            <p:ph type="body" idx="1"/>
-          </p:nvPr>
-        </p:nvSpPr>
-        <p:spPr>
-          <a:xfrm>
-            <a:off x="731500" y="4560550"/>
-            <a:ext cx="5852150" cy="4320525"/>
-          </a:xfrm>
-          <a:prstGeom prst="rect">
-            <a:avLst/>
-          </a:prstGeom>
-          <a:noFill/>
-          <a:ln>
-            <a:noFill/>
-          </a:ln>
-        </p:spPr>
-        <p:txBody>
-          <a:bodyPr spcFirstLastPara="1" wrap="square" lIns="91425" tIns="91425" rIns="91425" bIns="91425" anchor="t" anchorCtr="0">
-            <a:noAutofit/>
-          </a:bodyPr>
-          <a:lstStyle/>
-          <a:p>
-            <a:pPr marL="0" lvl="0" indent="0" algn="l" rtl="0">
-              <a:lnSpc>
-                <a:spcPct val="100000"/>
-              </a:lnSpc>
-              <a:spcBef>
-                <a:spcPts val="0"/>
-              </a:spcBef>
-              <a:spcAft>
-                <a:spcPts val="0"/>
-              </a:spcAft>
-              <a:buSzPts val="1100"/>
-              <a:buNone/>
-            </a:pPr>
-            <a:endParaRPr/>
-          </a:p>
-        </p:txBody>
-      </p:sp>
-      <p:sp>
-        <p:nvSpPr>
-          <p:cNvPr id="204" name="Google Shape;204;p20:notes"/>
-          <p:cNvSpPr>
-            <a:spLocks noGrp="1" noRot="1" noChangeAspect="1"/>
-          </p:cNvSpPr>
-          <p:nvPr>
-            <p:ph type="sldImg" idx="2"/>
-          </p:nvPr>
-        </p:nvSpPr>
-        <p:spPr>
-          <a:xfrm>
-            <a:off x="1257300" y="720725"/>
-            <a:ext cx="4800600" cy="3600450"/>
-          </a:xfrm>
-          <a:custGeom>
-            <a:avLst/>
-            <a:gdLst/>
-            <a:ahLst/>
-            <a:cxnLst/>
-            <a:rect l="l" t="t" r="r" b="b"/>
-            <a:pathLst>
-              <a:path w="120000" h="120000" extrusionOk="0">
-                <a:moveTo>
-                  <a:pt x="0" y="0"/>
-                </a:moveTo>
-                <a:lnTo>
-                  <a:pt x="120000" y="0"/>
-                </a:lnTo>
-                <a:lnTo>
-                  <a:pt x="120000" y="120000"/>
-                </a:lnTo>
-                <a:lnTo>
-                  <a:pt x="0" y="120000"/>
-                </a:lnTo>
-                <a:close/>
-              </a:path>
-            </a:pathLst>
-          </a:custGeom>
-          <a:noFill/>
-          <a:ln w="9525" cap="flat" cmpd="sng">
-            <a:solidFill>
-              <a:srgbClr val="000000"/>
-            </a:solidFill>
-            <a:prstDash val="solid"/>
-            <a:round/>
-            <a:headEnd type="none" w="sm" len="sm"/>
-            <a:tailEnd type="none" w="sm" len="sm"/>
-          </a:ln>
-        </p:spPr>
-      </p:sp>
-    </p:spTree>
-  </p:cSld>
-  <p:clrMapOvr>
-    <a:masterClrMapping/>
-  </p:clrMapOvr>
-</p:notes>
-</file>
-
-<file path=ppt/notesSlides/notesSlide23.xml><?xml version="1.0" encoding="utf-8"?>
 <p:notes xmlns:a="http://schemas.openxmlformats.org/drawingml/2006/main" xmlns:r="http://schemas.openxmlformats.org/officeDocument/2006/relationships" xmlns:p="http://schemas.openxmlformats.org/presentationml/2006/main" showMasterSp="0" showMasterPhAnim="0">
   <p:cSld>
     <p:spTree>
@@ -3599,7 +3227,7 @@
   <p:cSld>
     <p:spTree>
       <p:nvGrpSpPr>
-        <p:cNvPr id="1" name="Shape 123"/>
+        <p:cNvPr id="1" name="Shape 129"/>
         <p:cNvGrpSpPr/>
         <p:nvPr/>
       </p:nvGrpSpPr>
@@ -3613,7 +3241,7 @@
       </p:grpSpPr>
       <p:sp>
         <p:nvSpPr>
-          <p:cNvPr id="124" name="Google Shape;124;g203715cfd4a_0_7:notes"/>
+          <p:cNvPr id="130" name="Google Shape;130;p7:notes"/>
           <p:cNvSpPr txBox="1">
             <a:spLocks noGrp="1"/>
           </p:cNvSpPr>
@@ -3624,7 +3252,7 @@
         <p:spPr>
           <a:xfrm>
             <a:off x="731500" y="4560550"/>
-            <a:ext cx="5852100" cy="4320600"/>
+            <a:ext cx="5852150" cy="4320525"/>
           </a:xfrm>
           <a:prstGeom prst="rect">
             <a:avLst/>
@@ -3659,7 +3287,7 @@
       </p:sp>
       <p:sp>
         <p:nvSpPr>
-          <p:cNvPr id="125" name="Google Shape;125;g203715cfd4a_0_7:notes"/>
+          <p:cNvPr id="131" name="Google Shape;131;p7:notes"/>
           <p:cNvSpPr>
             <a:spLocks noGrp="1" noRot="1" noChangeAspect="1"/>
           </p:cNvSpPr>
@@ -3669,8 +3297,8 @@
         </p:nvSpPr>
         <p:spPr>
           <a:xfrm>
-            <a:off x="1257300" y="720725"/>
-            <a:ext cx="4800600" cy="3600450"/>
+            <a:off x="1219425" y="720075"/>
+            <a:ext cx="4877025" cy="3600450"/>
           </a:xfrm>
           <a:custGeom>
             <a:avLst/>
@@ -17324,78 +16952,7 @@
                 <a:ea typeface="Times New Roman" panose="02020603050405020304" pitchFamily="18" charset="0"/>
                 <a:cs typeface="Calibri" panose="020F0502020204030204" pitchFamily="34" charset="0"/>
               </a:rPr>
-              <a:t> –</a:t>
-            </a:r>
-            <a:r>
-              <a:rPr lang="en-GB" sz="2800" dirty="0">
-                <a:solidFill>
-                  <a:srgbClr val="000000"/>
-                </a:solidFill>
-                <a:effectLst/>
-                <a:latin typeface="Calibri" panose="020F0502020204030204" pitchFamily="34" charset="0"/>
-                <a:ea typeface="Times New Roman" panose="02020603050405020304" pitchFamily="18" charset="0"/>
-                <a:cs typeface="Calibri" panose="020F0502020204030204" pitchFamily="34" charset="0"/>
-              </a:rPr>
-              <a:t> </a:t>
-            </a:r>
-            <a:r>
-              <a:rPr lang="en-PK" sz="2800" dirty="0">
-                <a:solidFill>
-                  <a:srgbClr val="000000"/>
-                </a:solidFill>
-                <a:effectLst/>
-                <a:latin typeface="Calibri" panose="020F0502020204030204" pitchFamily="34" charset="0"/>
-                <a:ea typeface="Times New Roman" panose="02020603050405020304" pitchFamily="18" charset="0"/>
-                <a:cs typeface="Calibri" panose="020F0502020204030204" pitchFamily="34" charset="0"/>
-              </a:rPr>
-              <a:t>security awareness training</a:t>
-            </a:r>
-            <a:r>
-              <a:rPr lang="en-GB" sz="2800" dirty="0">
-                <a:solidFill>
-                  <a:srgbClr val="000000"/>
-                </a:solidFill>
-                <a:effectLst/>
-                <a:latin typeface="Calibri" panose="020F0502020204030204" pitchFamily="34" charset="0"/>
-                <a:ea typeface="Times New Roman" panose="02020603050405020304" pitchFamily="18" charset="0"/>
-                <a:cs typeface="Calibri" panose="020F0502020204030204" pitchFamily="34" charset="0"/>
-              </a:rPr>
-              <a:t>, </a:t>
-            </a:r>
-            <a:r>
-              <a:rPr lang="en-PK" sz="2800" dirty="0">
-                <a:solidFill>
-                  <a:srgbClr val="000000"/>
-                </a:solidFill>
-                <a:effectLst/>
-                <a:latin typeface="Calibri" panose="020F0502020204030204" pitchFamily="34" charset="0"/>
-                <a:ea typeface="Times New Roman" panose="02020603050405020304" pitchFamily="18" charset="0"/>
-                <a:cs typeface="Calibri" panose="020F0502020204030204" pitchFamily="34" charset="0"/>
-              </a:rPr>
-              <a:t>simulated phishing attacks</a:t>
-            </a:r>
-            <a:r>
-              <a:rPr lang="en-GB" sz="2800" dirty="0">
-                <a:solidFill>
-                  <a:srgbClr val="000000"/>
-                </a:solidFill>
-                <a:latin typeface="Calibri" panose="020F0502020204030204" pitchFamily="34" charset="0"/>
-                <a:ea typeface="Times New Roman" panose="02020603050405020304" pitchFamily="18" charset="0"/>
-                <a:cs typeface="Calibri" panose="020F0502020204030204" pitchFamily="34" charset="0"/>
-              </a:rPr>
-              <a:t> &amp; </a:t>
-            </a:r>
-            <a:r>
-              <a:rPr lang="en-PK" sz="2800" dirty="0">
-                <a:solidFill>
-                  <a:srgbClr val="000000"/>
-                </a:solidFill>
-                <a:effectLst/>
-                <a:latin typeface="Calibri" panose="020F0502020204030204" pitchFamily="34" charset="0"/>
-                <a:ea typeface="Times New Roman" panose="02020603050405020304" pitchFamily="18" charset="0"/>
-                <a:cs typeface="Calibri" panose="020F0502020204030204" pitchFamily="34" charset="0"/>
-              </a:rPr>
-              <a:t>vast template library and analytics.</a:t>
+              <a:t> – Offers security awareness training and simulated phishing attacks. Known for a vast template library and analytics.</a:t>
             </a:r>
             <a:endParaRPr lang="en-US" sz="2800" dirty="0">
               <a:solidFill>
@@ -17463,55 +17020,7 @@
                 <a:ea typeface="Times New Roman" panose="02020603050405020304" pitchFamily="18" charset="0"/>
                 <a:cs typeface="Calibri" panose="020F0502020204030204" pitchFamily="34" charset="0"/>
               </a:rPr>
-              <a:t> –</a:t>
-            </a:r>
-            <a:r>
-              <a:rPr lang="en-GB" sz="2800" dirty="0">
-                <a:solidFill>
-                  <a:srgbClr val="000000"/>
-                </a:solidFill>
-                <a:effectLst/>
-                <a:latin typeface="Calibri" panose="020F0502020204030204" pitchFamily="34" charset="0"/>
-                <a:ea typeface="Times New Roman" panose="02020603050405020304" pitchFamily="18" charset="0"/>
-                <a:cs typeface="Calibri" panose="020F0502020204030204" pitchFamily="34" charset="0"/>
-              </a:rPr>
-              <a:t> </a:t>
-            </a:r>
-            <a:r>
-              <a:rPr lang="en-PK" sz="2800" dirty="0">
-                <a:solidFill>
-                  <a:srgbClr val="000000"/>
-                </a:solidFill>
-                <a:effectLst/>
-                <a:latin typeface="Calibri" panose="020F0502020204030204" pitchFamily="34" charset="0"/>
-                <a:ea typeface="Times New Roman" panose="02020603050405020304" pitchFamily="18" charset="0"/>
-                <a:cs typeface="Calibri" panose="020F0502020204030204" pitchFamily="34" charset="0"/>
-              </a:rPr>
-              <a:t>threat management </a:t>
-            </a:r>
-            <a:r>
-              <a:rPr lang="en-GB" sz="2800" dirty="0">
-                <a:solidFill>
-                  <a:srgbClr val="000000"/>
-                </a:solidFill>
-                <a:effectLst/>
-                <a:latin typeface="Calibri" panose="020F0502020204030204" pitchFamily="34" charset="0"/>
-                <a:ea typeface="Times New Roman" panose="02020603050405020304" pitchFamily="18" charset="0"/>
-                <a:cs typeface="Calibri" panose="020F0502020204030204" pitchFamily="34" charset="0"/>
-              </a:rPr>
-              <a:t>&amp;</a:t>
-            </a:r>
-            <a:r>
-              <a:rPr lang="en-PK" sz="2800" dirty="0">
-                <a:solidFill>
-                  <a:srgbClr val="000000"/>
-                </a:solidFill>
-                <a:effectLst/>
-                <a:latin typeface="Calibri" panose="020F0502020204030204" pitchFamily="34" charset="0"/>
-                <a:ea typeface="Times New Roman" panose="02020603050405020304" pitchFamily="18" charset="0"/>
-                <a:cs typeface="Calibri" panose="020F0502020204030204" pitchFamily="34" charset="0"/>
-              </a:rPr>
-              <a:t> user behaviour tracking.</a:t>
+              <a:t> – Focuses on phishing threat management and user behaviour tracking.</a:t>
             </a:r>
           </a:p>
           <a:p>
@@ -17824,7 +17333,7 @@
                 <a:ea typeface="Times New Roman" panose="02020603050405020304" pitchFamily="18" charset="0"/>
                 <a:cs typeface="Calibri" panose="020F0502020204030204" pitchFamily="34" charset="0"/>
               </a:rPr>
-              <a:t> Limited Scope.</a:t>
+              <a:t> Specific domains</a:t>
             </a:r>
             <a:endParaRPr lang="en-PK" sz="2800" dirty="0">
               <a:solidFill>
@@ -17922,50 +17431,80 @@
           <a:bodyPr/>
           <a:lstStyle/>
           <a:p>
-            <a:pPr marL="0" indent="0">
+            <a:pPr marL="342900" lvl="0" indent="-342900">
               <a:lnSpc>
                 <a:spcPct val="150000"/>
               </a:lnSpc>
               <a:buSzPts val="1000"/>
-              <a:buNone/>
+              <a:buFont typeface="Symbol" panose="05050102010706020507" pitchFamily="18" charset="2"/>
+              <a:buChar char=""/>
               <a:tabLst>
                 <a:tab pos="457200" algn="l"/>
               </a:tabLst>
             </a:pPr>
             <a:r>
-              <a:rPr lang="en-GB" sz="2800" b="1" dirty="0">
+              <a:rPr lang="en-PK" sz="2800" dirty="0">
                 <a:solidFill>
                   <a:srgbClr val="000000"/>
                 </a:solidFill>
+                <a:effectLst/>
                 <a:latin typeface="Calibri" panose="020F0502020204030204" pitchFamily="34" charset="0"/>
                 <a:ea typeface="Times New Roman" panose="02020603050405020304" pitchFamily="18" charset="0"/>
                 <a:cs typeface="Calibri" panose="020F0502020204030204" pitchFamily="34" charset="0"/>
               </a:rPr>
-              <a:t>Issues</a:t>
-            </a:r>
-            <a:r>
-              <a:rPr lang="en-PK" sz="2800" b="1" dirty="0">
+              <a:t>Dependence on foreign cloud infrastructure</a:t>
+            </a:r>
+          </a:p>
+          <a:p>
+            <a:pPr marL="342900" lvl="0" indent="-342900">
+              <a:lnSpc>
+                <a:spcPct val="150000"/>
+              </a:lnSpc>
+              <a:buSzPts val="1000"/>
+              <a:buFont typeface="Symbol" panose="05050102010706020507" pitchFamily="18" charset="2"/>
+              <a:buChar char=""/>
+              <a:tabLst>
+                <a:tab pos="457200" algn="l"/>
+              </a:tabLst>
+            </a:pPr>
+            <a:r>
+              <a:rPr lang="en-PK" sz="2800" dirty="0">
                 <a:solidFill>
                   <a:srgbClr val="000000"/>
                 </a:solidFill>
+                <a:effectLst/>
                 <a:latin typeface="Calibri" panose="020F0502020204030204" pitchFamily="34" charset="0"/>
                 <a:ea typeface="Times New Roman" panose="02020603050405020304" pitchFamily="18" charset="0"/>
                 <a:cs typeface="Calibri" panose="020F0502020204030204" pitchFamily="34" charset="0"/>
               </a:rPr>
-              <a:t> of Existing Products</a:t>
-            </a:r>
-            <a:r>
-              <a:rPr lang="en-GB" sz="2800" dirty="0">
+              <a:t>Data privacy concerns.</a:t>
+            </a:r>
+          </a:p>
+          <a:p>
+            <a:pPr marL="342900" lvl="0" indent="-342900">
+              <a:lnSpc>
+                <a:spcPct val="150000"/>
+              </a:lnSpc>
+              <a:buSzPts val="1000"/>
+              <a:buFont typeface="Symbol" panose="05050102010706020507" pitchFamily="18" charset="2"/>
+              <a:buChar char=""/>
+              <a:tabLst>
+                <a:tab pos="457200" algn="l"/>
+              </a:tabLst>
+            </a:pPr>
+            <a:r>
+              <a:rPr lang="en-PK" sz="2800" dirty="0">
                 <a:solidFill>
                   <a:srgbClr val="000000"/>
                 </a:solidFill>
+                <a:effectLst/>
                 <a:latin typeface="Calibri" panose="020F0502020204030204" pitchFamily="34" charset="0"/>
                 <a:ea typeface="Times New Roman" panose="02020603050405020304" pitchFamily="18" charset="0"/>
                 <a:cs typeface="Calibri" panose="020F0502020204030204" pitchFamily="34" charset="0"/>
               </a:rPr>
-              <a:t> </a:t>
-            </a:r>
-            <a:endParaRPr lang="en-GB" sz="2800" dirty="0">
+              <a:t>Lack of system tailoring</a:t>
+            </a:r>
+            <a:endParaRPr lang="en-US" sz="2800" dirty="0">
               <a:solidFill>
                 <a:srgbClr val="000000"/>
               </a:solidFill>
@@ -17974,56 +17513,6 @@
               <a:ea typeface="Times New Roman" panose="02020603050405020304" pitchFamily="18" charset="0"/>
               <a:cs typeface="Calibri" panose="020F0502020204030204" pitchFamily="34" charset="0"/>
             </a:endParaRPr>
-          </a:p>
-          <a:p>
-            <a:pPr marL="342900" lvl="0" indent="-342900">
-              <a:lnSpc>
-                <a:spcPct val="150000"/>
-              </a:lnSpc>
-              <a:buSzPts val="1000"/>
-              <a:buFont typeface="Symbol" panose="05050102010706020507" pitchFamily="18" charset="2"/>
-              <a:buChar char=""/>
-              <a:tabLst>
-                <a:tab pos="457200" algn="l"/>
-              </a:tabLst>
-            </a:pPr>
-            <a:r>
-              <a:rPr lang="en-PK" sz="2800" dirty="0">
-                <a:solidFill>
-                  <a:srgbClr val="000000"/>
-                </a:solidFill>
-                <a:effectLst/>
-                <a:latin typeface="Calibri" panose="020F0502020204030204" pitchFamily="34" charset="0"/>
-                <a:ea typeface="Times New Roman" panose="02020603050405020304" pitchFamily="18" charset="0"/>
-                <a:cs typeface="Calibri" panose="020F0502020204030204" pitchFamily="34" charset="0"/>
-              </a:rPr>
-              <a:t>Dependence on foreign cloud infrastructure</a:t>
-            </a:r>
-          </a:p>
-          <a:p>
-            <a:pPr marL="342900" lvl="0" indent="-342900">
-              <a:lnSpc>
-                <a:spcPct val="150000"/>
-              </a:lnSpc>
-              <a:buSzPts val="1000"/>
-              <a:buFont typeface="Symbol" panose="05050102010706020507" pitchFamily="18" charset="2"/>
-              <a:buChar char=""/>
-              <a:tabLst>
-                <a:tab pos="457200" algn="l"/>
-              </a:tabLst>
-            </a:pPr>
-            <a:r>
-              <a:rPr lang="en-PK" sz="2800" dirty="0">
-                <a:solidFill>
-                  <a:srgbClr val="000000"/>
-                </a:solidFill>
-                <a:effectLst/>
-                <a:latin typeface="Calibri" panose="020F0502020204030204" pitchFamily="34" charset="0"/>
-                <a:ea typeface="Times New Roman" panose="02020603050405020304" pitchFamily="18" charset="0"/>
-                <a:cs typeface="Calibri" panose="020F0502020204030204" pitchFamily="34" charset="0"/>
-              </a:rPr>
-              <a:t>Data privacy concerns</a:t>
-            </a:r>
           </a:p>
           <a:p>
             <a:pPr marL="342900" lvl="0" indent="-342900">
@@ -19594,19 +19083,7 @@
                 <a:ea typeface="Times New Roman" panose="02020603050405020304" pitchFamily="18" charset="0"/>
                 <a:cs typeface="Calibri" panose="020F0502020204030204" pitchFamily="34" charset="0"/>
               </a:rPr>
-              <a:t>Organizations in Pakistan lack access to a secure, affordable, and locally adaptable phishing simulation platform</a:t>
-            </a:r>
-            <a:r>
-              <a:rPr lang="en-GB" sz="2800" dirty="0">
-                <a:solidFill>
-                  <a:srgbClr val="000000"/>
-                </a:solidFill>
-                <a:effectLst/>
-                <a:latin typeface="Calibri" panose="020F0502020204030204" pitchFamily="34" charset="0"/>
-                <a:ea typeface="Times New Roman" panose="02020603050405020304" pitchFamily="18" charset="0"/>
-                <a:cs typeface="Calibri" panose="020F0502020204030204" pitchFamily="34" charset="0"/>
-              </a:rPr>
-              <a:t>.</a:t>
+              <a:t>Organizations in Pakistan lack access to a secure, affordable, and locally adaptable phishing simulation platform that can:</a:t>
             </a:r>
             <a:endParaRPr lang="en-PK" sz="2800" dirty="0">
               <a:effectLst/>
@@ -19628,17 +19105,6 @@
               </a:tabLst>
             </a:pPr>
             <a:r>
-              <a:rPr lang="en-GB" sz="2800" dirty="0">
-                <a:solidFill>
-                  <a:srgbClr val="000000"/>
-                </a:solidFill>
-                <a:latin typeface="Calibri" panose="020F0502020204030204" pitchFamily="34" charset="0"/>
-                <a:ea typeface="Times New Roman" panose="02020603050405020304" pitchFamily="18" charset="0"/>
-                <a:cs typeface="Calibri" panose="020F0502020204030204" pitchFamily="34" charset="0"/>
-              </a:rPr>
-              <a:t>Unrealistic</a:t>
-            </a:r>
-            <a:r>
               <a:rPr lang="en-PK" sz="2800" dirty="0">
                 <a:solidFill>
                   <a:srgbClr val="000000"/>
@@ -19648,7 +19114,7 @@
                 <a:ea typeface="Times New Roman" panose="02020603050405020304" pitchFamily="18" charset="0"/>
                 <a:cs typeface="Calibri" panose="020F0502020204030204" pitchFamily="34" charset="0"/>
               </a:rPr>
-              <a:t> real-world phishing attacks relevant to the regional context.</a:t>
+              <a:t>Mimic real-world phishing attacks relevant to the regional context.</a:t>
             </a:r>
           </a:p>
           <a:p>
@@ -19759,7 +19225,7 @@
               </a:tabLst>
             </a:pPr>
             <a:r>
-              <a:rPr lang="en-GB" sz="2800" dirty="0">
+              <a:rPr lang="en-PK" sz="2800" dirty="0">
                 <a:solidFill>
                   <a:srgbClr val="000000"/>
                 </a:solidFill>
@@ -19768,19 +19234,7 @@
                 <a:ea typeface="Times New Roman" panose="02020603050405020304" pitchFamily="18" charset="0"/>
                 <a:cs typeface="Calibri" panose="020F0502020204030204" pitchFamily="34" charset="0"/>
               </a:rPr>
-              <a:t>Lack of</a:t>
-            </a:r>
-            <a:r>
-              <a:rPr lang="en-PK" sz="2800" dirty="0">
-                <a:solidFill>
-                  <a:srgbClr val="000000"/>
-                </a:solidFill>
-                <a:effectLst/>
-                <a:latin typeface="Calibri" panose="020F0502020204030204" pitchFamily="34" charset="0"/>
-                <a:ea typeface="Times New Roman" panose="02020603050405020304" pitchFamily="18" charset="0"/>
-                <a:cs typeface="Calibri" panose="020F0502020204030204" pitchFamily="34" charset="0"/>
-              </a:rPr>
-              <a:t> customizable templates and dynamic campaign options.</a:t>
+              <a:t>Offer customizable templates and dynamic campaign options.</a:t>
             </a:r>
           </a:p>
           <a:p>
@@ -19796,7 +19250,7 @@
               </a:tabLst>
             </a:pPr>
             <a:r>
-              <a:rPr lang="en-GB" sz="2800" dirty="0">
+              <a:rPr lang="en-PK" sz="2800" dirty="0">
                 <a:solidFill>
                   <a:srgbClr val="000000"/>
                 </a:solidFill>
@@ -19805,10 +19259,17 @@
                 <a:ea typeface="Times New Roman" panose="02020603050405020304" pitchFamily="18" charset="0"/>
                 <a:cs typeface="Calibri" panose="020F0502020204030204" pitchFamily="34" charset="0"/>
               </a:rPr>
-              <a:t>Not </a:t>
-            </a:r>
-            <a:r>
-              <a:rPr lang="en-GB" sz="2800" dirty="0">
+              <a:t>Generate actionable behavioural insights through detailed analytics.</a:t>
+            </a:r>
+          </a:p>
+          <a:p>
+            <a:pPr algn="just">
+              <a:lnSpc>
+                <a:spcPct val="150000"/>
+              </a:lnSpc>
+            </a:pPr>
+            <a:r>
+              <a:rPr lang="en-US" sz="2800" dirty="0">
                 <a:solidFill>
                   <a:srgbClr val="000000"/>
                 </a:solidFill>
@@ -19816,85 +19277,18 @@
                 <a:ea typeface="Times New Roman" panose="02020603050405020304" pitchFamily="18" charset="0"/>
                 <a:cs typeface="Calibri" panose="020F0502020204030204" pitchFamily="34" charset="0"/>
               </a:rPr>
-              <a:t>g</a:t>
+              <a:t>F</a:t>
             </a:r>
             <a:r>
               <a:rPr lang="en-PK" sz="2800" dirty="0">
                 <a:solidFill>
                   <a:srgbClr val="000000"/>
                 </a:solidFill>
-                <a:effectLst/>
                 <a:latin typeface="Calibri" panose="020F0502020204030204" pitchFamily="34" charset="0"/>
                 <a:ea typeface="Times New Roman" panose="02020603050405020304" pitchFamily="18" charset="0"/>
                 <a:cs typeface="Calibri" panose="020F0502020204030204" pitchFamily="34" charset="0"/>
               </a:rPr>
-              <a:t>enerate behavioural insights through detailed analytics.</a:t>
-            </a:r>
-            <a:endParaRPr lang="en-GB" sz="2800" dirty="0">
-              <a:solidFill>
-                <a:srgbClr val="000000"/>
-              </a:solidFill>
-              <a:effectLst/>
-              <a:latin typeface="Calibri" panose="020F0502020204030204" pitchFamily="34" charset="0"/>
-              <a:ea typeface="Times New Roman" panose="02020603050405020304" pitchFamily="18" charset="0"/>
-              <a:cs typeface="Calibri" panose="020F0502020204030204" pitchFamily="34" charset="0"/>
-            </a:endParaRPr>
-          </a:p>
-          <a:p>
-            <a:pPr marL="342900" lvl="0" indent="-342900" algn="just">
-              <a:lnSpc>
-                <a:spcPct val="150000"/>
-              </a:lnSpc>
-              <a:buSzPts val="1000"/>
-              <a:buFont typeface="Symbol" panose="05050102010706020507" pitchFamily="18" charset="2"/>
-              <a:buChar char=""/>
-              <a:tabLst>
-                <a:tab pos="457200" algn="l"/>
-              </a:tabLst>
-            </a:pPr>
-            <a:r>
-              <a:rPr lang="en-GB" sz="2800" dirty="0">
-                <a:solidFill>
-                  <a:srgbClr val="000000"/>
-                </a:solidFill>
-                <a:latin typeface="Calibri" panose="020F0502020204030204" pitchFamily="34" charset="0"/>
-                <a:ea typeface="Times New Roman" panose="02020603050405020304" pitchFamily="18" charset="0"/>
-                <a:cs typeface="Calibri" panose="020F0502020204030204" pitchFamily="34" charset="0"/>
-              </a:rPr>
-              <a:t>Lack </a:t>
-            </a:r>
-            <a:r>
-              <a:rPr lang="en-PK" sz="2800" dirty="0">
-                <a:solidFill>
-                  <a:srgbClr val="000000"/>
-                </a:solidFill>
-                <a:latin typeface="Calibri" panose="020F0502020204030204" pitchFamily="34" charset="0"/>
-                <a:ea typeface="Times New Roman" panose="02020603050405020304" pitchFamily="18" charset="0"/>
-                <a:cs typeface="Calibri" panose="020F0502020204030204" pitchFamily="34" charset="0"/>
-              </a:rPr>
-              <a:t>of control and customization</a:t>
-            </a:r>
-            <a:r>
-              <a:rPr lang="en-GB" sz="2800" dirty="0">
-                <a:solidFill>
-                  <a:srgbClr val="000000"/>
-                </a:solidFill>
-                <a:latin typeface="Calibri" panose="020F0502020204030204" pitchFamily="34" charset="0"/>
-                <a:ea typeface="Times New Roman" panose="02020603050405020304" pitchFamily="18" charset="0"/>
-                <a:cs typeface="Calibri" panose="020F0502020204030204" pitchFamily="34" charset="0"/>
-              </a:rPr>
-              <a:t> for management</a:t>
-            </a:r>
-            <a:r>
-              <a:rPr lang="en-PK" sz="2800" dirty="0">
-                <a:solidFill>
-                  <a:srgbClr val="000000"/>
-                </a:solidFill>
-                <a:latin typeface="Calibri" panose="020F0502020204030204" pitchFamily="34" charset="0"/>
-                <a:ea typeface="Times New Roman" panose="02020603050405020304" pitchFamily="18" charset="0"/>
-                <a:cs typeface="Calibri" panose="020F0502020204030204" pitchFamily="34" charset="0"/>
-              </a:rPr>
-              <a:t>.</a:t>
+              <a:t>acing lack of control and customization in their operations.</a:t>
             </a:r>
             <a:endParaRPr lang="en-PK" sz="2800" dirty="0">
               <a:latin typeface="Calibri" panose="020F0502020204030204" pitchFamily="34" charset="0"/>
@@ -19922,198 +19316,6 @@
 </file>
 
 <file path=ppt/slides/slide16.xml><?xml version="1.0" encoding="utf-8"?>
-<p:sld xmlns:a="http://schemas.openxmlformats.org/drawingml/2006/main" xmlns:r="http://schemas.openxmlformats.org/officeDocument/2006/relationships" xmlns:p="http://schemas.openxmlformats.org/presentationml/2006/main">
-  <p:cSld>
-    <p:spTree>
-      <p:nvGrpSpPr>
-        <p:cNvPr id="1" name="Shape 126"/>
-        <p:cNvGrpSpPr/>
-        <p:nvPr/>
-      </p:nvGrpSpPr>
-      <p:grpSpPr>
-        <a:xfrm>
-          <a:off x="0" y="0"/>
-          <a:ext cx="0" cy="0"/>
-          <a:chOff x="0" y="0"/>
-          <a:chExt cx="0" cy="0"/>
-        </a:xfrm>
-      </p:grpSpPr>
-      <p:sp>
-        <p:nvSpPr>
-          <p:cNvPr id="127" name="Google Shape;127;g203715cfd4a_0_7"/>
-          <p:cNvSpPr txBox="1">
-            <a:spLocks noGrp="1"/>
-          </p:cNvSpPr>
-          <p:nvPr>
-            <p:ph type="title"/>
-          </p:nvPr>
-        </p:nvSpPr>
-        <p:spPr>
-          <a:xfrm>
-            <a:off x="457200" y="274638"/>
-            <a:ext cx="8229600" cy="1143000"/>
-          </a:xfrm>
-          <a:prstGeom prst="rect">
-            <a:avLst/>
-          </a:prstGeom>
-          <a:noFill/>
-          <a:ln>
-            <a:noFill/>
-          </a:ln>
-        </p:spPr>
-        <p:txBody>
-          <a:bodyPr spcFirstLastPara="1" wrap="square" lIns="91425" tIns="45700" rIns="91425" bIns="45700" anchor="ctr" anchorCtr="0">
-            <a:noAutofit/>
-          </a:bodyPr>
-          <a:lstStyle/>
-          <a:p>
-            <a:pPr marL="0" lvl="0" indent="0" algn="ctr" rtl="0">
-              <a:lnSpc>
-                <a:spcPct val="100000"/>
-              </a:lnSpc>
-              <a:spcBef>
-                <a:spcPts val="0"/>
-              </a:spcBef>
-              <a:spcAft>
-                <a:spcPts val="0"/>
-              </a:spcAft>
-              <a:buSzPts val="1400"/>
-              <a:buNone/>
-            </a:pPr>
-            <a:r>
-              <a:rPr lang="en-US" dirty="0">
-                <a:solidFill>
-                  <a:srgbClr val="FF0000"/>
-                </a:solidFill>
-              </a:rPr>
-              <a:t>Methodology</a:t>
-            </a:r>
-            <a:endParaRPr dirty="0">
-              <a:solidFill>
-                <a:srgbClr val="FF0000"/>
-              </a:solidFill>
-            </a:endParaRPr>
-          </a:p>
-        </p:txBody>
-      </p:sp>
-      <p:sp>
-        <p:nvSpPr>
-          <p:cNvPr id="128" name="Google Shape;128;g203715cfd4a_0_7"/>
-          <p:cNvSpPr txBox="1">
-            <a:spLocks noGrp="1"/>
-          </p:cNvSpPr>
-          <p:nvPr>
-            <p:ph type="body" idx="1"/>
-          </p:nvPr>
-        </p:nvSpPr>
-        <p:spPr>
-          <a:xfrm>
-            <a:off x="457200" y="1600200"/>
-            <a:ext cx="8229600" cy="4526100"/>
-          </a:xfrm>
-          <a:prstGeom prst="rect">
-            <a:avLst/>
-          </a:prstGeom>
-          <a:noFill/>
-          <a:ln>
-            <a:noFill/>
-          </a:ln>
-        </p:spPr>
-        <p:txBody>
-          <a:bodyPr spcFirstLastPara="1" wrap="square" lIns="91425" tIns="45700" rIns="91425" bIns="45700" anchor="t" anchorCtr="0">
-            <a:noAutofit/>
-          </a:bodyPr>
-          <a:lstStyle/>
-          <a:p>
-            <a:pPr marL="342900" lvl="0" indent="-139700" algn="l" rtl="0">
-              <a:lnSpc>
-                <a:spcPct val="100000"/>
-              </a:lnSpc>
-              <a:spcBef>
-                <a:spcPts val="0"/>
-              </a:spcBef>
-              <a:spcAft>
-                <a:spcPts val="0"/>
-              </a:spcAft>
-              <a:buClr>
-                <a:schemeClr val="dk1"/>
-              </a:buClr>
-              <a:buSzPts val="3200"/>
-              <a:buNone/>
-            </a:pPr>
-            <a:r>
-              <a:rPr lang="en-US" dirty="0"/>
-              <a:t>&lt;Add diagram according to your project domain i.e., Methodology diagram (AI, IOT </a:t>
-            </a:r>
-            <a:r>
-              <a:rPr lang="en-US" dirty="0" err="1"/>
-              <a:t>etc</a:t>
-            </a:r>
-            <a:r>
-              <a:rPr lang="en-US" dirty="0"/>
-              <a:t>) OR Flow chart (Data Structures, Algorithms </a:t>
-            </a:r>
-            <a:r>
-              <a:rPr lang="en-US" dirty="0" err="1"/>
-              <a:t>etc</a:t>
-            </a:r>
-            <a:r>
-              <a:rPr lang="en-US" dirty="0"/>
-              <a:t>)&gt;</a:t>
-            </a:r>
-          </a:p>
-          <a:p>
-            <a:pPr marL="342900" lvl="0" indent="-139700" algn="l" rtl="0">
-              <a:lnSpc>
-                <a:spcPct val="100000"/>
-              </a:lnSpc>
-              <a:spcBef>
-                <a:spcPts val="0"/>
-              </a:spcBef>
-              <a:spcAft>
-                <a:spcPts val="0"/>
-              </a:spcAft>
-              <a:buClr>
-                <a:schemeClr val="dk1"/>
-              </a:buClr>
-              <a:buSzPts val="3200"/>
-              <a:buNone/>
-            </a:pPr>
-            <a:r>
-              <a:rPr lang="en-US" dirty="0"/>
-              <a:t>&lt;Also explain all steps in bullet points&gt;</a:t>
-            </a:r>
-          </a:p>
-          <a:p>
-            <a:pPr marL="342900" lvl="0" indent="-139700" algn="l" rtl="0">
-              <a:lnSpc>
-                <a:spcPct val="100000"/>
-              </a:lnSpc>
-              <a:spcBef>
-                <a:spcPts val="0"/>
-              </a:spcBef>
-              <a:spcAft>
-                <a:spcPts val="0"/>
-              </a:spcAft>
-              <a:buClr>
-                <a:schemeClr val="dk1"/>
-              </a:buClr>
-              <a:buSzPts val="3200"/>
-              <a:buNone/>
-            </a:pPr>
-            <a:endParaRPr dirty="0"/>
-          </a:p>
-        </p:txBody>
-      </p:sp>
-    </p:spTree>
-  </p:cSld>
-  <p:clrMapOvr>
-    <a:masterClrMapping/>
-  </p:clrMapOvr>
-</p:sld>
-</file>
-
-<file path=ppt/slides/slide17.xml><?xml version="1.0" encoding="utf-8"?>
 <p:sld xmlns:a="http://schemas.openxmlformats.org/drawingml/2006/main" xmlns:r="http://schemas.openxmlformats.org/officeDocument/2006/relationships" xmlns:p="http://schemas.openxmlformats.org/presentationml/2006/main">
   <p:cSld>
     <p:spTree>
@@ -20454,7 +19656,7 @@
 </p:sld>
 </file>
 
-<file path=ppt/slides/slide18.xml><?xml version="1.0" encoding="utf-8"?>
+<file path=ppt/slides/slide17.xml><?xml version="1.0" encoding="utf-8"?>
 <p:sld xmlns:a="http://schemas.openxmlformats.org/drawingml/2006/main" xmlns:r="http://schemas.openxmlformats.org/officeDocument/2006/relationships" xmlns:p="http://schemas.openxmlformats.org/presentationml/2006/main">
   <p:cSld>
     <p:spTree>
@@ -20885,7 +20087,7 @@
 </p:sld>
 </file>
 
-<file path=ppt/slides/slide19.xml><?xml version="1.0" encoding="utf-8"?>
+<file path=ppt/slides/slide18.xml><?xml version="1.0" encoding="utf-8"?>
 <p:sld xmlns:a="http://schemas.openxmlformats.org/drawingml/2006/main" xmlns:r="http://schemas.openxmlformats.org/officeDocument/2006/relationships" xmlns:p="http://schemas.openxmlformats.org/presentationml/2006/main">
   <p:cSld>
     <p:spTree>
@@ -20992,7 +20194,7 @@
               </a:tabLst>
             </a:pPr>
             <a:r>
-              <a:rPr lang="en-PK" sz="1600" b="1" dirty="0">
+              <a:rPr lang="en-PK" sz="1600" dirty="0">
                 <a:solidFill>
                   <a:srgbClr val="000000"/>
                 </a:solidFill>
@@ -21003,7 +20205,7 @@
               </a:rPr>
               <a:t>Security Feedback and Recommendations</a:t>
             </a:r>
-            <a:endParaRPr lang="en-PK" sz="1600" b="1" dirty="0">
+            <a:endParaRPr lang="en-PK" sz="1600" dirty="0">
               <a:effectLst/>
               <a:latin typeface="Calibri" panose="020F0502020204030204" pitchFamily="34" charset="0"/>
               <a:ea typeface="Times New Roman" panose="02020603050405020304" pitchFamily="18" charset="0"/>
@@ -21147,6 +20349,138 @@
         <p14:creationId xmlns:p14="http://schemas.microsoft.com/office/powerpoint/2010/main" val="2572070746"/>
       </p:ext>
     </p:extLst>
+  </p:cSld>
+  <p:clrMapOvr>
+    <a:masterClrMapping/>
+  </p:clrMapOvr>
+</p:sld>
+</file>
+
+<file path=ppt/slides/slide19.xml><?xml version="1.0" encoding="utf-8"?>
+<p:sld xmlns:a="http://schemas.openxmlformats.org/drawingml/2006/main" xmlns:r="http://schemas.openxmlformats.org/officeDocument/2006/relationships" xmlns:p="http://schemas.openxmlformats.org/presentationml/2006/main">
+  <p:cSld>
+    <p:spTree>
+      <p:nvGrpSpPr>
+        <p:cNvPr id="1" name="Shape 132"/>
+        <p:cNvGrpSpPr/>
+        <p:nvPr/>
+      </p:nvGrpSpPr>
+      <p:grpSpPr>
+        <a:xfrm>
+          <a:off x="0" y="0"/>
+          <a:ext cx="0" cy="0"/>
+          <a:chOff x="0" y="0"/>
+          <a:chExt cx="0" cy="0"/>
+        </a:xfrm>
+      </p:grpSpPr>
+      <p:sp>
+        <p:nvSpPr>
+          <p:cNvPr id="133" name="Google Shape;133;p7"/>
+          <p:cNvSpPr txBox="1">
+            <a:spLocks noGrp="1"/>
+          </p:cNvSpPr>
+          <p:nvPr>
+            <p:ph type="title"/>
+          </p:nvPr>
+        </p:nvSpPr>
+        <p:spPr>
+          <a:xfrm>
+            <a:off x="722313" y="4406900"/>
+            <a:ext cx="7772400" cy="1362075"/>
+          </a:xfrm>
+          <a:prstGeom prst="rect">
+            <a:avLst/>
+          </a:prstGeom>
+          <a:noFill/>
+          <a:ln>
+            <a:noFill/>
+          </a:ln>
+        </p:spPr>
+        <p:txBody>
+          <a:bodyPr spcFirstLastPara="1" wrap="square" lIns="91425" tIns="45700" rIns="91425" bIns="45700" anchor="t" anchorCtr="0">
+            <a:normAutofit/>
+          </a:bodyPr>
+          <a:lstStyle/>
+          <a:p>
+            <a:pPr marL="0" lvl="0" indent="0" algn="l" rtl="0">
+              <a:lnSpc>
+                <a:spcPct val="100000"/>
+              </a:lnSpc>
+              <a:spcBef>
+                <a:spcPts val="0"/>
+              </a:spcBef>
+              <a:spcAft>
+                <a:spcPts val="0"/>
+              </a:spcAft>
+              <a:buSzPts val="1400"/>
+              <a:buNone/>
+            </a:pPr>
+            <a:r>
+              <a:rPr lang="en-US"/>
+              <a:t>PROGRESS REPORT</a:t>
+            </a:r>
+            <a:br>
+              <a:rPr lang="en-US"/>
+            </a:br>
+            <a:r>
+              <a:rPr lang="en-US"/>
+              <a:t>SUMMARY</a:t>
+            </a:r>
+            <a:endParaRPr/>
+          </a:p>
+        </p:txBody>
+      </p:sp>
+      <p:sp>
+        <p:nvSpPr>
+          <p:cNvPr id="134" name="Google Shape;134;p7"/>
+          <p:cNvSpPr txBox="1">
+            <a:spLocks noGrp="1"/>
+          </p:cNvSpPr>
+          <p:nvPr>
+            <p:ph type="body" idx="1"/>
+          </p:nvPr>
+        </p:nvSpPr>
+        <p:spPr>
+          <a:xfrm>
+            <a:off x="722313" y="2906713"/>
+            <a:ext cx="7772400" cy="1500187"/>
+          </a:xfrm>
+          <a:prstGeom prst="rect">
+            <a:avLst/>
+          </a:prstGeom>
+          <a:noFill/>
+          <a:ln>
+            <a:noFill/>
+          </a:ln>
+        </p:spPr>
+        <p:txBody>
+          <a:bodyPr spcFirstLastPara="1" wrap="square" lIns="91425" tIns="45700" rIns="91425" bIns="45700" anchor="b" anchorCtr="0">
+            <a:normAutofit/>
+          </a:bodyPr>
+          <a:lstStyle/>
+          <a:p>
+            <a:pPr marL="44450" lvl="0" indent="0" algn="l" rtl="0">
+              <a:lnSpc>
+                <a:spcPct val="100000"/>
+              </a:lnSpc>
+              <a:spcBef>
+                <a:spcPts val="0"/>
+              </a:spcBef>
+              <a:spcAft>
+                <a:spcPts val="0"/>
+              </a:spcAft>
+              <a:buClr>
+                <a:srgbClr val="888888"/>
+              </a:buClr>
+              <a:buSzPts val="2000"/>
+              <a:buFont typeface="Arial"/>
+              <a:buNone/>
+            </a:pPr>
+            <a:endParaRPr/>
+          </a:p>
+        </p:txBody>
+      </p:sp>
+    </p:spTree>
   </p:cSld>
   <p:clrMapOvr>
     <a:masterClrMapping/>
@@ -21333,138 +20667,6 @@
   <p:cSld>
     <p:spTree>
       <p:nvGrpSpPr>
-        <p:cNvPr id="1" name="Shape 132"/>
-        <p:cNvGrpSpPr/>
-        <p:nvPr/>
-      </p:nvGrpSpPr>
-      <p:grpSpPr>
-        <a:xfrm>
-          <a:off x="0" y="0"/>
-          <a:ext cx="0" cy="0"/>
-          <a:chOff x="0" y="0"/>
-          <a:chExt cx="0" cy="0"/>
-        </a:xfrm>
-      </p:grpSpPr>
-      <p:sp>
-        <p:nvSpPr>
-          <p:cNvPr id="133" name="Google Shape;133;p7"/>
-          <p:cNvSpPr txBox="1">
-            <a:spLocks noGrp="1"/>
-          </p:cNvSpPr>
-          <p:nvPr>
-            <p:ph type="title"/>
-          </p:nvPr>
-        </p:nvSpPr>
-        <p:spPr>
-          <a:xfrm>
-            <a:off x="722313" y="4406900"/>
-            <a:ext cx="7772400" cy="1362075"/>
-          </a:xfrm>
-          <a:prstGeom prst="rect">
-            <a:avLst/>
-          </a:prstGeom>
-          <a:noFill/>
-          <a:ln>
-            <a:noFill/>
-          </a:ln>
-        </p:spPr>
-        <p:txBody>
-          <a:bodyPr spcFirstLastPara="1" wrap="square" lIns="91425" tIns="45700" rIns="91425" bIns="45700" anchor="t" anchorCtr="0">
-            <a:normAutofit/>
-          </a:bodyPr>
-          <a:lstStyle/>
-          <a:p>
-            <a:pPr marL="0" lvl="0" indent="0" algn="l" rtl="0">
-              <a:lnSpc>
-                <a:spcPct val="100000"/>
-              </a:lnSpc>
-              <a:spcBef>
-                <a:spcPts val="0"/>
-              </a:spcBef>
-              <a:spcAft>
-                <a:spcPts val="0"/>
-              </a:spcAft>
-              <a:buSzPts val="1400"/>
-              <a:buNone/>
-            </a:pPr>
-            <a:r>
-              <a:rPr lang="en-US"/>
-              <a:t>PROGRESS REPORT</a:t>
-            </a:r>
-            <a:br>
-              <a:rPr lang="en-US"/>
-            </a:br>
-            <a:r>
-              <a:rPr lang="en-US"/>
-              <a:t>SUMMARY</a:t>
-            </a:r>
-            <a:endParaRPr/>
-          </a:p>
-        </p:txBody>
-      </p:sp>
-      <p:sp>
-        <p:nvSpPr>
-          <p:cNvPr id="134" name="Google Shape;134;p7"/>
-          <p:cNvSpPr txBox="1">
-            <a:spLocks noGrp="1"/>
-          </p:cNvSpPr>
-          <p:nvPr>
-            <p:ph type="body" idx="1"/>
-          </p:nvPr>
-        </p:nvSpPr>
-        <p:spPr>
-          <a:xfrm>
-            <a:off x="722313" y="2906713"/>
-            <a:ext cx="7772400" cy="1500187"/>
-          </a:xfrm>
-          <a:prstGeom prst="rect">
-            <a:avLst/>
-          </a:prstGeom>
-          <a:noFill/>
-          <a:ln>
-            <a:noFill/>
-          </a:ln>
-        </p:spPr>
-        <p:txBody>
-          <a:bodyPr spcFirstLastPara="1" wrap="square" lIns="91425" tIns="45700" rIns="91425" bIns="45700" anchor="b" anchorCtr="0">
-            <a:normAutofit/>
-          </a:bodyPr>
-          <a:lstStyle/>
-          <a:p>
-            <a:pPr marL="44450" lvl="0" indent="0" algn="l" rtl="0">
-              <a:lnSpc>
-                <a:spcPct val="100000"/>
-              </a:lnSpc>
-              <a:spcBef>
-                <a:spcPts val="0"/>
-              </a:spcBef>
-              <a:spcAft>
-                <a:spcPts val="0"/>
-              </a:spcAft>
-              <a:buClr>
-                <a:srgbClr val="888888"/>
-              </a:buClr>
-              <a:buSzPts val="2000"/>
-              <a:buFont typeface="Arial"/>
-              <a:buNone/>
-            </a:pPr>
-            <a:endParaRPr/>
-          </a:p>
-        </p:txBody>
-      </p:sp>
-    </p:spTree>
-  </p:cSld>
-  <p:clrMapOvr>
-    <a:masterClrMapping/>
-  </p:clrMapOvr>
-</p:sld>
-</file>
-
-<file path=ppt/slides/slide21.xml><?xml version="1.0" encoding="utf-8"?>
-<p:sld xmlns:a="http://schemas.openxmlformats.org/drawingml/2006/main" xmlns:r="http://schemas.openxmlformats.org/officeDocument/2006/relationships" xmlns:p="http://schemas.openxmlformats.org/presentationml/2006/main">
-  <p:cSld>
-    <p:spTree>
-      <p:nvGrpSpPr>
         <p:cNvPr id="1" name="Shape 138"/>
         <p:cNvGrpSpPr/>
         <p:nvPr/>
@@ -21787,7 +20989,7 @@
 </p:sld>
 </file>
 
-<file path=ppt/slides/slide22.xml><?xml version="1.0" encoding="utf-8"?>
+<file path=ppt/slides/slide21.xml><?xml version="1.0" encoding="utf-8"?>
 <p:sld xmlns:a="http://schemas.openxmlformats.org/drawingml/2006/main" xmlns:r="http://schemas.openxmlformats.org/officeDocument/2006/relationships" xmlns:p="http://schemas.openxmlformats.org/presentationml/2006/main">
   <p:cSld>
     <p:spTree>
@@ -21887,17 +21089,8 @@
                 <a:ea typeface="Times New Roman" panose="02020603050405020304" pitchFamily="18" charset="0"/>
                 <a:cs typeface="Calibri" panose="020F0502020204030204" pitchFamily="34" charset="0"/>
               </a:rPr>
-              <a:t>User Registration and Authentication (RBAC)</a:t>
-            </a:r>
-            <a:endParaRPr lang="en-GB" sz="2800" dirty="0">
-              <a:solidFill>
-                <a:srgbClr val="000000"/>
-              </a:solidFill>
-              <a:effectLst/>
-              <a:latin typeface="Calibri" panose="020F0502020204030204" pitchFamily="34" charset="0"/>
-              <a:ea typeface="Times New Roman" panose="02020603050405020304" pitchFamily="18" charset="0"/>
-              <a:cs typeface="Calibri" panose="020F0502020204030204" pitchFamily="34" charset="0"/>
-            </a:endParaRPr>
+              <a:t>User Registration and Authentication</a:t>
+            </a:r>
           </a:p>
           <a:p>
             <a:pPr marL="342900" lvl="0" indent="-342900">
@@ -21911,15 +21104,18 @@
                 <a:tab pos="457200" algn="l"/>
               </a:tabLst>
             </a:pPr>
-            <a:endParaRPr lang="en-PK" sz="1800" dirty="0">
-              <a:solidFill>
-                <a:srgbClr val="000000"/>
-              </a:solidFill>
-              <a:effectLst/>
-              <a:latin typeface="Calibri" panose="020F0502020204030204" pitchFamily="34" charset="0"/>
-              <a:ea typeface="Times New Roman" panose="02020603050405020304" pitchFamily="18" charset="0"/>
-              <a:cs typeface="Calibri" panose="020F0502020204030204" pitchFamily="34" charset="0"/>
-            </a:endParaRPr>
+            <a:r>
+              <a:rPr lang="en-PK" sz="2800" dirty="0">
+                <a:solidFill>
+                  <a:srgbClr val="000000"/>
+                </a:solidFill>
+                <a:effectLst/>
+                <a:latin typeface="Calibri" panose="020F0502020204030204" pitchFamily="34" charset="0"/>
+                <a:ea typeface="Times New Roman" panose="02020603050405020304" pitchFamily="18" charset="0"/>
+                <a:cs typeface="Calibri" panose="020F0502020204030204" pitchFamily="34" charset="0"/>
+              </a:rPr>
+              <a:t>Campaign creation and email template management</a:t>
+            </a:r>
           </a:p>
           <a:p>
             <a:pPr marL="342900" lvl="0" indent="-342900">
@@ -21943,17 +21139,8 @@
                 <a:ea typeface="Times New Roman" panose="02020603050405020304" pitchFamily="18" charset="0"/>
                 <a:cs typeface="Calibri" panose="020F0502020204030204" pitchFamily="34" charset="0"/>
               </a:rPr>
-              <a:t>Campaign creation and email template management</a:t>
-            </a:r>
-            <a:endParaRPr lang="en-GB" sz="2800" dirty="0">
-              <a:solidFill>
-                <a:srgbClr val="000000"/>
-              </a:solidFill>
-              <a:effectLst/>
-              <a:latin typeface="Calibri" panose="020F0502020204030204" pitchFamily="34" charset="0"/>
-              <a:ea typeface="Times New Roman" panose="02020603050405020304" pitchFamily="18" charset="0"/>
-              <a:cs typeface="Calibri" panose="020F0502020204030204" pitchFamily="34" charset="0"/>
-            </a:endParaRPr>
+              <a:t>Email scheduling (batch, burst, normal modes)</a:t>
+            </a:r>
           </a:p>
           <a:p>
             <a:pPr marL="342900" lvl="0" indent="-342900">
@@ -21967,28 +21154,6 @@
                 <a:tab pos="457200" algn="l"/>
               </a:tabLst>
             </a:pPr>
-            <a:endParaRPr lang="en-PK" sz="1800" dirty="0">
-              <a:solidFill>
-                <a:srgbClr val="000000"/>
-              </a:solidFill>
-              <a:effectLst/>
-              <a:latin typeface="Calibri" panose="020F0502020204030204" pitchFamily="34" charset="0"/>
-              <a:ea typeface="Times New Roman" panose="02020603050405020304" pitchFamily="18" charset="0"/>
-              <a:cs typeface="Calibri" panose="020F0502020204030204" pitchFamily="34" charset="0"/>
-            </a:endParaRPr>
-          </a:p>
-          <a:p>
-            <a:pPr marL="342900" lvl="0" indent="-342900">
-              <a:lnSpc>
-                <a:spcPct val="150000"/>
-              </a:lnSpc>
-              <a:buSzPts val="1000"/>
-              <a:buFont typeface="Symbol" panose="05050102010706020507" pitchFamily="18" charset="2"/>
-              <a:buChar char=""/>
-              <a:tabLst>
-                <a:tab pos="457200" algn="l"/>
-              </a:tabLst>
-            </a:pPr>
             <a:r>
               <a:rPr lang="en-PK" sz="2800" dirty="0">
                 <a:solidFill>
@@ -21999,7 +21164,7 @@
                 <a:ea typeface="Times New Roman" panose="02020603050405020304" pitchFamily="18" charset="0"/>
                 <a:cs typeface="Calibri" panose="020F0502020204030204" pitchFamily="34" charset="0"/>
               </a:rPr>
-              <a:t>Email scheduling (batch, burst, normal modes)</a:t>
+              <a:t>Real-time tracking of email interactions (open, click, submit)</a:t>
             </a:r>
           </a:p>
           <a:p>
@@ -22027,7 +21192,7 @@
 </p:sld>
 </file>
 
-<file path=ppt/slides/slide23.xml><?xml version="1.0" encoding="utf-8"?>
+<file path=ppt/slides/slide22.xml><?xml version="1.0" encoding="utf-8"?>
 <p:sld xmlns:a="http://schemas.openxmlformats.org/drawingml/2006/main" xmlns:r="http://schemas.openxmlformats.org/officeDocument/2006/relationships" xmlns:p="http://schemas.openxmlformats.org/presentationml/2006/main">
   <p:cSld>
     <p:spTree>
@@ -22134,17 +21299,6 @@
               </a:tabLst>
             </a:pPr>
             <a:r>
-              <a:rPr lang="en-GB" sz="2800" dirty="0">
-                <a:solidFill>
-                  <a:srgbClr val="000000"/>
-                </a:solidFill>
-                <a:latin typeface="Calibri" panose="020F0502020204030204" pitchFamily="34" charset="0"/>
-                <a:ea typeface="Times New Roman" panose="02020603050405020304" pitchFamily="18" charset="0"/>
-                <a:cs typeface="Calibri" panose="020F0502020204030204" pitchFamily="34" charset="0"/>
-              </a:rPr>
-              <a:t>P</a:t>
-            </a:r>
-            <a:r>
               <a:rPr lang="en-PK" sz="2800" dirty="0">
                 <a:solidFill>
                   <a:srgbClr val="000000"/>
@@ -22154,17 +21308,8 @@
                 <a:ea typeface="Times New Roman" panose="02020603050405020304" pitchFamily="18" charset="0"/>
                 <a:cs typeface="Calibri" panose="020F0502020204030204" pitchFamily="34" charset="0"/>
               </a:rPr>
-              <a:t>hishing scenario deployment</a:t>
-            </a:r>
-            <a:endParaRPr lang="en-GB" sz="2800" dirty="0">
-              <a:solidFill>
-                <a:srgbClr val="000000"/>
-              </a:solidFill>
-              <a:effectLst/>
-              <a:latin typeface="Calibri" panose="020F0502020204030204" pitchFamily="34" charset="0"/>
-              <a:ea typeface="Times New Roman" panose="02020603050405020304" pitchFamily="18" charset="0"/>
-              <a:cs typeface="Calibri" panose="020F0502020204030204" pitchFamily="34" charset="0"/>
-            </a:endParaRPr>
+              <a:t>Organization phishing scenario deployment</a:t>
+            </a:r>
           </a:p>
           <a:p>
             <a:pPr marL="342900" lvl="0" indent="-342900">
@@ -22178,15 +21323,18 @@
                 <a:tab pos="457200" algn="l"/>
               </a:tabLst>
             </a:pPr>
-            <a:endParaRPr lang="en-PK" sz="1800" dirty="0">
-              <a:solidFill>
-                <a:srgbClr val="000000"/>
-              </a:solidFill>
-              <a:effectLst/>
-              <a:latin typeface="Calibri" panose="020F0502020204030204" pitchFamily="34" charset="0"/>
-              <a:ea typeface="Times New Roman" panose="02020603050405020304" pitchFamily="18" charset="0"/>
-              <a:cs typeface="Calibri" panose="020F0502020204030204" pitchFamily="34" charset="0"/>
-            </a:endParaRPr>
+            <a:r>
+              <a:rPr lang="en-PK" sz="2800" dirty="0">
+                <a:solidFill>
+                  <a:srgbClr val="000000"/>
+                </a:solidFill>
+                <a:effectLst/>
+                <a:latin typeface="Calibri" panose="020F0502020204030204" pitchFamily="34" charset="0"/>
+                <a:ea typeface="Times New Roman" panose="02020603050405020304" pitchFamily="18" charset="0"/>
+                <a:cs typeface="Calibri" panose="020F0502020204030204" pitchFamily="34" charset="0"/>
+              </a:rPr>
+              <a:t>Reporting and analytics dashboard</a:t>
+            </a:r>
           </a:p>
           <a:p>
             <a:pPr marL="342900" lvl="0" indent="-342900">
@@ -22210,83 +21358,7 @@
                 <a:ea typeface="Times New Roman" panose="02020603050405020304" pitchFamily="18" charset="0"/>
                 <a:cs typeface="Calibri" panose="020F0502020204030204" pitchFamily="34" charset="0"/>
               </a:rPr>
-              <a:t>Reporting and analytics dashboard</a:t>
-            </a:r>
-            <a:endParaRPr lang="en-GB" sz="2800" dirty="0">
-              <a:solidFill>
-                <a:srgbClr val="000000"/>
-              </a:solidFill>
-              <a:effectLst/>
-              <a:latin typeface="Calibri" panose="020F0502020204030204" pitchFamily="34" charset="0"/>
-              <a:ea typeface="Times New Roman" panose="02020603050405020304" pitchFamily="18" charset="0"/>
-              <a:cs typeface="Calibri" panose="020F0502020204030204" pitchFamily="34" charset="0"/>
-            </a:endParaRPr>
-          </a:p>
-          <a:p>
-            <a:pPr marL="342900" lvl="0" indent="-342900">
-              <a:lnSpc>
-                <a:spcPct val="150000"/>
-              </a:lnSpc>
-              <a:buSzPts val="1000"/>
-              <a:buFont typeface="Symbol" panose="05050102010706020507" pitchFamily="18" charset="2"/>
-              <a:buChar char=""/>
-              <a:tabLst>
-                <a:tab pos="457200" algn="l"/>
-              </a:tabLst>
-            </a:pPr>
-            <a:endParaRPr lang="en-GB" sz="1800" dirty="0">
-              <a:solidFill>
-                <a:srgbClr val="000000"/>
-              </a:solidFill>
-              <a:latin typeface="Calibri" panose="020F0502020204030204" pitchFamily="34" charset="0"/>
-              <a:ea typeface="Times New Roman" panose="02020603050405020304" pitchFamily="18" charset="0"/>
-              <a:cs typeface="Calibri" panose="020F0502020204030204" pitchFamily="34" charset="0"/>
-            </a:endParaRPr>
-          </a:p>
-          <a:p>
-            <a:pPr marL="342900" lvl="0" indent="-342900">
-              <a:lnSpc>
-                <a:spcPct val="150000"/>
-              </a:lnSpc>
-              <a:buSzPts val="1000"/>
-              <a:buFont typeface="Symbol" panose="05050102010706020507" pitchFamily="18" charset="2"/>
-              <a:buChar char=""/>
-              <a:tabLst>
-                <a:tab pos="457200" algn="l"/>
-              </a:tabLst>
-            </a:pPr>
-            <a:r>
-              <a:rPr lang="en-PK" sz="2800" dirty="0">
-                <a:solidFill>
-                  <a:srgbClr val="000000"/>
-                </a:solidFill>
-                <a:latin typeface="Calibri" panose="020F0502020204030204" pitchFamily="34" charset="0"/>
-                <a:ea typeface="Times New Roman" panose="02020603050405020304" pitchFamily="18" charset="0"/>
-                <a:cs typeface="Calibri" panose="020F0502020204030204" pitchFamily="34" charset="0"/>
-              </a:rPr>
-              <a:t>Real-time of email </a:t>
-            </a:r>
-            <a:r>
-              <a:rPr lang="en-GB" sz="2800" dirty="0">
-                <a:solidFill>
-                  <a:srgbClr val="000000"/>
-                </a:solidFill>
-                <a:latin typeface="Calibri" panose="020F0502020204030204" pitchFamily="34" charset="0"/>
-                <a:ea typeface="Times New Roman" panose="02020603050405020304" pitchFamily="18" charset="0"/>
-                <a:cs typeface="Calibri" panose="020F0502020204030204" pitchFamily="34" charset="0"/>
-              </a:rPr>
-              <a:t>tracking</a:t>
-            </a:r>
-            <a:r>
-              <a:rPr lang="en-PK" sz="2800" dirty="0">
-                <a:solidFill>
-                  <a:srgbClr val="000000"/>
-                </a:solidFill>
-                <a:latin typeface="Calibri" panose="020F0502020204030204" pitchFamily="34" charset="0"/>
-                <a:ea typeface="Times New Roman" panose="02020603050405020304" pitchFamily="18" charset="0"/>
-                <a:cs typeface="Calibri" panose="020F0502020204030204" pitchFamily="34" charset="0"/>
-              </a:rPr>
-              <a:t> (open, click, submit)</a:t>
+              <a:t>API integration for automation and SIEM compatibility</a:t>
             </a:r>
           </a:p>
           <a:p>
@@ -22307,7 +21379,7 @@
 </p:sld>
 </file>
 
-<file path=ppt/slides/slide24.xml><?xml version="1.0" encoding="utf-8"?>
+<file path=ppt/slides/slide23.xml><?xml version="1.0" encoding="utf-8"?>
 <p:sld xmlns:a="http://schemas.openxmlformats.org/drawingml/2006/main" xmlns:r="http://schemas.openxmlformats.org/officeDocument/2006/relationships" xmlns:p="http://schemas.openxmlformats.org/presentationml/2006/main">
   <p:cSld>
     <p:spTree>
@@ -22404,17 +21476,8 @@
                 <a:ea typeface="Times New Roman" panose="02020603050405020304" pitchFamily="18" charset="0"/>
                 <a:cs typeface="Calibri" panose="020F0502020204030204" pitchFamily="34" charset="0"/>
               </a:rPr>
-              <a:t>Scalability: multiple organizations and user groups concurrently</a:t>
-            </a:r>
-            <a:endParaRPr lang="en-GB" sz="2800" dirty="0">
-              <a:solidFill>
-                <a:srgbClr val="000000"/>
-              </a:solidFill>
-              <a:effectLst/>
-              <a:latin typeface="Calibri" panose="020F0502020204030204" pitchFamily="34" charset="0"/>
-              <a:ea typeface="Times New Roman" panose="02020603050405020304" pitchFamily="18" charset="0"/>
-              <a:cs typeface="Calibri" panose="020F0502020204030204" pitchFamily="34" charset="0"/>
-            </a:endParaRPr>
+              <a:t>Scalability: Should handle multiple organizations and user groups concurrently</a:t>
+            </a:r>
           </a:p>
           <a:p>
             <a:pPr marL="342900" lvl="0" indent="-342900" algn="just">
@@ -22428,15 +21491,18 @@
                 <a:tab pos="457200" algn="l"/>
               </a:tabLst>
             </a:pPr>
-            <a:endParaRPr lang="en-PK" sz="1800" dirty="0">
-              <a:solidFill>
-                <a:srgbClr val="000000"/>
-              </a:solidFill>
-              <a:effectLst/>
-              <a:latin typeface="Calibri" panose="020F0502020204030204" pitchFamily="34" charset="0"/>
-              <a:ea typeface="Times New Roman" panose="02020603050405020304" pitchFamily="18" charset="0"/>
-              <a:cs typeface="Calibri" panose="020F0502020204030204" pitchFamily="34" charset="0"/>
-            </a:endParaRPr>
+            <a:r>
+              <a:rPr lang="en-PK" sz="2800" dirty="0">
+                <a:solidFill>
+                  <a:srgbClr val="000000"/>
+                </a:solidFill>
+                <a:effectLst/>
+                <a:latin typeface="Calibri" panose="020F0502020204030204" pitchFamily="34" charset="0"/>
+                <a:ea typeface="Times New Roman" panose="02020603050405020304" pitchFamily="18" charset="0"/>
+                <a:cs typeface="Calibri" panose="020F0502020204030204" pitchFamily="34" charset="0"/>
+              </a:rPr>
+              <a:t>Security: Must protect against unauthorized access and data breaches</a:t>
+            </a:r>
           </a:p>
           <a:p>
             <a:pPr marL="342900" lvl="0" indent="-342900" algn="just">
@@ -22460,85 +21526,8 @@
                 <a:ea typeface="Times New Roman" panose="02020603050405020304" pitchFamily="18" charset="0"/>
                 <a:cs typeface="Calibri" panose="020F0502020204030204" pitchFamily="34" charset="0"/>
               </a:rPr>
-              <a:t>Security: unauthorized access and data breaches</a:t>
-            </a:r>
-            <a:endParaRPr lang="en-GB" sz="2800" dirty="0">
-              <a:solidFill>
-                <a:srgbClr val="000000"/>
-              </a:solidFill>
-              <a:effectLst/>
-              <a:latin typeface="Calibri" panose="020F0502020204030204" pitchFamily="34" charset="0"/>
-              <a:ea typeface="Times New Roman" panose="02020603050405020304" pitchFamily="18" charset="0"/>
-              <a:cs typeface="Calibri" panose="020F0502020204030204" pitchFamily="34" charset="0"/>
-            </a:endParaRPr>
-          </a:p>
-          <a:p>
-            <a:pPr marL="342900" lvl="0" indent="-342900" algn="just">
-              <a:lnSpc>
-                <a:spcPct val="150000"/>
-              </a:lnSpc>
-              <a:buSzPts val="1000"/>
-              <a:buFont typeface="Symbol" panose="05050102010706020507" pitchFamily="18" charset="2"/>
-              <a:buChar char=""/>
-              <a:tabLst>
-                <a:tab pos="457200" algn="l"/>
-              </a:tabLst>
-            </a:pPr>
-            <a:endParaRPr lang="en-PK" sz="1800" dirty="0">
-              <a:solidFill>
-                <a:srgbClr val="000000"/>
-              </a:solidFill>
-              <a:effectLst/>
-              <a:latin typeface="Calibri" panose="020F0502020204030204" pitchFamily="34" charset="0"/>
-              <a:ea typeface="Times New Roman" panose="02020603050405020304" pitchFamily="18" charset="0"/>
-              <a:cs typeface="Calibri" panose="020F0502020204030204" pitchFamily="34" charset="0"/>
-            </a:endParaRPr>
-          </a:p>
-          <a:p>
-            <a:pPr marL="342900" lvl="0" indent="-342900" algn="just">
-              <a:lnSpc>
-                <a:spcPct val="150000"/>
-              </a:lnSpc>
-              <a:buSzPts val="1000"/>
-              <a:buFont typeface="Symbol" panose="05050102010706020507" pitchFamily="18" charset="2"/>
-              <a:buChar char=""/>
-              <a:tabLst>
-                <a:tab pos="457200" algn="l"/>
-              </a:tabLst>
-            </a:pPr>
-            <a:r>
-              <a:rPr lang="en-PK" sz="2800" dirty="0">
-                <a:solidFill>
-                  <a:srgbClr val="000000"/>
-                </a:solidFill>
-                <a:effectLst/>
-                <a:latin typeface="Calibri" panose="020F0502020204030204" pitchFamily="34" charset="0"/>
-                <a:ea typeface="Times New Roman" panose="02020603050405020304" pitchFamily="18" charset="0"/>
-                <a:cs typeface="Calibri" panose="020F0502020204030204" pitchFamily="34" charset="0"/>
-              </a:rPr>
-              <a:t>Usability: Intuitive UI/UX </a:t>
-            </a:r>
-            <a:r>
-              <a:rPr lang="en-GB" sz="2800" dirty="0">
-                <a:solidFill>
-                  <a:srgbClr val="000000"/>
-                </a:solidFill>
-                <a:effectLst/>
-                <a:latin typeface="Calibri" panose="020F0502020204030204" pitchFamily="34" charset="0"/>
-                <a:ea typeface="Times New Roman" panose="02020603050405020304" pitchFamily="18" charset="0"/>
-                <a:cs typeface="Calibri" panose="020F0502020204030204" pitchFamily="34" charset="0"/>
-              </a:rPr>
-              <a:t>environment</a:t>
-            </a:r>
-            <a:endParaRPr lang="en-PK" sz="2800" dirty="0">
-              <a:solidFill>
-                <a:srgbClr val="000000"/>
-              </a:solidFill>
-              <a:effectLst/>
-              <a:latin typeface="Calibri" panose="020F0502020204030204" pitchFamily="34" charset="0"/>
-              <a:ea typeface="Times New Roman" panose="02020603050405020304" pitchFamily="18" charset="0"/>
-              <a:cs typeface="Calibri" panose="020F0502020204030204" pitchFamily="34" charset="0"/>
-            </a:endParaRPr>
+              <a:t>Usability: Intuitive UI/UX for non-technical users</a:t>
+            </a:r>
           </a:p>
           <a:p>
             <a:endParaRPr lang="en-PK" dirty="0"/>
@@ -22558,7 +21547,7 @@
 </p:sld>
 </file>
 
-<file path=ppt/slides/slide25.xml><?xml version="1.0" encoding="utf-8"?>
+<file path=ppt/slides/slide24.xml><?xml version="1.0" encoding="utf-8"?>
 <p:sld xmlns:a="http://schemas.openxmlformats.org/drawingml/2006/main" xmlns:r="http://schemas.openxmlformats.org/officeDocument/2006/relationships" xmlns:p="http://schemas.openxmlformats.org/presentationml/2006/main">
   <p:cSld>
     <p:spTree>
@@ -22671,9 +21660,9 @@
                 <a:ea typeface="Times New Roman" panose="02020603050405020304" pitchFamily="18" charset="0"/>
                 <a:cs typeface="Calibri" panose="020F0502020204030204" pitchFamily="34" charset="0"/>
               </a:rPr>
-              <a:t>Performance: Real-time tracking and minimal latency</a:t>
-            </a:r>
-            <a:endParaRPr lang="en-GB" sz="2800" dirty="0">
+              <a:t>Performance: Real-time response tracking and minimal latency</a:t>
+            </a:r>
+            <a:endParaRPr lang="en-US" sz="2800" dirty="0">
               <a:solidFill>
                 <a:srgbClr val="000000"/>
               </a:solidFill>
@@ -22695,28 +21684,6 @@
                 <a:tab pos="457200" algn="l"/>
               </a:tabLst>
             </a:pPr>
-            <a:endParaRPr lang="en-US" sz="1600" dirty="0">
-              <a:solidFill>
-                <a:srgbClr val="000000"/>
-              </a:solidFill>
-              <a:effectLst/>
-              <a:latin typeface="Calibri" panose="020F0502020204030204" pitchFamily="34" charset="0"/>
-              <a:ea typeface="Times New Roman" panose="02020603050405020304" pitchFamily="18" charset="0"/>
-              <a:cs typeface="Calibri" panose="020F0502020204030204" pitchFamily="34" charset="0"/>
-            </a:endParaRPr>
-          </a:p>
-          <a:p>
-            <a:pPr marL="342900" lvl="0" indent="-342900" algn="just">
-              <a:lnSpc>
-                <a:spcPct val="150000"/>
-              </a:lnSpc>
-              <a:buSzPts val="1000"/>
-              <a:buFont typeface="Symbol" panose="05050102010706020507" pitchFamily="18" charset="2"/>
-              <a:buChar char=""/>
-              <a:tabLst>
-                <a:tab pos="457200" algn="l"/>
-              </a:tabLst>
-            </a:pPr>
             <a:r>
               <a:rPr lang="en-PK" sz="2800" dirty="0">
                 <a:solidFill>
@@ -22749,37 +21716,6 @@
               </a:rPr>
               <a:t>Modular codebase for easy updates</a:t>
             </a:r>
-            <a:endParaRPr lang="en-GB" sz="2800" dirty="0">
-              <a:solidFill>
-                <a:srgbClr val="000000"/>
-              </a:solidFill>
-              <a:effectLst/>
-              <a:latin typeface="Calibri" panose="020F0502020204030204" pitchFamily="34" charset="0"/>
-              <a:ea typeface="Times New Roman" panose="02020603050405020304" pitchFamily="18" charset="0"/>
-              <a:cs typeface="Calibri" panose="020F0502020204030204" pitchFamily="34" charset="0"/>
-            </a:endParaRPr>
-          </a:p>
-          <a:p>
-            <a:pPr marL="342900" lvl="0" indent="-342900" algn="just">
-              <a:lnSpc>
-                <a:spcPct val="150000"/>
-              </a:lnSpc>
-              <a:buSzPts val="1000"/>
-              <a:buFont typeface="Symbol" panose="05050102010706020507" pitchFamily="18" charset="2"/>
-              <a:buChar char=""/>
-              <a:tabLst>
-                <a:tab pos="457200" algn="l"/>
-              </a:tabLst>
-            </a:pPr>
-            <a:endParaRPr lang="en-PK" sz="1600" dirty="0">
-              <a:solidFill>
-                <a:srgbClr val="000000"/>
-              </a:solidFill>
-              <a:effectLst/>
-              <a:latin typeface="Calibri" panose="020F0502020204030204" pitchFamily="34" charset="0"/>
-              <a:ea typeface="Times New Roman" panose="02020603050405020304" pitchFamily="18" charset="0"/>
-              <a:cs typeface="Calibri" panose="020F0502020204030204" pitchFamily="34" charset="0"/>
-            </a:endParaRPr>
           </a:p>
           <a:p>
             <a:pPr marL="342900" lvl="0" indent="-342900" algn="just">
@@ -22824,370 +21760,7 @@
 </p:sld>
 </file>
 
-<file path=ppt/slides/slide26.xml><?xml version="1.0" encoding="utf-8"?>
-<p:sld xmlns:a="http://schemas.openxmlformats.org/drawingml/2006/main" xmlns:r="http://schemas.openxmlformats.org/officeDocument/2006/relationships" xmlns:p="http://schemas.openxmlformats.org/presentationml/2006/main">
-  <p:cSld>
-    <p:spTree>
-      <p:nvGrpSpPr>
-        <p:cNvPr id="1" name="Shape 144"/>
-        <p:cNvGrpSpPr/>
-        <p:nvPr/>
-      </p:nvGrpSpPr>
-      <p:grpSpPr>
-        <a:xfrm>
-          <a:off x="0" y="0"/>
-          <a:ext cx="0" cy="0"/>
-          <a:chOff x="0" y="0"/>
-          <a:chExt cx="0" cy="0"/>
-        </a:xfrm>
-      </p:grpSpPr>
-      <p:sp>
-        <p:nvSpPr>
-          <p:cNvPr id="145" name="Google Shape;145;p10"/>
-          <p:cNvSpPr txBox="1">
-            <a:spLocks noGrp="1"/>
-          </p:cNvSpPr>
-          <p:nvPr>
-            <p:ph type="title"/>
-          </p:nvPr>
-        </p:nvSpPr>
-        <p:spPr>
-          <a:xfrm>
-            <a:off x="457200" y="274638"/>
-            <a:ext cx="8229600" cy="1143000"/>
-          </a:xfrm>
-          <a:prstGeom prst="rect">
-            <a:avLst/>
-          </a:prstGeom>
-          <a:noFill/>
-          <a:ln>
-            <a:noFill/>
-          </a:ln>
-        </p:spPr>
-        <p:txBody>
-          <a:bodyPr spcFirstLastPara="1" wrap="square" lIns="91425" tIns="45700" rIns="91425" bIns="45700" anchor="ctr" anchorCtr="0">
-            <a:noAutofit/>
-          </a:bodyPr>
-          <a:lstStyle/>
-          <a:p>
-            <a:pPr marL="0" lvl="0" indent="0" algn="ctr" rtl="0">
-              <a:lnSpc>
-                <a:spcPct val="100000"/>
-              </a:lnSpc>
-              <a:spcBef>
-                <a:spcPts val="0"/>
-              </a:spcBef>
-              <a:spcAft>
-                <a:spcPts val="0"/>
-              </a:spcAft>
-              <a:buSzPts val="1400"/>
-              <a:buNone/>
-            </a:pPr>
-            <a:r>
-              <a:rPr lang="en-US" dirty="0">
-                <a:solidFill>
-                  <a:srgbClr val="FF0000"/>
-                </a:solidFill>
-              </a:rPr>
-              <a:t>Design</a:t>
-            </a:r>
-            <a:endParaRPr dirty="0">
-              <a:solidFill>
-                <a:srgbClr val="FF0000"/>
-              </a:solidFill>
-            </a:endParaRPr>
-          </a:p>
-        </p:txBody>
-      </p:sp>
-      <p:sp>
-        <p:nvSpPr>
-          <p:cNvPr id="146" name="Google Shape;146;p10"/>
-          <p:cNvSpPr txBox="1">
-            <a:spLocks noGrp="1"/>
-          </p:cNvSpPr>
-          <p:nvPr>
-            <p:ph type="body" idx="1"/>
-          </p:nvPr>
-        </p:nvSpPr>
-        <p:spPr>
-          <a:xfrm>
-            <a:off x="457200" y="1600200"/>
-            <a:ext cx="8229600" cy="4525963"/>
-          </a:xfrm>
-          <a:prstGeom prst="rect">
-            <a:avLst/>
-          </a:prstGeom>
-          <a:noFill/>
-          <a:ln>
-            <a:noFill/>
-          </a:ln>
-        </p:spPr>
-        <p:txBody>
-          <a:bodyPr spcFirstLastPara="1" wrap="square" lIns="91425" tIns="45700" rIns="91425" bIns="45700" anchor="t" anchorCtr="0">
-            <a:noAutofit/>
-          </a:bodyPr>
-          <a:lstStyle/>
-          <a:p>
-            <a:pPr marL="342900" lvl="0" indent="-342900" algn="l" rtl="0">
-              <a:lnSpc>
-                <a:spcPct val="100000"/>
-              </a:lnSpc>
-              <a:spcBef>
-                <a:spcPts val="0"/>
-              </a:spcBef>
-              <a:spcAft>
-                <a:spcPts val="0"/>
-              </a:spcAft>
-              <a:buClr>
-                <a:schemeClr val="dk1"/>
-              </a:buClr>
-              <a:buSzPts val="3200"/>
-              <a:buChar char="•"/>
-            </a:pPr>
-            <a:r>
-              <a:rPr lang="en-US" dirty="0"/>
-              <a:t>Deployment Diagram </a:t>
-            </a:r>
-          </a:p>
-          <a:p>
-            <a:pPr marL="0" lvl="0" indent="0" algn="l" rtl="0">
-              <a:lnSpc>
-                <a:spcPct val="100000"/>
-              </a:lnSpc>
-              <a:spcBef>
-                <a:spcPts val="0"/>
-              </a:spcBef>
-              <a:spcAft>
-                <a:spcPts val="0"/>
-              </a:spcAft>
-              <a:buClr>
-                <a:schemeClr val="dk1"/>
-              </a:buClr>
-              <a:buSzPts val="3200"/>
-              <a:buNone/>
-            </a:pPr>
-            <a:r>
-              <a:rPr lang="en-US" dirty="0"/>
-              <a:t>            - Hardware/Software Components</a:t>
-            </a:r>
-            <a:endParaRPr dirty="0"/>
-          </a:p>
-        </p:txBody>
-      </p:sp>
-    </p:spTree>
-  </p:cSld>
-  <p:clrMapOvr>
-    <a:masterClrMapping/>
-  </p:clrMapOvr>
-</p:sld>
-</file>
-
-<file path=ppt/slides/slide27.xml><?xml version="1.0" encoding="utf-8"?>
-<p:sld xmlns:a="http://schemas.openxmlformats.org/drawingml/2006/main" xmlns:r="http://schemas.openxmlformats.org/officeDocument/2006/relationships" xmlns:p="http://schemas.openxmlformats.org/presentationml/2006/main">
-  <p:cSld>
-    <p:spTree>
-      <p:nvGrpSpPr>
-        <p:cNvPr id="1" name="Shape 150"/>
-        <p:cNvGrpSpPr/>
-        <p:nvPr/>
-      </p:nvGrpSpPr>
-      <p:grpSpPr>
-        <a:xfrm>
-          <a:off x="0" y="0"/>
-          <a:ext cx="0" cy="0"/>
-          <a:chOff x="0" y="0"/>
-          <a:chExt cx="0" cy="0"/>
-        </a:xfrm>
-      </p:grpSpPr>
-      <p:sp>
-        <p:nvSpPr>
-          <p:cNvPr id="151" name="Google Shape;151;p11"/>
-          <p:cNvSpPr txBox="1">
-            <a:spLocks noGrp="1"/>
-          </p:cNvSpPr>
-          <p:nvPr>
-            <p:ph type="title"/>
-          </p:nvPr>
-        </p:nvSpPr>
-        <p:spPr>
-          <a:xfrm>
-            <a:off x="457200" y="274638"/>
-            <a:ext cx="8229600" cy="1143000"/>
-          </a:xfrm>
-          <a:prstGeom prst="rect">
-            <a:avLst/>
-          </a:prstGeom>
-          <a:noFill/>
-          <a:ln>
-            <a:noFill/>
-          </a:ln>
-        </p:spPr>
-        <p:txBody>
-          <a:bodyPr spcFirstLastPara="1" wrap="square" lIns="91425" tIns="45700" rIns="91425" bIns="45700" anchor="ctr" anchorCtr="0">
-            <a:noAutofit/>
-          </a:bodyPr>
-          <a:lstStyle/>
-          <a:p>
-            <a:pPr marL="0" lvl="0" indent="0" algn="ctr" rtl="0">
-              <a:lnSpc>
-                <a:spcPct val="100000"/>
-              </a:lnSpc>
-              <a:spcBef>
-                <a:spcPts val="0"/>
-              </a:spcBef>
-              <a:spcAft>
-                <a:spcPts val="0"/>
-              </a:spcAft>
-              <a:buSzPts val="1400"/>
-              <a:buNone/>
-            </a:pPr>
-            <a:r>
-              <a:rPr lang="en-US" dirty="0">
-                <a:solidFill>
-                  <a:srgbClr val="FF0000"/>
-                </a:solidFill>
-              </a:rPr>
-              <a:t>Design</a:t>
-            </a:r>
-            <a:endParaRPr dirty="0">
-              <a:solidFill>
-                <a:srgbClr val="FF0000"/>
-              </a:solidFill>
-            </a:endParaRPr>
-          </a:p>
-        </p:txBody>
-      </p:sp>
-      <p:sp>
-        <p:nvSpPr>
-          <p:cNvPr id="152" name="Google Shape;152;p11"/>
-          <p:cNvSpPr txBox="1">
-            <a:spLocks noGrp="1"/>
-          </p:cNvSpPr>
-          <p:nvPr>
-            <p:ph type="body" idx="1"/>
-          </p:nvPr>
-        </p:nvSpPr>
-        <p:spPr>
-          <a:xfrm>
-            <a:off x="457200" y="1600200"/>
-            <a:ext cx="8229600" cy="4525963"/>
-          </a:xfrm>
-          <a:prstGeom prst="rect">
-            <a:avLst/>
-          </a:prstGeom>
-          <a:noFill/>
-          <a:ln>
-            <a:noFill/>
-          </a:ln>
-        </p:spPr>
-        <p:txBody>
-          <a:bodyPr spcFirstLastPara="1" wrap="square" lIns="91425" tIns="45700" rIns="91425" bIns="45700" anchor="t" anchorCtr="0">
-            <a:noAutofit/>
-          </a:bodyPr>
-          <a:lstStyle/>
-          <a:p>
-            <a:pPr marL="342900" lvl="0" indent="-342900" algn="l" rtl="0">
-              <a:lnSpc>
-                <a:spcPct val="100000"/>
-              </a:lnSpc>
-              <a:spcBef>
-                <a:spcPts val="0"/>
-              </a:spcBef>
-              <a:spcAft>
-                <a:spcPts val="0"/>
-              </a:spcAft>
-              <a:buClr>
-                <a:schemeClr val="dk1"/>
-              </a:buClr>
-              <a:buSzPts val="3200"/>
-              <a:buChar char="•"/>
-            </a:pPr>
-            <a:r>
-              <a:rPr lang="en-US" dirty="0"/>
-              <a:t>Detailed Design</a:t>
-            </a:r>
-            <a:endParaRPr dirty="0"/>
-          </a:p>
-          <a:p>
-            <a:pPr marL="742950" lvl="1" indent="-285750" algn="l" rtl="0">
-              <a:lnSpc>
-                <a:spcPct val="100000"/>
-              </a:lnSpc>
-              <a:spcBef>
-                <a:spcPts val="560"/>
-              </a:spcBef>
-              <a:spcAft>
-                <a:spcPts val="0"/>
-              </a:spcAft>
-              <a:buClr>
-                <a:schemeClr val="dk1"/>
-              </a:buClr>
-              <a:buSzPts val="2800"/>
-              <a:buChar char="–"/>
-            </a:pPr>
-            <a:r>
-              <a:rPr lang="en-US" dirty="0"/>
-              <a:t>UML Diagrams</a:t>
-            </a:r>
-            <a:endParaRPr dirty="0"/>
-          </a:p>
-          <a:p>
-            <a:pPr marL="742950" lvl="1" indent="-285750" algn="l" rtl="0">
-              <a:lnSpc>
-                <a:spcPct val="100000"/>
-              </a:lnSpc>
-              <a:spcBef>
-                <a:spcPts val="560"/>
-              </a:spcBef>
-              <a:spcAft>
-                <a:spcPts val="0"/>
-              </a:spcAft>
-              <a:buClr>
-                <a:schemeClr val="dk1"/>
-              </a:buClr>
-              <a:buSzPts val="2800"/>
-              <a:buChar char="–"/>
-            </a:pPr>
-            <a:r>
-              <a:rPr lang="en-US" dirty="0"/>
-              <a:t>ERD (if DB used)</a:t>
-            </a:r>
-            <a:endParaRPr dirty="0"/>
-          </a:p>
-          <a:p>
-            <a:pPr marL="742950" lvl="1" indent="-285750" algn="l" rtl="0">
-              <a:lnSpc>
-                <a:spcPct val="100000"/>
-              </a:lnSpc>
-              <a:spcBef>
-                <a:spcPts val="560"/>
-              </a:spcBef>
-              <a:spcAft>
-                <a:spcPts val="0"/>
-              </a:spcAft>
-              <a:buClr>
-                <a:schemeClr val="dk1"/>
-              </a:buClr>
-              <a:buSzPts val="2800"/>
-              <a:buChar char="–"/>
-            </a:pPr>
-            <a:r>
-              <a:rPr lang="en-US" dirty="0"/>
-              <a:t>etc.</a:t>
-            </a:r>
-            <a:endParaRPr dirty="0"/>
-          </a:p>
-        </p:txBody>
-      </p:sp>
-    </p:spTree>
-  </p:cSld>
-  <p:clrMapOvr>
-    <a:masterClrMapping/>
-  </p:clrMapOvr>
-</p:sld>
-</file>
-
-<file path=ppt/slides/slide28.xml><?xml version="1.0" encoding="utf-8"?>
+<file path=ppt/slides/slide25.xml><?xml version="1.0" encoding="utf-8"?>
 <p:sld xmlns:a="http://schemas.openxmlformats.org/drawingml/2006/main" xmlns:r="http://schemas.openxmlformats.org/officeDocument/2006/relationships" xmlns:p="http://schemas.openxmlformats.org/presentationml/2006/main">
   <p:cSld>
     <p:spTree>
@@ -23249,14 +21822,14 @@
             <a:r>
               <a:rPr lang="en-US" dirty="0">
                 <a:solidFill>
-                  <a:srgbClr val="C00000"/>
+                  <a:schemeClr val="tx1"/>
                 </a:solidFill>
               </a:rPr>
               <a:t>Implementation</a:t>
             </a:r>
             <a:endParaRPr dirty="0">
               <a:solidFill>
-                <a:srgbClr val="C00000"/>
+                <a:schemeClr val="tx1"/>
               </a:solidFill>
             </a:endParaRPr>
           </a:p>
@@ -23357,29 +21930,6 @@
             </a:pPr>
             <a:r>
               <a:rPr lang="en-GB" sz="2800" b="1" dirty="0"/>
-              <a:t>Vite</a:t>
-            </a:r>
-            <a:r>
-              <a:rPr lang="en-GB" sz="2800" dirty="0"/>
-              <a:t> </a:t>
-            </a:r>
-          </a:p>
-          <a:p>
-            <a:pPr marL="571500" lvl="1" indent="0">
-              <a:buNone/>
-            </a:pPr>
-            <a:r>
-              <a:rPr lang="en-GB" sz="2400" dirty="0"/>
-              <a:t>	– Fast build tool and development server</a:t>
-            </a:r>
-          </a:p>
-          <a:p>
-            <a:pPr>
-              <a:buFont typeface="Arial" panose="020B0604020202020204" pitchFamily="34" charset="0"/>
-              <a:buChar char="•"/>
-            </a:pPr>
-            <a:r>
-              <a:rPr lang="en-GB" sz="2800" b="1" dirty="0"/>
               <a:t>Tailwind CSS</a:t>
             </a:r>
             <a:r>
@@ -23416,7 +21966,7 @@
 </p:sld>
 </file>
 
-<file path=ppt/slides/slide29.xml><?xml version="1.0" encoding="utf-8"?>
+<file path=ppt/slides/slide26.xml><?xml version="1.0" encoding="utf-8"?>
 <p:sld xmlns:a="http://schemas.openxmlformats.org/drawingml/2006/main" xmlns:r="http://schemas.openxmlformats.org/officeDocument/2006/relationships" xmlns:p="http://schemas.openxmlformats.org/presentationml/2006/main">
   <p:cSld>
     <p:spTree>
@@ -23457,14 +22007,14 @@
             <a:r>
               <a:rPr lang="en-US" dirty="0">
                 <a:solidFill>
-                  <a:srgbClr val="C00000"/>
+                  <a:schemeClr val="tx1"/>
                 </a:solidFill>
               </a:rPr>
               <a:t>Implementation</a:t>
             </a:r>
             <a:endParaRPr lang="en-PK" dirty="0">
               <a:solidFill>
-                <a:srgbClr val="C00000"/>
+                <a:schemeClr val="tx1"/>
               </a:solidFill>
             </a:endParaRPr>
           </a:p>
@@ -23486,12 +22036,7 @@
             <p:ph type="body" idx="1"/>
           </p:nvPr>
         </p:nvSpPr>
-        <p:spPr>
-          <a:xfrm>
-            <a:off x="457200" y="1232547"/>
-            <a:ext cx="8229600" cy="4525963"/>
-          </a:xfrm>
-        </p:spPr>
+        <p:spPr/>
         <p:txBody>
           <a:bodyPr/>
           <a:lstStyle/>
@@ -23567,52 +22112,6 @@
               <a:t>	– Token-based</a:t>
             </a:r>
             <a:endParaRPr lang="en-GB" sz="2400" b="1" dirty="0"/>
-          </a:p>
-          <a:p>
-            <a:pPr>
-              <a:buFont typeface="Arial" panose="020B0604020202020204" pitchFamily="34" charset="0"/>
-              <a:buChar char="•"/>
-            </a:pPr>
-            <a:r>
-              <a:rPr lang="en-GB" sz="2800" b="1" dirty="0"/>
-              <a:t>OAuth</a:t>
-            </a:r>
-            <a:r>
-              <a:rPr lang="en-GB" sz="2800" dirty="0"/>
-              <a:t> </a:t>
-            </a:r>
-          </a:p>
-          <a:p>
-            <a:pPr marL="571500" lvl="1" indent="0">
-              <a:buNone/>
-            </a:pPr>
-            <a:r>
-              <a:rPr lang="en-GB" sz="2400" dirty="0"/>
-              <a:t>	– Open standard for access delegation</a:t>
-            </a:r>
-          </a:p>
-          <a:p>
-            <a:pPr>
-              <a:buFont typeface="Arial" panose="020B0604020202020204" pitchFamily="34" charset="0"/>
-              <a:buChar char="•"/>
-            </a:pPr>
-            <a:r>
-              <a:rPr lang="en-GB" sz="2800" b="1" dirty="0"/>
-              <a:t>Google reCAPTCHA</a:t>
-            </a:r>
-            <a:r>
-              <a:rPr lang="en-GB" sz="2800" dirty="0"/>
-              <a:t> </a:t>
-            </a:r>
-          </a:p>
-          <a:p>
-            <a:pPr marL="571500" lvl="1" indent="0">
-              <a:buNone/>
-            </a:pPr>
-            <a:r>
-              <a:rPr lang="en-GB" sz="2400" dirty="0"/>
-              <a:t>	– Bot detection and spam prevention</a:t>
-            </a:r>
           </a:p>
           <a:p>
             <a:endParaRPr lang="en-PK" sz="2800" dirty="0"/>
@@ -23623,6 +22122,521 @@
     <p:extLst>
       <p:ext uri="{BB962C8B-B14F-4D97-AF65-F5344CB8AC3E}">
         <p14:creationId xmlns:p14="http://schemas.microsoft.com/office/powerpoint/2010/main" val="1200839246"/>
+      </p:ext>
+    </p:extLst>
+  </p:cSld>
+  <p:clrMapOvr>
+    <a:masterClrMapping/>
+  </p:clrMapOvr>
+</p:sld>
+</file>
+
+<file path=ppt/slides/slide27.xml><?xml version="1.0" encoding="utf-8"?>
+<p:sld xmlns:a="http://schemas.openxmlformats.org/drawingml/2006/main" xmlns:r="http://schemas.openxmlformats.org/officeDocument/2006/relationships" xmlns:p="http://schemas.openxmlformats.org/presentationml/2006/main">
+  <p:cSld>
+    <p:spTree>
+      <p:nvGrpSpPr>
+        <p:cNvPr id="1" name=""/>
+        <p:cNvGrpSpPr/>
+        <p:nvPr/>
+      </p:nvGrpSpPr>
+      <p:grpSpPr>
+        <a:xfrm>
+          <a:off x="0" y="0"/>
+          <a:ext cx="0" cy="0"/>
+          <a:chOff x="0" y="0"/>
+          <a:chExt cx="0" cy="0"/>
+        </a:xfrm>
+      </p:grpSpPr>
+      <p:sp>
+        <p:nvSpPr>
+          <p:cNvPr id="2" name="Title 1">
+            <a:extLst>
+              <a:ext uri="{FF2B5EF4-FFF2-40B4-BE49-F238E27FC236}">
+                <a16:creationId xmlns:a16="http://schemas.microsoft.com/office/drawing/2014/main" id="{D013DF4F-693F-01AF-B494-6155991B6574}"/>
+              </a:ext>
+            </a:extLst>
+          </p:cNvPr>
+          <p:cNvSpPr>
+            <a:spLocks noGrp="1"/>
+          </p:cNvSpPr>
+          <p:nvPr>
+            <p:ph type="title"/>
+          </p:nvPr>
+        </p:nvSpPr>
+        <p:spPr/>
+        <p:txBody>
+          <a:bodyPr/>
+          <a:lstStyle/>
+          <a:p>
+            <a:r>
+              <a:rPr lang="en-US" dirty="0">
+                <a:solidFill>
+                  <a:schemeClr val="tx1"/>
+                </a:solidFill>
+              </a:rPr>
+              <a:t>Implementation</a:t>
+            </a:r>
+            <a:endParaRPr lang="en-PK" dirty="0">
+              <a:solidFill>
+                <a:schemeClr val="tx1"/>
+              </a:solidFill>
+            </a:endParaRPr>
+          </a:p>
+        </p:txBody>
+      </p:sp>
+      <p:sp>
+        <p:nvSpPr>
+          <p:cNvPr id="3" name="Text Placeholder 2">
+            <a:extLst>
+              <a:ext uri="{FF2B5EF4-FFF2-40B4-BE49-F238E27FC236}">
+                <a16:creationId xmlns:a16="http://schemas.microsoft.com/office/drawing/2014/main" id="{C65B92E4-AC16-A82F-161C-D06000732C2D}"/>
+              </a:ext>
+            </a:extLst>
+          </p:cNvPr>
+          <p:cNvSpPr>
+            <a:spLocks noGrp="1"/>
+          </p:cNvSpPr>
+          <p:nvPr>
+            <p:ph type="body" idx="1"/>
+          </p:nvPr>
+        </p:nvSpPr>
+        <p:spPr/>
+        <p:txBody>
+          <a:bodyPr/>
+          <a:lstStyle/>
+          <a:p>
+            <a:pPr>
+              <a:buNone/>
+            </a:pPr>
+            <a:r>
+              <a:rPr lang="en-US" sz="2800" dirty="0"/>
+              <a:t>-</a:t>
+            </a:r>
+            <a:r>
+              <a:rPr lang="en-PK" sz="2800" b="1" dirty="0"/>
+              <a:t> </a:t>
+            </a:r>
+            <a:r>
+              <a:rPr lang="en-GB" sz="2800" b="1" dirty="0"/>
+              <a:t>Containerization:</a:t>
+            </a:r>
+          </a:p>
+          <a:p>
+            <a:pPr>
+              <a:buFont typeface="Arial" panose="020B0604020202020204" pitchFamily="34" charset="0"/>
+              <a:buChar char="•"/>
+            </a:pPr>
+            <a:r>
+              <a:rPr lang="en-GB" sz="2800" b="1" dirty="0"/>
+              <a:t>Docker</a:t>
+            </a:r>
+            <a:r>
+              <a:rPr lang="en-GB" sz="2800" dirty="0"/>
+              <a:t> </a:t>
+            </a:r>
+          </a:p>
+          <a:p>
+            <a:pPr marL="571500" lvl="1" indent="0">
+              <a:buNone/>
+            </a:pPr>
+            <a:r>
+              <a:rPr lang="en-GB" sz="2400" dirty="0"/>
+              <a:t>	– Containerization and deployment</a:t>
+            </a:r>
+          </a:p>
+          <a:p>
+            <a:pPr>
+              <a:buFont typeface="Arial" panose="020B0604020202020204" pitchFamily="34" charset="0"/>
+              <a:buChar char="•"/>
+            </a:pPr>
+            <a:r>
+              <a:rPr lang="en-GB" sz="2800" b="1" dirty="0"/>
+              <a:t>GitHub</a:t>
+            </a:r>
+            <a:r>
+              <a:rPr lang="en-GB" sz="2800" dirty="0"/>
+              <a:t> </a:t>
+            </a:r>
+          </a:p>
+          <a:p>
+            <a:pPr marL="571500" lvl="1" indent="0">
+              <a:buNone/>
+            </a:pPr>
+            <a:r>
+              <a:rPr lang="en-GB" sz="2400" dirty="0"/>
+              <a:t>	– Source code repository and version control</a:t>
+            </a:r>
+          </a:p>
+          <a:p>
+            <a:pPr>
+              <a:buNone/>
+            </a:pPr>
+            <a:r>
+              <a:rPr lang="en-GB" sz="2800" dirty="0"/>
+              <a:t>-</a:t>
+            </a:r>
+            <a:r>
+              <a:rPr lang="en-GB" sz="2800" b="1" dirty="0"/>
+              <a:t> Backend:</a:t>
+            </a:r>
+          </a:p>
+          <a:p>
+            <a:pPr>
+              <a:buFont typeface="Arial" panose="020B0604020202020204" pitchFamily="34" charset="0"/>
+              <a:buChar char="•"/>
+            </a:pPr>
+            <a:r>
+              <a:rPr lang="en-GB" sz="2800" b="1" dirty="0"/>
+              <a:t>Express (</a:t>
+            </a:r>
+            <a:r>
+              <a:rPr lang="en-GB" sz="2800" b="1" dirty="0" err="1"/>
+              <a:t>js</a:t>
+            </a:r>
+            <a:r>
+              <a:rPr lang="en-GB" sz="2800" b="1" dirty="0"/>
+              <a:t>)</a:t>
+            </a:r>
+            <a:r>
+              <a:rPr lang="en-GB" sz="2800" dirty="0"/>
+              <a:t> </a:t>
+            </a:r>
+          </a:p>
+          <a:p>
+            <a:pPr marL="571500" lvl="1" indent="0">
+              <a:buNone/>
+            </a:pPr>
+            <a:r>
+              <a:rPr lang="en-GB" sz="2400" dirty="0"/>
+              <a:t>	– Backend web framework</a:t>
+            </a:r>
+          </a:p>
+          <a:p>
+            <a:pPr>
+              <a:buFont typeface="Arial" panose="020B0604020202020204" pitchFamily="34" charset="0"/>
+              <a:buChar char="•"/>
+            </a:pPr>
+            <a:endParaRPr lang="en-GB" sz="2800" dirty="0"/>
+          </a:p>
+        </p:txBody>
+      </p:sp>
+    </p:spTree>
+    <p:extLst>
+      <p:ext uri="{BB962C8B-B14F-4D97-AF65-F5344CB8AC3E}">
+        <p14:creationId xmlns:p14="http://schemas.microsoft.com/office/powerpoint/2010/main" val="2066457212"/>
+      </p:ext>
+    </p:extLst>
+  </p:cSld>
+  <p:clrMapOvr>
+    <a:masterClrMapping/>
+  </p:clrMapOvr>
+</p:sld>
+</file>
+
+<file path=ppt/slides/slide28.xml><?xml version="1.0" encoding="utf-8"?>
+<p:sld xmlns:a="http://schemas.openxmlformats.org/drawingml/2006/main" xmlns:r="http://schemas.openxmlformats.org/officeDocument/2006/relationships" xmlns:p="http://schemas.openxmlformats.org/presentationml/2006/main">
+  <p:cSld>
+    <p:spTree>
+      <p:nvGrpSpPr>
+        <p:cNvPr id="1" name=""/>
+        <p:cNvGrpSpPr/>
+        <p:nvPr/>
+      </p:nvGrpSpPr>
+      <p:grpSpPr>
+        <a:xfrm>
+          <a:off x="0" y="0"/>
+          <a:ext cx="0" cy="0"/>
+          <a:chOff x="0" y="0"/>
+          <a:chExt cx="0" cy="0"/>
+        </a:xfrm>
+      </p:grpSpPr>
+      <p:sp>
+        <p:nvSpPr>
+          <p:cNvPr id="2" name="Title 1">
+            <a:extLst>
+              <a:ext uri="{FF2B5EF4-FFF2-40B4-BE49-F238E27FC236}">
+                <a16:creationId xmlns:a16="http://schemas.microsoft.com/office/drawing/2014/main" id="{E58B080D-DB6E-5951-07D5-C470113F8A21}"/>
+              </a:ext>
+            </a:extLst>
+          </p:cNvPr>
+          <p:cNvSpPr>
+            <a:spLocks noGrp="1"/>
+          </p:cNvSpPr>
+          <p:nvPr>
+            <p:ph type="title"/>
+          </p:nvPr>
+        </p:nvSpPr>
+        <p:spPr/>
+        <p:txBody>
+          <a:bodyPr/>
+          <a:lstStyle/>
+          <a:p>
+            <a:r>
+              <a:rPr lang="en-US" dirty="0">
+                <a:solidFill>
+                  <a:schemeClr val="tx1"/>
+                </a:solidFill>
+              </a:rPr>
+              <a:t>Implementation</a:t>
+            </a:r>
+            <a:endParaRPr lang="en-PK" dirty="0">
+              <a:solidFill>
+                <a:schemeClr val="tx1"/>
+              </a:solidFill>
+            </a:endParaRPr>
+          </a:p>
+        </p:txBody>
+      </p:sp>
+      <p:sp>
+        <p:nvSpPr>
+          <p:cNvPr id="3" name="Text Placeholder 2">
+            <a:extLst>
+              <a:ext uri="{FF2B5EF4-FFF2-40B4-BE49-F238E27FC236}">
+                <a16:creationId xmlns:a16="http://schemas.microsoft.com/office/drawing/2014/main" id="{F8A65EC5-D0B7-0782-3C3C-DA1D127B9AEC}"/>
+              </a:ext>
+            </a:extLst>
+          </p:cNvPr>
+          <p:cNvSpPr>
+            <a:spLocks noGrp="1"/>
+          </p:cNvSpPr>
+          <p:nvPr>
+            <p:ph type="body" idx="1"/>
+          </p:nvPr>
+        </p:nvSpPr>
+        <p:spPr/>
+        <p:txBody>
+          <a:bodyPr/>
+          <a:lstStyle/>
+          <a:p>
+            <a:pPr>
+              <a:buFont typeface="Arial" panose="020B0604020202020204" pitchFamily="34" charset="0"/>
+              <a:buChar char="•"/>
+            </a:pPr>
+            <a:r>
+              <a:rPr lang="en-GB" sz="2800" b="1" dirty="0" err="1"/>
+              <a:t>Lucide</a:t>
+            </a:r>
+            <a:r>
+              <a:rPr lang="en-GB" sz="2800" b="1" dirty="0"/>
+              <a:t> React</a:t>
+            </a:r>
+            <a:r>
+              <a:rPr lang="en-GB" sz="2800" dirty="0"/>
+              <a:t> – Icon set used in UI</a:t>
+            </a:r>
+          </a:p>
+          <a:p>
+            <a:pPr>
+              <a:buFont typeface="Arial" panose="020B0604020202020204" pitchFamily="34" charset="0"/>
+              <a:buChar char="•"/>
+            </a:pPr>
+            <a:endParaRPr lang="en-GB" sz="2800" dirty="0"/>
+          </a:p>
+          <a:p>
+            <a:pPr>
+              <a:buNone/>
+            </a:pPr>
+            <a:r>
+              <a:rPr lang="en-GB" sz="2800" b="1" dirty="0"/>
+              <a:t>Backend (Express.js):</a:t>
+            </a:r>
+          </a:p>
+          <a:p>
+            <a:pPr>
+              <a:buFont typeface="Arial" panose="020B0604020202020204" pitchFamily="34" charset="0"/>
+              <a:buChar char="•"/>
+            </a:pPr>
+            <a:r>
+              <a:rPr lang="en-GB" sz="2800" b="1" dirty="0"/>
+              <a:t>Express</a:t>
+            </a:r>
+            <a:r>
+              <a:rPr lang="en-GB" sz="2800" dirty="0"/>
+              <a:t> – For creating APIs</a:t>
+            </a:r>
+            <a:endParaRPr lang="en-PK" sz="2800" dirty="0"/>
+          </a:p>
+          <a:p>
+            <a:endParaRPr lang="en-PK" sz="2800" dirty="0"/>
+          </a:p>
+        </p:txBody>
+      </p:sp>
+    </p:spTree>
+    <p:extLst>
+      <p:ext uri="{BB962C8B-B14F-4D97-AF65-F5344CB8AC3E}">
+        <p14:creationId xmlns:p14="http://schemas.microsoft.com/office/powerpoint/2010/main" val="3381778271"/>
+      </p:ext>
+    </p:extLst>
+  </p:cSld>
+  <p:clrMapOvr>
+    <a:masterClrMapping/>
+  </p:clrMapOvr>
+</p:sld>
+</file>
+
+<file path=ppt/slides/slide29.xml><?xml version="1.0" encoding="utf-8"?>
+<p:sld xmlns:a="http://schemas.openxmlformats.org/drawingml/2006/main" xmlns:r="http://schemas.openxmlformats.org/officeDocument/2006/relationships" xmlns:p="http://schemas.openxmlformats.org/presentationml/2006/main">
+  <p:cSld>
+    <p:spTree>
+      <p:nvGrpSpPr>
+        <p:cNvPr id="1" name=""/>
+        <p:cNvGrpSpPr/>
+        <p:nvPr/>
+      </p:nvGrpSpPr>
+      <p:grpSpPr>
+        <a:xfrm>
+          <a:off x="0" y="0"/>
+          <a:ext cx="0" cy="0"/>
+          <a:chOff x="0" y="0"/>
+          <a:chExt cx="0" cy="0"/>
+        </a:xfrm>
+      </p:grpSpPr>
+      <p:sp>
+        <p:nvSpPr>
+          <p:cNvPr id="2" name="Title 1">
+            <a:extLst>
+              <a:ext uri="{FF2B5EF4-FFF2-40B4-BE49-F238E27FC236}">
+                <a16:creationId xmlns:a16="http://schemas.microsoft.com/office/drawing/2014/main" id="{77F125E4-16FF-AD16-E9B3-4ABDFA472144}"/>
+              </a:ext>
+            </a:extLst>
+          </p:cNvPr>
+          <p:cNvSpPr>
+            <a:spLocks noGrp="1"/>
+          </p:cNvSpPr>
+          <p:nvPr>
+            <p:ph type="title"/>
+          </p:nvPr>
+        </p:nvSpPr>
+        <p:spPr/>
+        <p:txBody>
+          <a:bodyPr/>
+          <a:lstStyle/>
+          <a:p>
+            <a:r>
+              <a:rPr lang="en-US" dirty="0">
+                <a:solidFill>
+                  <a:schemeClr val="tx1"/>
+                </a:solidFill>
+              </a:rPr>
+              <a:t>Implementation</a:t>
+            </a:r>
+            <a:endParaRPr lang="en-PK" dirty="0">
+              <a:solidFill>
+                <a:schemeClr val="tx1"/>
+              </a:solidFill>
+            </a:endParaRPr>
+          </a:p>
+        </p:txBody>
+      </p:sp>
+      <p:sp>
+        <p:nvSpPr>
+          <p:cNvPr id="3" name="Text Placeholder 2">
+            <a:extLst>
+              <a:ext uri="{FF2B5EF4-FFF2-40B4-BE49-F238E27FC236}">
+                <a16:creationId xmlns:a16="http://schemas.microsoft.com/office/drawing/2014/main" id="{83A6D601-79D5-1CD6-F84D-B3BF0CA013DE}"/>
+              </a:ext>
+            </a:extLst>
+          </p:cNvPr>
+          <p:cNvSpPr>
+            <a:spLocks noGrp="1"/>
+          </p:cNvSpPr>
+          <p:nvPr>
+            <p:ph type="body" idx="1"/>
+          </p:nvPr>
+        </p:nvSpPr>
+        <p:spPr/>
+        <p:txBody>
+          <a:bodyPr/>
+          <a:lstStyle/>
+          <a:p>
+            <a:pPr marL="114300" indent="0">
+              <a:buNone/>
+            </a:pPr>
+            <a:r>
+              <a:rPr lang="en-GB" sz="2800" b="1" dirty="0"/>
+              <a:t>Components</a:t>
+            </a:r>
+          </a:p>
+          <a:p>
+            <a:pPr>
+              <a:buFont typeface="Arial" panose="020B0604020202020204" pitchFamily="34" charset="0"/>
+              <a:buChar char="•"/>
+            </a:pPr>
+            <a:r>
+              <a:rPr lang="en-GB" sz="2800" b="1" dirty="0"/>
+              <a:t>Authentication System</a:t>
+            </a:r>
+            <a:r>
+              <a:rPr lang="en-GB" sz="2800" dirty="0"/>
+              <a:t> – Login, registration, and token management</a:t>
+            </a:r>
+          </a:p>
+          <a:p>
+            <a:pPr>
+              <a:buFont typeface="Arial" panose="020B0604020202020204" pitchFamily="34" charset="0"/>
+              <a:buChar char="•"/>
+            </a:pPr>
+            <a:r>
+              <a:rPr lang="en-GB" sz="2800" b="1" dirty="0"/>
+              <a:t>Email Campaign Manager</a:t>
+            </a:r>
+            <a:r>
+              <a:rPr lang="en-GB" sz="2800" dirty="0"/>
+              <a:t> – Interface for phishing campaign creation and scheduling</a:t>
+            </a:r>
+          </a:p>
+          <a:p>
+            <a:pPr>
+              <a:buFont typeface="Arial" panose="020B0604020202020204" pitchFamily="34" charset="0"/>
+              <a:buChar char="•"/>
+            </a:pPr>
+            <a:r>
+              <a:rPr lang="en-GB" sz="2800" b="1" dirty="0"/>
+              <a:t>Real-Time Tracker</a:t>
+            </a:r>
+            <a:r>
+              <a:rPr lang="en-GB" sz="2800" dirty="0"/>
+              <a:t> – Tracks email interactions</a:t>
+            </a:r>
+          </a:p>
+          <a:p>
+            <a:r>
+              <a:rPr lang="en-GB" sz="2800" b="1" dirty="0"/>
+              <a:t>Dashboard Analytics</a:t>
+            </a:r>
+            <a:r>
+              <a:rPr lang="en-GB" sz="2800" dirty="0"/>
+              <a:t> – Provides campaign statistics and engagement metrics</a:t>
+            </a:r>
+          </a:p>
+          <a:p>
+            <a:pPr>
+              <a:buFont typeface="Arial" panose="020B0604020202020204" pitchFamily="34" charset="0"/>
+              <a:buChar char="•"/>
+            </a:pPr>
+            <a:r>
+              <a:rPr lang="en-GB" sz="2800" b="1" dirty="0"/>
+              <a:t>Template Builder</a:t>
+            </a:r>
+            <a:r>
+              <a:rPr lang="en-GB" sz="2800" dirty="0"/>
+              <a:t> – Customizable emails and pages</a:t>
+            </a:r>
+          </a:p>
+          <a:p>
+            <a:pPr>
+              <a:buFont typeface="Arial" panose="020B0604020202020204" pitchFamily="34" charset="0"/>
+              <a:buChar char="•"/>
+            </a:pPr>
+            <a:endParaRPr lang="en-GB" sz="2800" dirty="0"/>
+          </a:p>
+        </p:txBody>
+      </p:sp>
+    </p:spTree>
+    <p:extLst>
+      <p:ext uri="{BB962C8B-B14F-4D97-AF65-F5344CB8AC3E}">
+        <p14:creationId xmlns:p14="http://schemas.microsoft.com/office/powerpoint/2010/main" val="3736650636"/>
       </p:ext>
     </p:extLst>
   </p:cSld>
@@ -23983,573 +22997,6 @@
           <p:cNvPr id="2" name="Title 1">
             <a:extLst>
               <a:ext uri="{FF2B5EF4-FFF2-40B4-BE49-F238E27FC236}">
-                <a16:creationId xmlns:a16="http://schemas.microsoft.com/office/drawing/2014/main" id="{D013DF4F-693F-01AF-B494-6155991B6574}"/>
-              </a:ext>
-            </a:extLst>
-          </p:cNvPr>
-          <p:cNvSpPr>
-            <a:spLocks noGrp="1"/>
-          </p:cNvSpPr>
-          <p:nvPr>
-            <p:ph type="title"/>
-          </p:nvPr>
-        </p:nvSpPr>
-        <p:spPr/>
-        <p:txBody>
-          <a:bodyPr/>
-          <a:lstStyle/>
-          <a:p>
-            <a:r>
-              <a:rPr lang="en-US" dirty="0">
-                <a:solidFill>
-                  <a:srgbClr val="C00000"/>
-                </a:solidFill>
-              </a:rPr>
-              <a:t>Implementation</a:t>
-            </a:r>
-            <a:endParaRPr lang="en-PK" dirty="0">
-              <a:solidFill>
-                <a:srgbClr val="C00000"/>
-              </a:solidFill>
-            </a:endParaRPr>
-          </a:p>
-        </p:txBody>
-      </p:sp>
-      <p:sp>
-        <p:nvSpPr>
-          <p:cNvPr id="3" name="Text Placeholder 2">
-            <a:extLst>
-              <a:ext uri="{FF2B5EF4-FFF2-40B4-BE49-F238E27FC236}">
-                <a16:creationId xmlns:a16="http://schemas.microsoft.com/office/drawing/2014/main" id="{C65B92E4-AC16-A82F-161C-D06000732C2D}"/>
-              </a:ext>
-            </a:extLst>
-          </p:cNvPr>
-          <p:cNvSpPr>
-            <a:spLocks noGrp="1"/>
-          </p:cNvSpPr>
-          <p:nvPr>
-            <p:ph type="body" idx="1"/>
-          </p:nvPr>
-        </p:nvSpPr>
-        <p:spPr>
-          <a:xfrm>
-            <a:off x="457200" y="1345675"/>
-            <a:ext cx="8229600" cy="4525963"/>
-          </a:xfrm>
-        </p:spPr>
-        <p:txBody>
-          <a:bodyPr/>
-          <a:lstStyle/>
-          <a:p>
-            <a:pPr>
-              <a:buNone/>
-            </a:pPr>
-            <a:r>
-              <a:rPr lang="en-US" sz="2800" dirty="0"/>
-              <a:t>-</a:t>
-            </a:r>
-            <a:r>
-              <a:rPr lang="en-PK" sz="2800" b="1" dirty="0"/>
-              <a:t> </a:t>
-            </a:r>
-            <a:r>
-              <a:rPr lang="en-GB" sz="2800" b="1" dirty="0"/>
-              <a:t>Containerization:</a:t>
-            </a:r>
-          </a:p>
-          <a:p>
-            <a:pPr>
-              <a:buFont typeface="Arial" panose="020B0604020202020204" pitchFamily="34" charset="0"/>
-              <a:buChar char="•"/>
-            </a:pPr>
-            <a:r>
-              <a:rPr lang="en-GB" sz="2800" b="1" dirty="0"/>
-              <a:t>Docker</a:t>
-            </a:r>
-            <a:r>
-              <a:rPr lang="en-GB" sz="2800" dirty="0"/>
-              <a:t> </a:t>
-            </a:r>
-          </a:p>
-          <a:p>
-            <a:pPr marL="571500" lvl="1" indent="0">
-              <a:buNone/>
-            </a:pPr>
-            <a:r>
-              <a:rPr lang="en-GB" sz="2400" dirty="0"/>
-              <a:t>	– Containerization and deployment</a:t>
-            </a:r>
-          </a:p>
-          <a:p>
-            <a:pPr>
-              <a:buFont typeface="Arial" panose="020B0604020202020204" pitchFamily="34" charset="0"/>
-              <a:buChar char="•"/>
-            </a:pPr>
-            <a:r>
-              <a:rPr lang="en-GB" sz="2800" b="1" dirty="0"/>
-              <a:t>GitHub</a:t>
-            </a:r>
-            <a:r>
-              <a:rPr lang="en-GB" sz="2800" dirty="0"/>
-              <a:t> </a:t>
-            </a:r>
-          </a:p>
-          <a:p>
-            <a:pPr marL="571500" lvl="1" indent="0">
-              <a:buNone/>
-            </a:pPr>
-            <a:r>
-              <a:rPr lang="en-GB" sz="2400" dirty="0"/>
-              <a:t>	– Source code repository and version control</a:t>
-            </a:r>
-            <a:endParaRPr lang="en-GB" sz="2400" b="1" dirty="0"/>
-          </a:p>
-          <a:p>
-            <a:pPr>
-              <a:buFont typeface="Arial" panose="020B0604020202020204" pitchFamily="34" charset="0"/>
-              <a:buChar char="•"/>
-            </a:pPr>
-            <a:r>
-              <a:rPr lang="en-GB" sz="2800" b="1" dirty="0"/>
-              <a:t>GitHub Actions</a:t>
-            </a:r>
-            <a:r>
-              <a:rPr lang="en-GB" sz="2800" dirty="0"/>
-              <a:t> </a:t>
-            </a:r>
-          </a:p>
-          <a:p>
-            <a:pPr marL="571500" lvl="1" indent="0">
-              <a:buNone/>
-            </a:pPr>
-            <a:r>
-              <a:rPr lang="en-GB" sz="2400" dirty="0"/>
-              <a:t>	– CI/CD automation tool</a:t>
-            </a:r>
-          </a:p>
-          <a:p>
-            <a:pPr>
-              <a:buNone/>
-            </a:pPr>
-            <a:r>
-              <a:rPr lang="en-GB" sz="2800" dirty="0"/>
-              <a:t>-</a:t>
-            </a:r>
-            <a:r>
-              <a:rPr lang="en-GB" sz="2800" b="1" dirty="0"/>
-              <a:t> Backend:</a:t>
-            </a:r>
-          </a:p>
-          <a:p>
-            <a:pPr>
-              <a:buFont typeface="Arial" panose="020B0604020202020204" pitchFamily="34" charset="0"/>
-              <a:buChar char="•"/>
-            </a:pPr>
-            <a:r>
-              <a:rPr lang="en-GB" sz="2800" b="1" dirty="0"/>
-              <a:t>Express.JS</a:t>
-            </a:r>
-            <a:endParaRPr lang="en-GB" sz="2800" dirty="0"/>
-          </a:p>
-          <a:p>
-            <a:pPr marL="571500" lvl="1" indent="0">
-              <a:buNone/>
-            </a:pPr>
-            <a:r>
-              <a:rPr lang="en-GB" sz="2400" dirty="0"/>
-              <a:t>	– Backend web framework</a:t>
-            </a:r>
-          </a:p>
-          <a:p>
-            <a:pPr>
-              <a:buFont typeface="Arial" panose="020B0604020202020204" pitchFamily="34" charset="0"/>
-              <a:buChar char="•"/>
-            </a:pPr>
-            <a:endParaRPr lang="en-GB" sz="2800" dirty="0"/>
-          </a:p>
-        </p:txBody>
-      </p:sp>
-    </p:spTree>
-    <p:extLst>
-      <p:ext uri="{BB962C8B-B14F-4D97-AF65-F5344CB8AC3E}">
-        <p14:creationId xmlns:p14="http://schemas.microsoft.com/office/powerpoint/2010/main" val="2066457212"/>
-      </p:ext>
-    </p:extLst>
-  </p:cSld>
-  <p:clrMapOvr>
-    <a:masterClrMapping/>
-  </p:clrMapOvr>
-</p:sld>
-</file>
-
-<file path=ppt/slides/slide31.xml><?xml version="1.0" encoding="utf-8"?>
-<p:sld xmlns:a="http://schemas.openxmlformats.org/drawingml/2006/main" xmlns:r="http://schemas.openxmlformats.org/officeDocument/2006/relationships" xmlns:p="http://schemas.openxmlformats.org/presentationml/2006/main">
-  <p:cSld>
-    <p:spTree>
-      <p:nvGrpSpPr>
-        <p:cNvPr id="1" name=""/>
-        <p:cNvGrpSpPr/>
-        <p:nvPr/>
-      </p:nvGrpSpPr>
-      <p:grpSpPr>
-        <a:xfrm>
-          <a:off x="0" y="0"/>
-          <a:ext cx="0" cy="0"/>
-          <a:chOff x="0" y="0"/>
-          <a:chExt cx="0" cy="0"/>
-        </a:xfrm>
-      </p:grpSpPr>
-      <p:sp>
-        <p:nvSpPr>
-          <p:cNvPr id="2" name="Title 1">
-            <a:extLst>
-              <a:ext uri="{FF2B5EF4-FFF2-40B4-BE49-F238E27FC236}">
-                <a16:creationId xmlns:a16="http://schemas.microsoft.com/office/drawing/2014/main" id="{E58B080D-DB6E-5951-07D5-C470113F8A21}"/>
-              </a:ext>
-            </a:extLst>
-          </p:cNvPr>
-          <p:cNvSpPr>
-            <a:spLocks noGrp="1"/>
-          </p:cNvSpPr>
-          <p:nvPr>
-            <p:ph type="title"/>
-          </p:nvPr>
-        </p:nvSpPr>
-        <p:spPr/>
-        <p:txBody>
-          <a:bodyPr/>
-          <a:lstStyle/>
-          <a:p>
-            <a:r>
-              <a:rPr lang="en-US" dirty="0">
-                <a:solidFill>
-                  <a:srgbClr val="C00000"/>
-                </a:solidFill>
-              </a:rPr>
-              <a:t>Implementation</a:t>
-            </a:r>
-            <a:endParaRPr lang="en-PK" dirty="0">
-              <a:solidFill>
-                <a:srgbClr val="C00000"/>
-              </a:solidFill>
-            </a:endParaRPr>
-          </a:p>
-        </p:txBody>
-      </p:sp>
-      <p:sp>
-        <p:nvSpPr>
-          <p:cNvPr id="3" name="Text Placeholder 2">
-            <a:extLst>
-              <a:ext uri="{FF2B5EF4-FFF2-40B4-BE49-F238E27FC236}">
-                <a16:creationId xmlns:a16="http://schemas.microsoft.com/office/drawing/2014/main" id="{F8A65EC5-D0B7-0782-3C3C-DA1D127B9AEC}"/>
-              </a:ext>
-            </a:extLst>
-          </p:cNvPr>
-          <p:cNvSpPr>
-            <a:spLocks noGrp="1"/>
-          </p:cNvSpPr>
-          <p:nvPr>
-            <p:ph type="body" idx="1"/>
-          </p:nvPr>
-        </p:nvSpPr>
-        <p:spPr/>
-        <p:txBody>
-          <a:bodyPr/>
-          <a:lstStyle/>
-          <a:p>
-            <a:pPr>
-              <a:buFont typeface="Arial" panose="020B0604020202020204" pitchFamily="34" charset="0"/>
-              <a:buChar char="•"/>
-            </a:pPr>
-            <a:r>
-              <a:rPr lang="en-GB" sz="2800" b="1" dirty="0" err="1"/>
-              <a:t>ShadCN</a:t>
-            </a:r>
-            <a:r>
-              <a:rPr lang="en-GB" sz="2800" b="1" dirty="0"/>
-              <a:t>/UI</a:t>
-            </a:r>
-            <a:r>
-              <a:rPr lang="en-GB" sz="2800" dirty="0"/>
-              <a:t> – Component library for Tailwind-based UIs</a:t>
-            </a:r>
-          </a:p>
-          <a:p>
-            <a:pPr>
-              <a:buFont typeface="Arial" panose="020B0604020202020204" pitchFamily="34" charset="0"/>
-              <a:buChar char="•"/>
-            </a:pPr>
-            <a:r>
-              <a:rPr lang="en-GB" sz="2800" b="1" dirty="0" err="1"/>
-              <a:t>Lucide</a:t>
-            </a:r>
-            <a:r>
-              <a:rPr lang="en-GB" sz="2800" b="1" dirty="0"/>
-              <a:t> React</a:t>
-            </a:r>
-            <a:r>
-              <a:rPr lang="en-GB" sz="2800" dirty="0"/>
-              <a:t> – Icon set used in UI</a:t>
-            </a:r>
-          </a:p>
-          <a:p>
-            <a:pPr>
-              <a:buFont typeface="Arial" panose="020B0604020202020204" pitchFamily="34" charset="0"/>
-              <a:buChar char="•"/>
-            </a:pPr>
-            <a:endParaRPr lang="en-GB" sz="2800" dirty="0"/>
-          </a:p>
-          <a:p>
-            <a:pPr>
-              <a:buNone/>
-            </a:pPr>
-            <a:r>
-              <a:rPr lang="en-GB" sz="2800" b="1" dirty="0"/>
-              <a:t>Backend (Express.JS):</a:t>
-            </a:r>
-          </a:p>
-          <a:p>
-            <a:pPr>
-              <a:buFont typeface="Arial" panose="020B0604020202020204" pitchFamily="34" charset="0"/>
-              <a:buChar char="•"/>
-            </a:pPr>
-            <a:r>
-              <a:rPr lang="en-GB" sz="2800" b="1" dirty="0"/>
-              <a:t>Express.JS REST Framework</a:t>
-            </a:r>
-            <a:r>
-              <a:rPr lang="en-GB" sz="2800" dirty="0"/>
-              <a:t> – creating REST APIs</a:t>
-            </a:r>
-          </a:p>
-          <a:p>
-            <a:pPr>
-              <a:buFont typeface="Arial" panose="020B0604020202020204" pitchFamily="34" charset="0"/>
-              <a:buChar char="•"/>
-            </a:pPr>
-            <a:r>
-              <a:rPr lang="en-GB" sz="2800" b="1" dirty="0"/>
-              <a:t>Express.JS CORS Headers</a:t>
-            </a:r>
-            <a:r>
-              <a:rPr lang="en-GB" sz="2800" dirty="0"/>
-              <a:t> – handle cross-origin requests</a:t>
-            </a:r>
-          </a:p>
-          <a:p>
-            <a:endParaRPr lang="en-PK" sz="2800" dirty="0"/>
-          </a:p>
-          <a:p>
-            <a:endParaRPr lang="en-PK" sz="2800" dirty="0"/>
-          </a:p>
-        </p:txBody>
-      </p:sp>
-    </p:spTree>
-    <p:extLst>
-      <p:ext uri="{BB962C8B-B14F-4D97-AF65-F5344CB8AC3E}">
-        <p14:creationId xmlns:p14="http://schemas.microsoft.com/office/powerpoint/2010/main" val="3381778271"/>
-      </p:ext>
-    </p:extLst>
-  </p:cSld>
-  <p:clrMapOvr>
-    <a:masterClrMapping/>
-  </p:clrMapOvr>
-</p:sld>
-</file>
-
-<file path=ppt/slides/slide32.xml><?xml version="1.0" encoding="utf-8"?>
-<p:sld xmlns:a="http://schemas.openxmlformats.org/drawingml/2006/main" xmlns:r="http://schemas.openxmlformats.org/officeDocument/2006/relationships" xmlns:p="http://schemas.openxmlformats.org/presentationml/2006/main">
-  <p:cSld>
-    <p:spTree>
-      <p:nvGrpSpPr>
-        <p:cNvPr id="1" name=""/>
-        <p:cNvGrpSpPr/>
-        <p:nvPr/>
-      </p:nvGrpSpPr>
-      <p:grpSpPr>
-        <a:xfrm>
-          <a:off x="0" y="0"/>
-          <a:ext cx="0" cy="0"/>
-          <a:chOff x="0" y="0"/>
-          <a:chExt cx="0" cy="0"/>
-        </a:xfrm>
-      </p:grpSpPr>
-      <p:sp>
-        <p:nvSpPr>
-          <p:cNvPr id="2" name="Title 1">
-            <a:extLst>
-              <a:ext uri="{FF2B5EF4-FFF2-40B4-BE49-F238E27FC236}">
-                <a16:creationId xmlns:a16="http://schemas.microsoft.com/office/drawing/2014/main" id="{77F125E4-16FF-AD16-E9B3-4ABDFA472144}"/>
-              </a:ext>
-            </a:extLst>
-          </p:cNvPr>
-          <p:cNvSpPr>
-            <a:spLocks noGrp="1"/>
-          </p:cNvSpPr>
-          <p:nvPr>
-            <p:ph type="title"/>
-          </p:nvPr>
-        </p:nvSpPr>
-        <p:spPr/>
-        <p:txBody>
-          <a:bodyPr/>
-          <a:lstStyle/>
-          <a:p>
-            <a:r>
-              <a:rPr lang="en-US" dirty="0">
-                <a:solidFill>
-                  <a:srgbClr val="C00000"/>
-                </a:solidFill>
-              </a:rPr>
-              <a:t>Implementation</a:t>
-            </a:r>
-            <a:endParaRPr lang="en-PK" dirty="0">
-              <a:solidFill>
-                <a:srgbClr val="C00000"/>
-              </a:solidFill>
-            </a:endParaRPr>
-          </a:p>
-        </p:txBody>
-      </p:sp>
-      <p:sp>
-        <p:nvSpPr>
-          <p:cNvPr id="3" name="Text Placeholder 2">
-            <a:extLst>
-              <a:ext uri="{FF2B5EF4-FFF2-40B4-BE49-F238E27FC236}">
-                <a16:creationId xmlns:a16="http://schemas.microsoft.com/office/drawing/2014/main" id="{83A6D601-79D5-1CD6-F84D-B3BF0CA013DE}"/>
-              </a:ext>
-            </a:extLst>
-          </p:cNvPr>
-          <p:cNvSpPr>
-            <a:spLocks noGrp="1"/>
-          </p:cNvSpPr>
-          <p:nvPr>
-            <p:ph type="body" idx="1"/>
-          </p:nvPr>
-        </p:nvSpPr>
-        <p:spPr/>
-        <p:txBody>
-          <a:bodyPr/>
-          <a:lstStyle/>
-          <a:p>
-            <a:pPr marL="114300" indent="0">
-              <a:buNone/>
-            </a:pPr>
-            <a:r>
-              <a:rPr lang="en-GB" sz="2800" b="1" dirty="0"/>
-              <a:t>Components</a:t>
-            </a:r>
-          </a:p>
-          <a:p>
-            <a:pPr>
-              <a:buFont typeface="Arial" panose="020B0604020202020204" pitchFamily="34" charset="0"/>
-              <a:buChar char="•"/>
-            </a:pPr>
-            <a:r>
-              <a:rPr lang="en-GB" sz="2800" b="1" dirty="0"/>
-              <a:t>Authentication System</a:t>
-            </a:r>
-            <a:r>
-              <a:rPr lang="en-GB" sz="2800" dirty="0"/>
-              <a:t> – Login, registration, MFA, and token management</a:t>
-            </a:r>
-          </a:p>
-          <a:p>
-            <a:pPr>
-              <a:buFont typeface="Arial" panose="020B0604020202020204" pitchFamily="34" charset="0"/>
-              <a:buChar char="•"/>
-            </a:pPr>
-            <a:r>
-              <a:rPr lang="en-GB" sz="2800" b="1" dirty="0"/>
-              <a:t>Email Campaign Manager</a:t>
-            </a:r>
-            <a:r>
-              <a:rPr lang="en-GB" sz="2800" dirty="0"/>
-              <a:t> – Interface for phishing campaign creation and scheduling</a:t>
-            </a:r>
-          </a:p>
-          <a:p>
-            <a:pPr>
-              <a:buFont typeface="Arial" panose="020B0604020202020204" pitchFamily="34" charset="0"/>
-              <a:buChar char="•"/>
-            </a:pPr>
-            <a:r>
-              <a:rPr lang="en-GB" sz="2800" b="1" dirty="0"/>
-              <a:t>Real-Time Tracker</a:t>
-            </a:r>
-            <a:r>
-              <a:rPr lang="en-GB" sz="2800" dirty="0"/>
-              <a:t> – Tracks email interactions</a:t>
-            </a:r>
-          </a:p>
-          <a:p>
-            <a:r>
-              <a:rPr lang="en-GB" sz="2800" b="1" dirty="0"/>
-              <a:t>Dashboard Analytics</a:t>
-            </a:r>
-            <a:r>
-              <a:rPr lang="en-GB" sz="2800" dirty="0"/>
-              <a:t> – Provides campaign statistics and engagement metrics</a:t>
-            </a:r>
-          </a:p>
-          <a:p>
-            <a:pPr>
-              <a:buFont typeface="Arial" panose="020B0604020202020204" pitchFamily="34" charset="0"/>
-              <a:buChar char="•"/>
-            </a:pPr>
-            <a:r>
-              <a:rPr lang="en-GB" sz="2800" b="1" dirty="0"/>
-              <a:t>Template Builder</a:t>
-            </a:r>
-            <a:r>
-              <a:rPr lang="en-GB" sz="2800" dirty="0"/>
-              <a:t> – Customizable emails and pages</a:t>
-            </a:r>
-          </a:p>
-          <a:p>
-            <a:pPr>
-              <a:buFont typeface="Arial" panose="020B0604020202020204" pitchFamily="34" charset="0"/>
-              <a:buChar char="•"/>
-            </a:pPr>
-            <a:endParaRPr lang="en-GB" sz="2800" dirty="0"/>
-          </a:p>
-        </p:txBody>
-      </p:sp>
-    </p:spTree>
-    <p:extLst>
-      <p:ext uri="{BB962C8B-B14F-4D97-AF65-F5344CB8AC3E}">
-        <p14:creationId xmlns:p14="http://schemas.microsoft.com/office/powerpoint/2010/main" val="3736650636"/>
-      </p:ext>
-    </p:extLst>
-  </p:cSld>
-  <p:clrMapOvr>
-    <a:masterClrMapping/>
-  </p:clrMapOvr>
-</p:sld>
-</file>
-
-<file path=ppt/slides/slide33.xml><?xml version="1.0" encoding="utf-8"?>
-<p:sld xmlns:a="http://schemas.openxmlformats.org/drawingml/2006/main" xmlns:r="http://schemas.openxmlformats.org/officeDocument/2006/relationships" xmlns:p="http://schemas.openxmlformats.org/presentationml/2006/main">
-  <p:cSld>
-    <p:spTree>
-      <p:nvGrpSpPr>
-        <p:cNvPr id="1" name=""/>
-        <p:cNvGrpSpPr/>
-        <p:nvPr/>
-      </p:nvGrpSpPr>
-      <p:grpSpPr>
-        <a:xfrm>
-          <a:off x="0" y="0"/>
-          <a:ext cx="0" cy="0"/>
-          <a:chOff x="0" y="0"/>
-          <a:chExt cx="0" cy="0"/>
-        </a:xfrm>
-      </p:grpSpPr>
-      <p:sp>
-        <p:nvSpPr>
-          <p:cNvPr id="2" name="Title 1">
-            <a:extLst>
-              <a:ext uri="{FF2B5EF4-FFF2-40B4-BE49-F238E27FC236}">
                 <a16:creationId xmlns:a16="http://schemas.microsoft.com/office/drawing/2014/main" id="{01521B03-4EF1-5F9F-E9F6-C25EA3696240}"/>
               </a:ext>
             </a:extLst>
@@ -24569,14 +23016,14 @@
             <a:r>
               <a:rPr lang="en-US" dirty="0">
                 <a:solidFill>
-                  <a:srgbClr val="C00000"/>
+                  <a:schemeClr val="tx1"/>
                 </a:solidFill>
               </a:rPr>
               <a:t>Implementation</a:t>
             </a:r>
             <a:endParaRPr lang="en-PK" dirty="0">
               <a:solidFill>
-                <a:srgbClr val="C00000"/>
+                <a:schemeClr val="tx1"/>
               </a:solidFill>
             </a:endParaRPr>
           </a:p>
@@ -24612,10 +23059,10 @@
             </a:r>
           </a:p>
           <a:p>
-            <a:pPr>
-              <a:buNone/>
-            </a:pPr>
-            <a:endParaRPr lang="en-GB" sz="1000" b="1" dirty="0"/>
+            <a:pPr marL="114300" indent="0">
+              <a:buNone/>
+            </a:pPr>
+            <a:endParaRPr lang="en-GB" sz="1800" dirty="0"/>
           </a:p>
           <a:p>
             <a:pPr>
@@ -24624,49 +23071,7 @@
             </a:pPr>
             <a:r>
               <a:rPr lang="en-GB" sz="2800" b="1" dirty="0"/>
-              <a:t>Google reCAPTCHA API</a:t>
-            </a:r>
-            <a:r>
-              <a:rPr lang="en-GB" sz="2800" dirty="0"/>
-              <a:t> – For bot prevention on login/registration forms</a:t>
-            </a:r>
-          </a:p>
-          <a:p>
-            <a:pPr>
-              <a:buFont typeface="Arial" panose="020B0604020202020204" pitchFamily="34" charset="0"/>
-              <a:buChar char="•"/>
-            </a:pPr>
-            <a:endParaRPr lang="en-GB" sz="1800" dirty="0"/>
-          </a:p>
-          <a:p>
-            <a:pPr>
-              <a:buFont typeface="Arial" panose="020B0604020202020204" pitchFamily="34" charset="0"/>
-              <a:buChar char="•"/>
-            </a:pPr>
-            <a:r>
-              <a:rPr lang="en-GB" sz="2800" b="1" dirty="0"/>
-              <a:t>OAuth 2.0 Providers (e.g., Google)</a:t>
-            </a:r>
-            <a:r>
-              <a:rPr lang="en-GB" sz="2800" dirty="0"/>
-              <a:t> – For secure federated login</a:t>
-            </a:r>
-          </a:p>
-          <a:p>
-            <a:pPr>
-              <a:buFont typeface="Arial" panose="020B0604020202020204" pitchFamily="34" charset="0"/>
-              <a:buChar char="•"/>
-            </a:pPr>
-            <a:endParaRPr lang="en-GB" sz="1800" dirty="0"/>
-          </a:p>
-          <a:p>
-            <a:pPr>
-              <a:buFont typeface="Arial" panose="020B0604020202020204" pitchFamily="34" charset="0"/>
-              <a:buChar char="•"/>
-            </a:pPr>
-            <a:r>
-              <a:rPr lang="en-GB" sz="2800" b="1" dirty="0"/>
-              <a:t>Custom REST API</a:t>
+              <a:t>Custom API</a:t>
             </a:r>
             <a:r>
               <a:rPr lang="en-GB" sz="2800" dirty="0"/>
@@ -24691,7 +23096,7 @@
 </p:sld>
 </file>
 
-<file path=ppt/slides/slide34.xml><?xml version="1.0" encoding="utf-8"?>
+<file path=ppt/slides/slide31.xml><?xml version="1.0" encoding="utf-8"?>
 <p:sld xmlns:a="http://schemas.openxmlformats.org/drawingml/2006/main" xmlns:r="http://schemas.openxmlformats.org/officeDocument/2006/relationships" xmlns:p="http://schemas.openxmlformats.org/presentationml/2006/main">
   <p:cSld>
     <p:spTree>
@@ -24753,12 +23158,7 @@
             <p:ph type="body" idx="1"/>
           </p:nvPr>
         </p:nvSpPr>
-        <p:spPr>
-          <a:xfrm>
-            <a:off x="457200" y="1081716"/>
-            <a:ext cx="8229600" cy="4525963"/>
-          </a:xfrm>
-        </p:spPr>
+        <p:spPr/>
         <p:txBody>
           <a:bodyPr/>
           <a:lstStyle/>
@@ -24841,7 +23241,7 @@
             </a:endParaRPr>
           </a:p>
           <a:p>
-            <a:pPr marL="342900" algn="just">
+            <a:pPr marL="342900" lvl="0" indent="-342900" algn="just">
               <a:lnSpc>
                 <a:spcPct val="150000"/>
               </a:lnSpc>
@@ -24853,32 +23253,23 @@
               </a:tabLst>
             </a:pPr>
             <a:r>
-              <a:rPr lang="en-GB" sz="2800" dirty="0">
+              <a:rPr lang="en-PK" sz="2800" dirty="0">
                 <a:solidFill>
                   <a:srgbClr val="000000"/>
                 </a:solidFill>
+                <a:effectLst/>
                 <a:latin typeface="Calibri" panose="020F0502020204030204" pitchFamily="34" charset="0"/>
                 <a:ea typeface="Times New Roman" panose="02020603050405020304" pitchFamily="18" charset="0"/>
                 <a:cs typeface="Calibri" panose="020F0502020204030204" pitchFamily="34" charset="0"/>
               </a:rPr>
-              <a:t>Minimum</a:t>
-            </a:r>
-            <a:r>
-              <a:rPr lang="en-PK" sz="2800" dirty="0">
+              <a:t>Minimum: </a:t>
+            </a:r>
+            <a:r>
+              <a:rPr lang="en-US" sz="2800" dirty="0">
                 <a:solidFill>
                   <a:srgbClr val="000000"/>
                 </a:solidFill>
-                <a:latin typeface="Calibri" panose="020F0502020204030204" pitchFamily="34" charset="0"/>
-                <a:ea typeface="Times New Roman" panose="02020603050405020304" pitchFamily="18" charset="0"/>
-                <a:cs typeface="Calibri" panose="020F0502020204030204" pitchFamily="34" charset="0"/>
-              </a:rPr>
-              <a:t>: 8 GB RAM, i5 Processor, </a:t>
-            </a:r>
-            <a:r>
-              <a:rPr lang="en-GB" sz="2800" dirty="0">
-                <a:solidFill>
-                  <a:srgbClr val="000000"/>
-                </a:solidFill>
+                <a:effectLst/>
                 <a:latin typeface="Calibri" panose="020F0502020204030204" pitchFamily="34" charset="0"/>
                 <a:ea typeface="Times New Roman" panose="02020603050405020304" pitchFamily="18" charset="0"/>
                 <a:cs typeface="Calibri" panose="020F0502020204030204" pitchFamily="34" charset="0"/>
@@ -24890,21 +23281,61 @@
                 <a:solidFill>
                   <a:srgbClr val="000000"/>
                 </a:solidFill>
+                <a:effectLst/>
+                <a:latin typeface="Calibri" panose="020F0502020204030204" pitchFamily="34" charset="0"/>
+                <a:ea typeface="Times New Roman" panose="02020603050405020304" pitchFamily="18" charset="0"/>
+                <a:cs typeface="Calibri" panose="020F0502020204030204" pitchFamily="34" charset="0"/>
+              </a:rPr>
+              <a:t> GB RAM, i</a:t>
+            </a:r>
+            <a:r>
+              <a:rPr lang="en-US" sz="2800" dirty="0">
+                <a:solidFill>
+                  <a:srgbClr val="000000"/>
+                </a:solidFill>
+                <a:effectLst/>
+                <a:latin typeface="Calibri" panose="020F0502020204030204" pitchFamily="34" charset="0"/>
+                <a:ea typeface="Times New Roman" panose="02020603050405020304" pitchFamily="18" charset="0"/>
+                <a:cs typeface="Calibri" panose="020F0502020204030204" pitchFamily="34" charset="0"/>
+              </a:rPr>
+              <a:t>3</a:t>
+            </a:r>
+            <a:r>
+              <a:rPr lang="en-PK" sz="2800" dirty="0">
+                <a:solidFill>
+                  <a:srgbClr val="000000"/>
+                </a:solidFill>
+                <a:effectLst/>
+                <a:latin typeface="Calibri" panose="020F0502020204030204" pitchFamily="34" charset="0"/>
+                <a:ea typeface="Times New Roman" panose="02020603050405020304" pitchFamily="18" charset="0"/>
+                <a:cs typeface="Calibri" panose="020F0502020204030204" pitchFamily="34" charset="0"/>
+              </a:rPr>
+              <a:t> Processor, </a:t>
+            </a:r>
+            <a:r>
+              <a:rPr lang="en-US" sz="2800" dirty="0">
+                <a:solidFill>
+                  <a:srgbClr val="000000"/>
+                </a:solidFill>
+                <a:effectLst/>
+                <a:latin typeface="Calibri" panose="020F0502020204030204" pitchFamily="34" charset="0"/>
+                <a:ea typeface="Times New Roman" panose="02020603050405020304" pitchFamily="18" charset="0"/>
+                <a:cs typeface="Calibri" panose="020F0502020204030204" pitchFamily="34" charset="0"/>
+              </a:rPr>
+              <a:t>1</a:t>
+            </a:r>
+            <a:r>
+              <a:rPr lang="en-PK" sz="2800" dirty="0">
+                <a:solidFill>
+                  <a:srgbClr val="000000"/>
+                </a:solidFill>
+                <a:effectLst/>
                 <a:latin typeface="Calibri" panose="020F0502020204030204" pitchFamily="34" charset="0"/>
                 <a:ea typeface="Times New Roman" panose="02020603050405020304" pitchFamily="18" charset="0"/>
                 <a:cs typeface="Calibri" panose="020F0502020204030204" pitchFamily="34" charset="0"/>
               </a:rPr>
               <a:t> GB SSD</a:t>
             </a:r>
-            <a:endParaRPr lang="en-GB" sz="2800" dirty="0">
-              <a:solidFill>
-                <a:srgbClr val="000000"/>
-              </a:solidFill>
-              <a:effectLst/>
-              <a:latin typeface="Calibri" panose="020F0502020204030204" pitchFamily="34" charset="0"/>
-              <a:ea typeface="Times New Roman" panose="02020603050405020304" pitchFamily="18" charset="0"/>
-              <a:cs typeface="Calibri" panose="020F0502020204030204" pitchFamily="34" charset="0"/>
-            </a:endParaRPr>
           </a:p>
           <a:p>
             <a:pPr marL="342900" lvl="0" indent="-342900" algn="just">
@@ -24919,7 +23350,7 @@
               </a:tabLst>
             </a:pPr>
             <a:r>
-              <a:rPr lang="en-GB" sz="2800" dirty="0">
+              <a:rPr lang="en-PK" sz="2800" dirty="0">
                 <a:solidFill>
                   <a:srgbClr val="000000"/>
                 </a:solidFill>
@@ -24928,10 +23359,10 @@
                 <a:ea typeface="Times New Roman" panose="02020603050405020304" pitchFamily="18" charset="0"/>
                 <a:cs typeface="Calibri" panose="020F0502020204030204" pitchFamily="34" charset="0"/>
               </a:rPr>
-              <a:t>Average</a:t>
-            </a:r>
-            <a:r>
-              <a:rPr lang="en-PK" sz="2800" dirty="0">
+              <a:t>Recommend: </a:t>
+            </a:r>
+            <a:r>
+              <a:rPr lang="en-US" sz="2800" dirty="0">
                 <a:solidFill>
                   <a:srgbClr val="000000"/>
                 </a:solidFill>
@@ -24940,21 +23371,8 @@
                 <a:ea typeface="Times New Roman" panose="02020603050405020304" pitchFamily="18" charset="0"/>
                 <a:cs typeface="Calibri" panose="020F0502020204030204" pitchFamily="34" charset="0"/>
               </a:rPr>
-              <a:t>: 8 GB RAM, i5 Processor, 250 GB SSD</a:t>
-            </a:r>
-          </a:p>
-          <a:p>
-            <a:pPr marL="342900" lvl="0" indent="-342900" algn="just">
-              <a:lnSpc>
-                <a:spcPct val="150000"/>
-              </a:lnSpc>
-              <a:buSzPts val="1000"/>
-              <a:buFont typeface="Symbol" panose="05050102010706020507" pitchFamily="18" charset="2"/>
-              <a:buChar char=""/>
-              <a:tabLst>
-                <a:tab pos="457200" algn="l"/>
-              </a:tabLst>
-            </a:pPr>
+              <a:t>8</a:t>
+            </a:r>
             <a:r>
               <a:rPr lang="en-PK" sz="2800" dirty="0">
                 <a:solidFill>
@@ -24965,7 +23383,55 @@
                 <a:ea typeface="Times New Roman" panose="02020603050405020304" pitchFamily="18" charset="0"/>
                 <a:cs typeface="Calibri" panose="020F0502020204030204" pitchFamily="34" charset="0"/>
               </a:rPr>
-              <a:t>Recommend: 16 GB RAM, i7 Processor, 500 GB SSD</a:t>
+              <a:t> GB RAM, i</a:t>
+            </a:r>
+            <a:r>
+              <a:rPr lang="en-US" sz="2800" dirty="0">
+                <a:solidFill>
+                  <a:srgbClr val="000000"/>
+                </a:solidFill>
+                <a:effectLst/>
+                <a:latin typeface="Calibri" panose="020F0502020204030204" pitchFamily="34" charset="0"/>
+                <a:ea typeface="Times New Roman" panose="02020603050405020304" pitchFamily="18" charset="0"/>
+                <a:cs typeface="Calibri" panose="020F0502020204030204" pitchFamily="34" charset="0"/>
+              </a:rPr>
+              <a:t>5</a:t>
+            </a:r>
+            <a:r>
+              <a:rPr lang="en-PK" sz="2800" dirty="0">
+                <a:solidFill>
+                  <a:srgbClr val="000000"/>
+                </a:solidFill>
+                <a:effectLst/>
+                <a:latin typeface="Calibri" panose="020F0502020204030204" pitchFamily="34" charset="0"/>
+                <a:ea typeface="Times New Roman" panose="02020603050405020304" pitchFamily="18" charset="0"/>
+                <a:cs typeface="Calibri" panose="020F0502020204030204" pitchFamily="34" charset="0"/>
+              </a:rPr>
+              <a:t> Processor, </a:t>
+            </a:r>
+            <a:r>
+              <a:rPr lang="en-US" sz="2800" dirty="0">
+                <a:solidFill>
+                  <a:srgbClr val="000000"/>
+                </a:solidFill>
+                <a:effectLst/>
+                <a:latin typeface="Calibri" panose="020F0502020204030204" pitchFamily="34" charset="0"/>
+                <a:ea typeface="Times New Roman" panose="02020603050405020304" pitchFamily="18" charset="0"/>
+                <a:cs typeface="Calibri" panose="020F0502020204030204" pitchFamily="34" charset="0"/>
+              </a:rPr>
+              <a:t>5</a:t>
+            </a:r>
+            <a:r>
+              <a:rPr lang="en-PK" sz="2800" dirty="0">
+                <a:solidFill>
+                  <a:srgbClr val="000000"/>
+                </a:solidFill>
+                <a:effectLst/>
+                <a:latin typeface="Calibri" panose="020F0502020204030204" pitchFamily="34" charset="0"/>
+                <a:ea typeface="Times New Roman" panose="02020603050405020304" pitchFamily="18" charset="0"/>
+                <a:cs typeface="Calibri" panose="020F0502020204030204" pitchFamily="34" charset="0"/>
+              </a:rPr>
+              <a:t> GB SSD</a:t>
             </a:r>
             <a:endParaRPr lang="en-PK" sz="2800" dirty="0">
               <a:effectLst/>
@@ -24995,7 +23461,7 @@
 </p:sld>
 </file>
 
-<file path=ppt/slides/slide35.xml><?xml version="1.0" encoding="utf-8"?>
+<file path=ppt/slides/slide32.xml><?xml version="1.0" encoding="utf-8"?>
 <p:sld xmlns:a="http://schemas.openxmlformats.org/drawingml/2006/main" xmlns:r="http://schemas.openxmlformats.org/officeDocument/2006/relationships" xmlns:p="http://schemas.openxmlformats.org/presentationml/2006/main">
   <p:cSld>
     <p:spTree>
@@ -25036,14 +23502,14 @@
             <a:r>
               <a:rPr lang="en-US" dirty="0">
                 <a:solidFill>
-                  <a:srgbClr val="C00000"/>
+                  <a:schemeClr val="tx1"/>
                 </a:solidFill>
               </a:rPr>
               <a:t>Implementation</a:t>
             </a:r>
             <a:endParaRPr lang="en-PK" dirty="0">
               <a:solidFill>
-                <a:srgbClr val="C00000"/>
+                <a:schemeClr val="tx1"/>
               </a:solidFill>
             </a:endParaRPr>
           </a:p>
@@ -25142,7 +23608,55 @@
                 <a:ea typeface="Times New Roman" panose="02020603050405020304" pitchFamily="18" charset="0"/>
                 <a:cs typeface="Calibri" panose="020F0502020204030204" pitchFamily="34" charset="0"/>
               </a:rPr>
-              <a:t>Backend: Django (Python), Database</a:t>
+              <a:t>Backend: </a:t>
+            </a:r>
+            <a:r>
+              <a:rPr lang="en-US" sz="2800" dirty="0">
+                <a:solidFill>
+                  <a:srgbClr val="000000"/>
+                </a:solidFill>
+                <a:effectLst/>
+                <a:latin typeface="Calibri" panose="020F0502020204030204" pitchFamily="34" charset="0"/>
+                <a:ea typeface="Times New Roman" panose="02020603050405020304" pitchFamily="18" charset="0"/>
+                <a:cs typeface="Calibri" panose="020F0502020204030204" pitchFamily="34" charset="0"/>
+              </a:rPr>
+              <a:t>Express</a:t>
+            </a:r>
+            <a:r>
+              <a:rPr lang="en-PK" sz="2800" dirty="0">
+                <a:solidFill>
+                  <a:srgbClr val="000000"/>
+                </a:solidFill>
+                <a:effectLst/>
+                <a:latin typeface="Calibri" panose="020F0502020204030204" pitchFamily="34" charset="0"/>
+                <a:ea typeface="Times New Roman" panose="02020603050405020304" pitchFamily="18" charset="0"/>
+                <a:cs typeface="Calibri" panose="020F0502020204030204" pitchFamily="34" charset="0"/>
+              </a:rPr>
+              <a:t> (</a:t>
+            </a:r>
+            <a:r>
+              <a:rPr lang="en-US" sz="2800" dirty="0" err="1">
+                <a:solidFill>
+                  <a:srgbClr val="000000"/>
+                </a:solidFill>
+                <a:effectLst/>
+                <a:latin typeface="Calibri" panose="020F0502020204030204" pitchFamily="34" charset="0"/>
+                <a:ea typeface="Times New Roman" panose="02020603050405020304" pitchFamily="18" charset="0"/>
+                <a:cs typeface="Calibri" panose="020F0502020204030204" pitchFamily="34" charset="0"/>
+              </a:rPr>
+              <a:t>js</a:t>
+            </a:r>
+            <a:r>
+              <a:rPr lang="en-PK" sz="2800" dirty="0">
+                <a:solidFill>
+                  <a:srgbClr val="000000"/>
+                </a:solidFill>
+                <a:effectLst/>
+                <a:latin typeface="Calibri" panose="020F0502020204030204" pitchFamily="34" charset="0"/>
+                <a:ea typeface="Times New Roman" panose="02020603050405020304" pitchFamily="18" charset="0"/>
+                <a:cs typeface="Calibri" panose="020F0502020204030204" pitchFamily="34" charset="0"/>
+              </a:rPr>
+              <a:t>), Database</a:t>
             </a:r>
           </a:p>
           <a:p>
@@ -25192,7 +23706,55 @@
                 <a:ea typeface="Times New Roman" panose="02020603050405020304" pitchFamily="18" charset="0"/>
                 <a:cs typeface="Calibri" panose="020F0502020204030204" pitchFamily="34" charset="0"/>
               </a:rPr>
-              <a:t>Tools: Docker, GitHub, GitHub Actions, Jest, Cypress</a:t>
+              <a:t>Tools:GitHub, </a:t>
+            </a:r>
+            <a:r>
+              <a:rPr lang="en-US" sz="2800" dirty="0" err="1">
+                <a:solidFill>
+                  <a:srgbClr val="000000"/>
+                </a:solidFill>
+                <a:effectLst/>
+                <a:latin typeface="Calibri" panose="020F0502020204030204" pitchFamily="34" charset="0"/>
+                <a:ea typeface="Times New Roman" panose="02020603050405020304" pitchFamily="18" charset="0"/>
+                <a:cs typeface="Calibri" panose="020F0502020204030204" pitchFamily="34" charset="0"/>
+              </a:rPr>
+              <a:t>VScode</a:t>
+            </a:r>
+            <a:r>
+              <a:rPr lang="en-PK" sz="2800" dirty="0">
+                <a:solidFill>
+                  <a:srgbClr val="000000"/>
+                </a:solidFill>
+                <a:effectLst/>
+                <a:latin typeface="Calibri" panose="020F0502020204030204" pitchFamily="34" charset="0"/>
+                <a:ea typeface="Times New Roman" panose="02020603050405020304" pitchFamily="18" charset="0"/>
+                <a:cs typeface="Calibri" panose="020F0502020204030204" pitchFamily="34" charset="0"/>
+              </a:rPr>
+              <a:t>, </a:t>
+            </a:r>
+            <a:r>
+              <a:rPr lang="en-US" sz="2800" dirty="0">
+                <a:solidFill>
+                  <a:srgbClr val="000000"/>
+                </a:solidFill>
+                <a:effectLst/>
+                <a:latin typeface="Calibri" panose="020F0502020204030204" pitchFamily="34" charset="0"/>
+                <a:ea typeface="Times New Roman" panose="02020603050405020304" pitchFamily="18" charset="0"/>
+                <a:cs typeface="Calibri" panose="020F0502020204030204" pitchFamily="34" charset="0"/>
+              </a:rPr>
+              <a:t>postman</a:t>
+            </a:r>
+            <a:r>
+              <a:rPr lang="en-PK" sz="2800" dirty="0">
+                <a:solidFill>
+                  <a:srgbClr val="000000"/>
+                </a:solidFill>
+                <a:effectLst/>
+                <a:latin typeface="Calibri" panose="020F0502020204030204" pitchFamily="34" charset="0"/>
+                <a:ea typeface="Times New Roman" panose="02020603050405020304" pitchFamily="18" charset="0"/>
+                <a:cs typeface="Calibri" panose="020F0502020204030204" pitchFamily="34" charset="0"/>
+              </a:rPr>
+              <a:t>, Cypress</a:t>
             </a:r>
           </a:p>
           <a:p>
@@ -25213,7 +23775,7 @@
 </p:sld>
 </file>
 
-<file path=ppt/slides/slide36.xml><?xml version="1.0" encoding="utf-8"?>
+<file path=ppt/slides/slide33.xml><?xml version="1.0" encoding="utf-8"?>
 <p:sld xmlns:a="http://schemas.openxmlformats.org/drawingml/2006/main" xmlns:r="http://schemas.openxmlformats.org/officeDocument/2006/relationships" xmlns:p="http://schemas.openxmlformats.org/presentationml/2006/main">
   <p:cSld>
     <p:spTree>
@@ -25275,14 +23837,14 @@
             <a:r>
               <a:rPr lang="en-US" dirty="0">
                 <a:solidFill>
-                  <a:srgbClr val="C00000"/>
+                  <a:schemeClr val="tx1"/>
                 </a:solidFill>
               </a:rPr>
               <a:t>Testing</a:t>
             </a:r>
             <a:endParaRPr dirty="0">
               <a:solidFill>
-                <a:srgbClr val="C00000"/>
+                <a:schemeClr val="tx1"/>
               </a:solidFill>
             </a:endParaRPr>
           </a:p>
@@ -25460,7 +24022,7 @@
 </p:sld>
 </file>
 
-<file path=ppt/slides/slide37.xml><?xml version="1.0" encoding="utf-8"?>
+<file path=ppt/slides/slide34.xml><?xml version="1.0" encoding="utf-8"?>
 <p:sld xmlns:a="http://schemas.openxmlformats.org/drawingml/2006/main" xmlns:r="http://schemas.openxmlformats.org/officeDocument/2006/relationships" xmlns:p="http://schemas.openxmlformats.org/presentationml/2006/main">
   <p:cSld>
     <p:spTree>
@@ -25501,14 +24063,14 @@
             <a:r>
               <a:rPr lang="en-US" dirty="0">
                 <a:solidFill>
-                  <a:srgbClr val="C00000"/>
+                  <a:schemeClr val="tx1"/>
                 </a:solidFill>
               </a:rPr>
               <a:t>Testing</a:t>
             </a:r>
             <a:endParaRPr lang="en-PK" dirty="0">
               <a:solidFill>
-                <a:srgbClr val="C00000"/>
+                <a:schemeClr val="tx1"/>
               </a:solidFill>
             </a:endParaRPr>
           </a:p>
@@ -25602,11 +24164,11 @@
             </a:pPr>
             <a:r>
               <a:rPr lang="en-GB" b="1" dirty="0"/>
-              <a:t>Security - </a:t>
+              <a:t>Security -</a:t>
             </a:r>
             <a:r>
               <a:rPr lang="en-GB" dirty="0"/>
-              <a:t>XSS, CSRF, SQL Injection, and session hijack</a:t>
+              <a:t> SQL Injection, and session hijack</a:t>
             </a:r>
           </a:p>
           <a:p>
@@ -25658,7 +24220,7 @@
 </p:sld>
 </file>
 
-<file path=ppt/slides/slide38.xml><?xml version="1.0" encoding="utf-8"?>
+<file path=ppt/slides/slide35.xml><?xml version="1.0" encoding="utf-8"?>
 <p:sld xmlns:a="http://schemas.openxmlformats.org/drawingml/2006/main" xmlns:r="http://schemas.openxmlformats.org/officeDocument/2006/relationships" xmlns:p="http://schemas.openxmlformats.org/presentationml/2006/main">
   <p:cSld>
     <p:spTree>
@@ -25699,14 +24261,14 @@
             <a:r>
               <a:rPr lang="en-US" dirty="0">
                 <a:solidFill>
-                  <a:srgbClr val="C00000"/>
+                  <a:schemeClr val="tx1"/>
                 </a:solidFill>
               </a:rPr>
               <a:t>Testing</a:t>
             </a:r>
             <a:endParaRPr lang="en-PK" dirty="0">
               <a:solidFill>
-                <a:srgbClr val="C00000"/>
+                <a:schemeClr val="tx1"/>
               </a:solidFill>
             </a:endParaRPr>
           </a:p>
@@ -25761,20 +24323,6 @@
           </a:p>
           <a:p>
             <a:pPr>
-              <a:buFont typeface="Arial" panose="020B0604020202020204" pitchFamily="34" charset="0"/>
-              <a:buChar char="•"/>
-            </a:pPr>
-            <a:r>
-              <a:rPr lang="en-GB" sz="2800" b="1" dirty="0"/>
-              <a:t>ReCAPTCHA Check</a:t>
-            </a:r>
-            <a:r>
-              <a:rPr lang="en-GB" sz="2800" dirty="0"/>
-              <a:t> – Prevent automated login attempts</a:t>
-            </a:r>
-          </a:p>
-          <a:p>
-            <a:pPr>
               <a:buNone/>
             </a:pPr>
             <a:r>
@@ -25811,7 +24359,7 @@
             </a:r>
             <a:r>
               <a:rPr lang="en-GB" sz="2800" dirty="0"/>
-              <a:t>- WAF, token auth, rate limits</a:t>
+              <a:t>- token auth, rate limits</a:t>
             </a:r>
           </a:p>
           <a:p>
@@ -25839,7 +24387,7 @@
 </p:sld>
 </file>
 
-<file path=ppt/slides/slide39.xml><?xml version="1.0" encoding="utf-8"?>
+<file path=ppt/slides/slide36.xml><?xml version="1.0" encoding="utf-8"?>
 <p:sld xmlns:a="http://schemas.openxmlformats.org/drawingml/2006/main" xmlns:r="http://schemas.openxmlformats.org/officeDocument/2006/relationships" xmlns:p="http://schemas.openxmlformats.org/presentationml/2006/main">
   <p:cSld>
     <p:spTree>
@@ -25909,6 +24457,812 @@
       <p:sp>
         <p:nvSpPr>
           <p:cNvPr id="170" name="Google Shape;170;p14"/>
+          <p:cNvSpPr txBox="1">
+            <a:spLocks noGrp="1"/>
+          </p:cNvSpPr>
+          <p:nvPr>
+            <p:ph type="body" idx="1"/>
+          </p:nvPr>
+        </p:nvSpPr>
+        <p:spPr>
+          <a:xfrm>
+            <a:off x="722313" y="2906713"/>
+            <a:ext cx="7772400" cy="1500187"/>
+          </a:xfrm>
+          <a:prstGeom prst="rect">
+            <a:avLst/>
+          </a:prstGeom>
+          <a:noFill/>
+          <a:ln>
+            <a:noFill/>
+          </a:ln>
+        </p:spPr>
+        <p:txBody>
+          <a:bodyPr spcFirstLastPara="1" wrap="square" lIns="91425" tIns="45700" rIns="91425" bIns="45700" anchor="b" anchorCtr="0">
+            <a:normAutofit/>
+          </a:bodyPr>
+          <a:lstStyle/>
+          <a:p>
+            <a:pPr marL="44450" lvl="0" indent="0" algn="l" rtl="0">
+              <a:lnSpc>
+                <a:spcPct val="100000"/>
+              </a:lnSpc>
+              <a:spcBef>
+                <a:spcPts val="0"/>
+              </a:spcBef>
+              <a:spcAft>
+                <a:spcPts val="0"/>
+              </a:spcAft>
+              <a:buClr>
+                <a:srgbClr val="888888"/>
+              </a:buClr>
+              <a:buSzPts val="2000"/>
+              <a:buFont typeface="Arial"/>
+              <a:buNone/>
+            </a:pPr>
+            <a:endParaRPr/>
+          </a:p>
+        </p:txBody>
+      </p:sp>
+    </p:spTree>
+  </p:cSld>
+  <p:clrMapOvr>
+    <a:masterClrMapping/>
+  </p:clrMapOvr>
+</p:sld>
+</file>
+
+<file path=ppt/slides/slide37.xml><?xml version="1.0" encoding="utf-8"?>
+<p:sld xmlns:a="http://schemas.openxmlformats.org/drawingml/2006/main" xmlns:r="http://schemas.openxmlformats.org/officeDocument/2006/relationships" xmlns:p="http://schemas.openxmlformats.org/presentationml/2006/main">
+  <p:cSld>
+    <p:spTree>
+      <p:nvGrpSpPr>
+        <p:cNvPr id="1" name="Shape 174"/>
+        <p:cNvGrpSpPr/>
+        <p:nvPr/>
+      </p:nvGrpSpPr>
+      <p:grpSpPr>
+        <a:xfrm>
+          <a:off x="0" y="0"/>
+          <a:ext cx="0" cy="0"/>
+          <a:chOff x="0" y="0"/>
+          <a:chExt cx="0" cy="0"/>
+        </a:xfrm>
+      </p:grpSpPr>
+      <p:sp>
+        <p:nvSpPr>
+          <p:cNvPr id="175" name="Google Shape;175;p15"/>
+          <p:cNvSpPr txBox="1">
+            <a:spLocks noGrp="1"/>
+          </p:cNvSpPr>
+          <p:nvPr>
+            <p:ph type="title"/>
+          </p:nvPr>
+        </p:nvSpPr>
+        <p:spPr>
+          <a:xfrm>
+            <a:off x="457200" y="274638"/>
+            <a:ext cx="8229600" cy="1143000"/>
+          </a:xfrm>
+          <a:prstGeom prst="rect">
+            <a:avLst/>
+          </a:prstGeom>
+          <a:noFill/>
+          <a:ln>
+            <a:noFill/>
+          </a:ln>
+        </p:spPr>
+        <p:txBody>
+          <a:bodyPr spcFirstLastPara="1" wrap="square" lIns="91425" tIns="45700" rIns="91425" bIns="45700" anchor="ctr" anchorCtr="0">
+            <a:noAutofit/>
+          </a:bodyPr>
+          <a:lstStyle/>
+          <a:p>
+            <a:pPr marL="0" lvl="0" indent="0" algn="ctr" rtl="0">
+              <a:lnSpc>
+                <a:spcPct val="100000"/>
+              </a:lnSpc>
+              <a:spcBef>
+                <a:spcPts val="0"/>
+              </a:spcBef>
+              <a:spcAft>
+                <a:spcPts val="0"/>
+              </a:spcAft>
+              <a:buSzPts val="1400"/>
+              <a:buNone/>
+            </a:pPr>
+            <a:r>
+              <a:rPr lang="en-US" dirty="0">
+                <a:solidFill>
+                  <a:schemeClr val="tx1"/>
+                </a:solidFill>
+              </a:rPr>
+              <a:t>Endeavour</a:t>
+            </a:r>
+            <a:endParaRPr dirty="0">
+              <a:solidFill>
+                <a:schemeClr val="tx1"/>
+              </a:solidFill>
+            </a:endParaRPr>
+          </a:p>
+        </p:txBody>
+      </p:sp>
+      <p:sp>
+        <p:nvSpPr>
+          <p:cNvPr id="176" name="Google Shape;176;p15"/>
+          <p:cNvSpPr txBox="1">
+            <a:spLocks noGrp="1"/>
+          </p:cNvSpPr>
+          <p:nvPr>
+            <p:ph type="body" idx="1"/>
+          </p:nvPr>
+        </p:nvSpPr>
+        <p:spPr>
+          <a:xfrm>
+            <a:off x="457200" y="1600200"/>
+            <a:ext cx="8229600" cy="4525963"/>
+          </a:xfrm>
+          <a:prstGeom prst="rect">
+            <a:avLst/>
+          </a:prstGeom>
+          <a:noFill/>
+          <a:ln>
+            <a:noFill/>
+          </a:ln>
+        </p:spPr>
+        <p:txBody>
+          <a:bodyPr spcFirstLastPara="1" wrap="square" lIns="91425" tIns="45700" rIns="91425" bIns="45700" anchor="t" anchorCtr="0">
+            <a:noAutofit/>
+          </a:bodyPr>
+          <a:lstStyle/>
+          <a:p>
+            <a:pPr marL="342900" lvl="0" indent="-342900" algn="l" rtl="0">
+              <a:lnSpc>
+                <a:spcPct val="100000"/>
+              </a:lnSpc>
+              <a:spcBef>
+                <a:spcPts val="0"/>
+              </a:spcBef>
+              <a:spcAft>
+                <a:spcPts val="0"/>
+              </a:spcAft>
+              <a:buClr>
+                <a:schemeClr val="dk1"/>
+              </a:buClr>
+              <a:buSzPts val="3200"/>
+              <a:buChar char="•"/>
+            </a:pPr>
+            <a:r>
+              <a:rPr lang="en-US" b="1" dirty="0"/>
+              <a:t>Member Roles</a:t>
+            </a:r>
+            <a:endParaRPr b="1" dirty="0"/>
+          </a:p>
+          <a:p>
+            <a:pPr marL="0" lvl="0" indent="0" algn="l" rtl="0">
+              <a:lnSpc>
+                <a:spcPct val="100000"/>
+              </a:lnSpc>
+              <a:spcBef>
+                <a:spcPts val="640"/>
+              </a:spcBef>
+              <a:spcAft>
+                <a:spcPts val="0"/>
+              </a:spcAft>
+              <a:buClr>
+                <a:schemeClr val="dk1"/>
+              </a:buClr>
+              <a:buSzPts val="3200"/>
+              <a:buNone/>
+            </a:pPr>
+            <a:r>
+              <a:rPr lang="en-US" sz="2000" b="1" dirty="0"/>
+              <a:t>       </a:t>
+            </a:r>
+          </a:p>
+          <a:p>
+            <a:pPr marL="0" lvl="0" indent="0" algn="l" rtl="0">
+              <a:lnSpc>
+                <a:spcPct val="100000"/>
+              </a:lnSpc>
+              <a:spcBef>
+                <a:spcPts val="640"/>
+              </a:spcBef>
+              <a:spcAft>
+                <a:spcPts val="0"/>
+              </a:spcAft>
+              <a:buClr>
+                <a:schemeClr val="dk1"/>
+              </a:buClr>
+              <a:buSzPts val="3200"/>
+              <a:buNone/>
+            </a:pPr>
+            <a:r>
+              <a:rPr lang="en-US" sz="2800" b="1" dirty="0"/>
+              <a:t>         - Ali Kayani</a:t>
+            </a:r>
+          </a:p>
+          <a:p>
+            <a:pPr marL="1200150" lvl="2" indent="-285750">
+              <a:spcBef>
+                <a:spcPts val="640"/>
+              </a:spcBef>
+              <a:buSzPts val="3200"/>
+            </a:pPr>
+            <a:r>
+              <a:rPr lang="en-US" dirty="0"/>
+              <a:t>Database</a:t>
+            </a:r>
+          </a:p>
+          <a:p>
+            <a:pPr marL="1200150" lvl="2" indent="-285750">
+              <a:spcBef>
+                <a:spcPts val="640"/>
+              </a:spcBef>
+              <a:buSzPts val="3200"/>
+            </a:pPr>
+            <a:r>
+              <a:rPr lang="en-US" dirty="0"/>
+              <a:t>GUI</a:t>
+            </a:r>
+            <a:r>
+              <a:rPr lang="en-US" b="1" dirty="0"/>
+              <a:t> (</a:t>
+            </a:r>
+            <a:r>
+              <a:rPr lang="en-US" dirty="0"/>
+              <a:t>UI/UX)</a:t>
+            </a:r>
+          </a:p>
+          <a:p>
+            <a:pPr marL="1200150" lvl="2" indent="-285750">
+              <a:spcBef>
+                <a:spcPts val="640"/>
+              </a:spcBef>
+              <a:buSzPts val="3200"/>
+            </a:pPr>
+            <a:r>
+              <a:rPr lang="en-US" dirty="0"/>
+              <a:t>System Architecture</a:t>
+            </a:r>
+          </a:p>
+          <a:p>
+            <a:pPr marL="1200150" lvl="2" indent="-285750">
+              <a:spcBef>
+                <a:spcPts val="640"/>
+              </a:spcBef>
+              <a:buSzPts val="3200"/>
+            </a:pPr>
+            <a:r>
+              <a:rPr lang="en-US" dirty="0"/>
+              <a:t>Project Management</a:t>
+            </a:r>
+          </a:p>
+          <a:p>
+            <a:pPr marL="1200150" lvl="2" indent="-285750">
+              <a:spcBef>
+                <a:spcPts val="640"/>
+              </a:spcBef>
+              <a:buSzPts val="3200"/>
+            </a:pPr>
+            <a:r>
+              <a:rPr lang="en-US" dirty="0"/>
+              <a:t>Quality Testing/Assurance</a:t>
+            </a:r>
+          </a:p>
+          <a:p>
+            <a:pPr marL="1200150" lvl="2" indent="-285750">
+              <a:spcBef>
+                <a:spcPts val="640"/>
+              </a:spcBef>
+              <a:buSzPts val="3200"/>
+            </a:pPr>
+            <a:r>
+              <a:rPr lang="en-US" dirty="0"/>
+              <a:t>Documentation</a:t>
+            </a:r>
+          </a:p>
+          <a:p>
+            <a:pPr marL="0" lvl="0" indent="0" algn="l" rtl="0">
+              <a:lnSpc>
+                <a:spcPct val="100000"/>
+              </a:lnSpc>
+              <a:spcBef>
+                <a:spcPts val="640"/>
+              </a:spcBef>
+              <a:spcAft>
+                <a:spcPts val="0"/>
+              </a:spcAft>
+              <a:buClr>
+                <a:schemeClr val="dk1"/>
+              </a:buClr>
+              <a:buSzPts val="3200"/>
+              <a:buNone/>
+            </a:pPr>
+            <a:r>
+              <a:rPr lang="en-US" sz="2000" b="1" dirty="0"/>
+              <a:t>        </a:t>
+            </a:r>
+            <a:endParaRPr lang="en-US" sz="1100" b="1" dirty="0"/>
+          </a:p>
+          <a:p>
+            <a:pPr marL="0" lvl="0" indent="0" algn="l" rtl="0">
+              <a:lnSpc>
+                <a:spcPct val="100000"/>
+              </a:lnSpc>
+              <a:spcBef>
+                <a:spcPts val="640"/>
+              </a:spcBef>
+              <a:spcAft>
+                <a:spcPts val="0"/>
+              </a:spcAft>
+              <a:buClr>
+                <a:schemeClr val="dk1"/>
+              </a:buClr>
+              <a:buSzPts val="3200"/>
+              <a:buNone/>
+            </a:pPr>
+            <a:endParaRPr lang="en-US" sz="1800" b="1" dirty="0"/>
+          </a:p>
+        </p:txBody>
+      </p:sp>
+      <p:sp>
+        <p:nvSpPr>
+          <p:cNvPr id="2" name="TextBox 1">
+            <a:extLst>
+              <a:ext uri="{FF2B5EF4-FFF2-40B4-BE49-F238E27FC236}">
+                <a16:creationId xmlns:a16="http://schemas.microsoft.com/office/drawing/2014/main" id="{4EE3CB95-C0FE-0EEA-4321-88C9924D9575}"/>
+              </a:ext>
+            </a:extLst>
+          </p:cNvPr>
+          <p:cNvSpPr txBox="1"/>
+          <p:nvPr/>
+        </p:nvSpPr>
+        <p:spPr>
+          <a:xfrm>
+            <a:off x="4432151" y="2521059"/>
+            <a:ext cx="4254649" cy="2308324"/>
+          </a:xfrm>
+          <a:prstGeom prst="rect">
+            <a:avLst/>
+          </a:prstGeom>
+          <a:noFill/>
+        </p:spPr>
+        <p:txBody>
+          <a:bodyPr wrap="square" rtlCol="0">
+            <a:spAutoFit/>
+          </a:bodyPr>
+          <a:lstStyle/>
+          <a:p>
+            <a:pPr marL="0" lvl="0" indent="0" algn="l" rtl="0">
+              <a:lnSpc>
+                <a:spcPct val="100000"/>
+              </a:lnSpc>
+              <a:spcBef>
+                <a:spcPts val="640"/>
+              </a:spcBef>
+              <a:spcAft>
+                <a:spcPts val="0"/>
+              </a:spcAft>
+              <a:buClr>
+                <a:schemeClr val="dk1"/>
+              </a:buClr>
+              <a:buSzPts val="3200"/>
+              <a:buNone/>
+            </a:pPr>
+            <a:r>
+              <a:rPr lang="en-US" sz="2800" dirty="0"/>
+              <a:t>-</a:t>
+            </a:r>
+            <a:r>
+              <a:rPr lang="en-US" sz="2800" b="1" dirty="0"/>
+              <a:t> Umar Waqar</a:t>
+            </a:r>
+          </a:p>
+          <a:p>
+            <a:pPr marL="1200150" indent="-285750">
+              <a:spcBef>
+                <a:spcPts val="640"/>
+              </a:spcBef>
+              <a:buSzPts val="3200"/>
+              <a:buFont typeface="Arial" panose="020B0604020202020204" pitchFamily="34" charset="0"/>
+              <a:buChar char="•"/>
+            </a:pPr>
+            <a:r>
+              <a:rPr lang="en-US" sz="2400" dirty="0">
+                <a:latin typeface="Calibri" panose="020F0502020204030204" pitchFamily="34" charset="0"/>
+                <a:cs typeface="Calibri" panose="020F0502020204030204" pitchFamily="34" charset="0"/>
+              </a:rPr>
+              <a:t>Coding</a:t>
+            </a:r>
+          </a:p>
+          <a:p>
+            <a:pPr marL="1200150" lvl="2" indent="-285750">
+              <a:spcBef>
+                <a:spcPts val="640"/>
+              </a:spcBef>
+              <a:buSzPts val="3200"/>
+              <a:buFont typeface="Arial" panose="020B0604020202020204" pitchFamily="34" charset="0"/>
+              <a:buChar char="•"/>
+            </a:pPr>
+            <a:r>
+              <a:rPr lang="en-US" sz="2400" dirty="0">
+                <a:latin typeface="Calibri" panose="020F0502020204030204" pitchFamily="34" charset="0"/>
+                <a:cs typeface="Calibri" panose="020F0502020204030204" pitchFamily="34" charset="0"/>
+              </a:rPr>
+              <a:t>Front-end</a:t>
+            </a:r>
+          </a:p>
+          <a:p>
+            <a:pPr marL="1200150" lvl="2" indent="-285750">
+              <a:spcBef>
+                <a:spcPts val="640"/>
+              </a:spcBef>
+              <a:buSzPts val="3200"/>
+              <a:buFont typeface="Arial" panose="020B0604020202020204" pitchFamily="34" charset="0"/>
+              <a:buChar char="•"/>
+            </a:pPr>
+            <a:r>
+              <a:rPr lang="en-US" sz="2400" dirty="0">
+                <a:latin typeface="Calibri" panose="020F0502020204030204" pitchFamily="34" charset="0"/>
+                <a:cs typeface="Calibri" panose="020F0502020204030204" pitchFamily="34" charset="0"/>
+              </a:rPr>
+              <a:t>Back-end</a:t>
+            </a:r>
+          </a:p>
+          <a:p>
+            <a:pPr marL="1200150" lvl="2" indent="-285750">
+              <a:spcBef>
+                <a:spcPts val="640"/>
+              </a:spcBef>
+              <a:buSzPts val="3200"/>
+              <a:buFont typeface="Arial" panose="020B0604020202020204" pitchFamily="34" charset="0"/>
+              <a:buChar char="•"/>
+            </a:pPr>
+            <a:r>
+              <a:rPr lang="en-US" sz="2400" dirty="0">
+                <a:latin typeface="Calibri" panose="020F0502020204030204" pitchFamily="34" charset="0"/>
+                <a:cs typeface="Calibri" panose="020F0502020204030204" pitchFamily="34" charset="0"/>
+              </a:rPr>
+              <a:t>Database &amp; APIs</a:t>
+            </a:r>
+            <a:endParaRPr lang="en-PK" sz="2400" dirty="0">
+              <a:latin typeface="Calibri" panose="020F0502020204030204" pitchFamily="34" charset="0"/>
+              <a:cs typeface="Calibri" panose="020F0502020204030204" pitchFamily="34" charset="0"/>
+            </a:endParaRPr>
+          </a:p>
+        </p:txBody>
+      </p:sp>
+    </p:spTree>
+  </p:cSld>
+  <p:clrMapOvr>
+    <a:masterClrMapping/>
+  </p:clrMapOvr>
+</p:sld>
+</file>
+
+<file path=ppt/slides/slide38.xml><?xml version="1.0" encoding="utf-8"?>
+<p:sld xmlns:a="http://schemas.openxmlformats.org/drawingml/2006/main" xmlns:r="http://schemas.openxmlformats.org/officeDocument/2006/relationships" xmlns:p="http://schemas.openxmlformats.org/presentationml/2006/main">
+  <p:cSld>
+    <p:spTree>
+      <p:nvGrpSpPr>
+        <p:cNvPr id="1" name=""/>
+        <p:cNvGrpSpPr/>
+        <p:nvPr/>
+      </p:nvGrpSpPr>
+      <p:grpSpPr>
+        <a:xfrm>
+          <a:off x="0" y="0"/>
+          <a:ext cx="0" cy="0"/>
+          <a:chOff x="0" y="0"/>
+          <a:chExt cx="0" cy="0"/>
+        </a:xfrm>
+      </p:grpSpPr>
+      <p:sp>
+        <p:nvSpPr>
+          <p:cNvPr id="2" name="Title 1">
+            <a:extLst>
+              <a:ext uri="{FF2B5EF4-FFF2-40B4-BE49-F238E27FC236}">
+                <a16:creationId xmlns:a16="http://schemas.microsoft.com/office/drawing/2014/main" id="{AFD39681-43BE-851F-B451-139810008CD5}"/>
+              </a:ext>
+            </a:extLst>
+          </p:cNvPr>
+          <p:cNvSpPr>
+            <a:spLocks noGrp="1"/>
+          </p:cNvSpPr>
+          <p:nvPr>
+            <p:ph type="title"/>
+          </p:nvPr>
+        </p:nvSpPr>
+        <p:spPr/>
+        <p:txBody>
+          <a:bodyPr/>
+          <a:lstStyle/>
+          <a:p>
+            <a:r>
+              <a:rPr lang="en-US" dirty="0"/>
+              <a:t>Endeavour</a:t>
+            </a:r>
+            <a:endParaRPr lang="en-PK" dirty="0"/>
+          </a:p>
+        </p:txBody>
+      </p:sp>
+      <p:sp>
+        <p:nvSpPr>
+          <p:cNvPr id="3" name="Text Placeholder 2">
+            <a:extLst>
+              <a:ext uri="{FF2B5EF4-FFF2-40B4-BE49-F238E27FC236}">
+                <a16:creationId xmlns:a16="http://schemas.microsoft.com/office/drawing/2014/main" id="{77665501-CA17-5E1B-1C17-D33B8DD67E1A}"/>
+              </a:ext>
+            </a:extLst>
+          </p:cNvPr>
+          <p:cNvSpPr>
+            <a:spLocks noGrp="1"/>
+          </p:cNvSpPr>
+          <p:nvPr>
+            <p:ph type="body" idx="1"/>
+          </p:nvPr>
+        </p:nvSpPr>
+        <p:spPr/>
+        <p:txBody>
+          <a:bodyPr/>
+          <a:lstStyle/>
+          <a:p>
+            <a:pPr algn="just">
+              <a:buNone/>
+            </a:pPr>
+            <a:r>
+              <a:rPr lang="en-GB" sz="2400" b="1" dirty="0"/>
+              <a:t>Software Development Lifecycle</a:t>
+            </a:r>
+            <a:endParaRPr lang="en-US" sz="2400" b="1" dirty="0"/>
+          </a:p>
+          <a:p>
+            <a:pPr algn="just">
+              <a:buNone/>
+            </a:pPr>
+            <a:r>
+              <a:rPr lang="en-PK" sz="2400" b="1" dirty="0"/>
+              <a:t>1. </a:t>
+            </a:r>
+            <a:r>
+              <a:rPr lang="en-GB" sz="2400" b="1" dirty="0"/>
+              <a:t>Development Methodology: Agile</a:t>
+            </a:r>
+          </a:p>
+          <a:p>
+            <a:pPr algn="just">
+              <a:buFont typeface="Arial" panose="020B0604020202020204" pitchFamily="34" charset="0"/>
+              <a:buChar char="•"/>
+            </a:pPr>
+            <a:r>
+              <a:rPr lang="en-GB" sz="2400" dirty="0"/>
+              <a:t>Weekly sprint planning and review sessions</a:t>
+            </a:r>
+          </a:p>
+          <a:p>
+            <a:pPr algn="just">
+              <a:buNone/>
+            </a:pPr>
+            <a:r>
+              <a:rPr lang="en-US" sz="2400" b="1" dirty="0"/>
+              <a:t>2. </a:t>
+            </a:r>
+            <a:r>
+              <a:rPr lang="en-GB" sz="2400" b="1" dirty="0"/>
+              <a:t>Requirements Gathering</a:t>
+            </a:r>
+          </a:p>
+          <a:p>
+            <a:pPr algn="just">
+              <a:buFont typeface="Arial" panose="020B0604020202020204" pitchFamily="34" charset="0"/>
+              <a:buChar char="•"/>
+            </a:pPr>
+            <a:r>
+              <a:rPr lang="en-GB" sz="2400" dirty="0"/>
+              <a:t>Functional needs &amp; non-functional expectations</a:t>
+            </a:r>
+            <a:endParaRPr lang="en-PK" sz="2400" dirty="0"/>
+          </a:p>
+          <a:p>
+            <a:pPr algn="just">
+              <a:buNone/>
+            </a:pPr>
+            <a:r>
+              <a:rPr lang="en-PK" sz="2400" b="1" dirty="0"/>
+              <a:t>3. </a:t>
+            </a:r>
+            <a:r>
+              <a:rPr lang="en-GB" sz="2400" b="1" dirty="0"/>
+              <a:t>System Design</a:t>
+            </a:r>
+          </a:p>
+          <a:p>
+            <a:pPr>
+              <a:buFont typeface="Arial" panose="020B0604020202020204" pitchFamily="34" charset="0"/>
+              <a:buChar char="•"/>
+            </a:pPr>
+            <a:r>
+              <a:rPr lang="en-GB" sz="2400" dirty="0"/>
+              <a:t>Modular, scalable client-server architecture</a:t>
+            </a:r>
+          </a:p>
+          <a:p>
+            <a:pPr algn="just">
+              <a:buNone/>
+            </a:pPr>
+            <a:r>
+              <a:rPr lang="en-GB" sz="2400" b="1" dirty="0"/>
+              <a:t>4. Development Phases</a:t>
+            </a:r>
+          </a:p>
+          <a:p>
+            <a:pPr algn="just">
+              <a:buFont typeface="Arial" panose="020B0604020202020204" pitchFamily="34" charset="0"/>
+              <a:buChar char="•"/>
+            </a:pPr>
+            <a:r>
+              <a:rPr lang="en-GB" sz="2400" dirty="0"/>
+              <a:t>Frontend</a:t>
+            </a:r>
+            <a:r>
+              <a:rPr lang="en-GB" sz="2400" b="1" dirty="0"/>
+              <a:t> </a:t>
+            </a:r>
+            <a:r>
+              <a:rPr lang="en-GB" sz="2400" dirty="0"/>
+              <a:t>(React + Tailwind)</a:t>
+            </a:r>
+          </a:p>
+          <a:p>
+            <a:pPr algn="just">
+              <a:buFont typeface="Arial" panose="020B0604020202020204" pitchFamily="34" charset="0"/>
+              <a:buChar char="•"/>
+            </a:pPr>
+            <a:r>
+              <a:rPr lang="en-GB" sz="2400" dirty="0"/>
+              <a:t>Backend</a:t>
+            </a:r>
+            <a:r>
+              <a:rPr lang="en-GB" sz="2400" b="1" dirty="0"/>
+              <a:t> </a:t>
+            </a:r>
+            <a:r>
+              <a:rPr lang="en-GB" sz="2400" dirty="0"/>
+              <a:t>(Express.js + </a:t>
+            </a:r>
+            <a:r>
+              <a:rPr lang="en-GB" sz="2400" dirty="0" err="1"/>
+              <a:t>api</a:t>
+            </a:r>
+            <a:r>
+              <a:rPr lang="en-GB" sz="2400" dirty="0"/>
+              <a:t>)</a:t>
+            </a:r>
+          </a:p>
+          <a:p>
+            <a:pPr marL="114300" indent="0">
+              <a:buNone/>
+            </a:pPr>
+            <a:endParaRPr lang="en-GB" sz="2400" dirty="0"/>
+          </a:p>
+          <a:p>
+            <a:pPr algn="just">
+              <a:buNone/>
+            </a:pPr>
+            <a:endParaRPr lang="en-US" sz="2400" dirty="0"/>
+          </a:p>
+          <a:p>
+            <a:pPr algn="just">
+              <a:buFont typeface="Arial" panose="020B0604020202020204" pitchFamily="34" charset="0"/>
+              <a:buChar char="•"/>
+            </a:pPr>
+            <a:endParaRPr lang="en-GB" sz="2400" dirty="0"/>
+          </a:p>
+          <a:p>
+            <a:pPr algn="just">
+              <a:buNone/>
+            </a:pPr>
+            <a:endParaRPr lang="en-PK" sz="2400" dirty="0"/>
+          </a:p>
+          <a:p>
+            <a:pPr algn="just">
+              <a:buFont typeface="Arial" panose="020B0604020202020204" pitchFamily="34" charset="0"/>
+              <a:buChar char="•"/>
+            </a:pPr>
+            <a:endParaRPr lang="en-GB" sz="2400" dirty="0"/>
+          </a:p>
+          <a:p>
+            <a:pPr algn="just">
+              <a:buNone/>
+            </a:pPr>
+            <a:endParaRPr lang="en-PK" sz="2400" dirty="0"/>
+          </a:p>
+        </p:txBody>
+      </p:sp>
+    </p:spTree>
+    <p:extLst>
+      <p:ext uri="{BB962C8B-B14F-4D97-AF65-F5344CB8AC3E}">
+        <p14:creationId xmlns:p14="http://schemas.microsoft.com/office/powerpoint/2010/main" val="3886331905"/>
+      </p:ext>
+    </p:extLst>
+  </p:cSld>
+  <p:clrMapOvr>
+    <a:masterClrMapping/>
+  </p:clrMapOvr>
+</p:sld>
+</file>
+
+<file path=ppt/slides/slide39.xml><?xml version="1.0" encoding="utf-8"?>
+<p:sld xmlns:a="http://schemas.openxmlformats.org/drawingml/2006/main" xmlns:r="http://schemas.openxmlformats.org/officeDocument/2006/relationships" xmlns:p="http://schemas.openxmlformats.org/presentationml/2006/main">
+  <p:cSld>
+    <p:spTree>
+      <p:nvGrpSpPr>
+        <p:cNvPr id="1" name="Shape 180"/>
+        <p:cNvGrpSpPr/>
+        <p:nvPr/>
+      </p:nvGrpSpPr>
+      <p:grpSpPr>
+        <a:xfrm>
+          <a:off x="0" y="0"/>
+          <a:ext cx="0" cy="0"/>
+          <a:chOff x="0" y="0"/>
+          <a:chExt cx="0" cy="0"/>
+        </a:xfrm>
+      </p:grpSpPr>
+      <p:sp>
+        <p:nvSpPr>
+          <p:cNvPr id="181" name="Google Shape;181;p16"/>
+          <p:cNvSpPr txBox="1">
+            <a:spLocks noGrp="1"/>
+          </p:cNvSpPr>
+          <p:nvPr>
+            <p:ph type="title"/>
+          </p:nvPr>
+        </p:nvSpPr>
+        <p:spPr>
+          <a:xfrm>
+            <a:off x="722313" y="4406900"/>
+            <a:ext cx="7772400" cy="1362075"/>
+          </a:xfrm>
+          <a:prstGeom prst="rect">
+            <a:avLst/>
+          </a:prstGeom>
+          <a:noFill/>
+          <a:ln>
+            <a:noFill/>
+          </a:ln>
+        </p:spPr>
+        <p:txBody>
+          <a:bodyPr spcFirstLastPara="1" wrap="square" lIns="91425" tIns="45700" rIns="91425" bIns="45700" anchor="t" anchorCtr="0">
+            <a:normAutofit/>
+          </a:bodyPr>
+          <a:lstStyle/>
+          <a:p>
+            <a:pPr marL="0" lvl="0" indent="0" algn="l" rtl="0">
+              <a:lnSpc>
+                <a:spcPct val="100000"/>
+              </a:lnSpc>
+              <a:spcBef>
+                <a:spcPts val="0"/>
+              </a:spcBef>
+              <a:spcAft>
+                <a:spcPts val="0"/>
+              </a:spcAft>
+              <a:buSzPts val="1400"/>
+              <a:buNone/>
+            </a:pPr>
+            <a:r>
+              <a:rPr lang="en-US"/>
+              <a:t>NEXT STEPS</a:t>
+            </a:r>
+            <a:endParaRPr/>
+          </a:p>
+        </p:txBody>
+      </p:sp>
+      <p:sp>
+        <p:nvSpPr>
+          <p:cNvPr id="182" name="Google Shape;182;p16"/>
           <p:cNvSpPr txBox="1">
             <a:spLocks noGrp="1"/>
           </p:cNvSpPr>
@@ -26094,805 +25448,6 @@
   <p:cSld>
     <p:spTree>
       <p:nvGrpSpPr>
-        <p:cNvPr id="1" name="Shape 174"/>
-        <p:cNvGrpSpPr/>
-        <p:nvPr/>
-      </p:nvGrpSpPr>
-      <p:grpSpPr>
-        <a:xfrm>
-          <a:off x="0" y="0"/>
-          <a:ext cx="0" cy="0"/>
-          <a:chOff x="0" y="0"/>
-          <a:chExt cx="0" cy="0"/>
-        </a:xfrm>
-      </p:grpSpPr>
-      <p:sp>
-        <p:nvSpPr>
-          <p:cNvPr id="175" name="Google Shape;175;p15"/>
-          <p:cNvSpPr txBox="1">
-            <a:spLocks noGrp="1"/>
-          </p:cNvSpPr>
-          <p:nvPr>
-            <p:ph type="title"/>
-          </p:nvPr>
-        </p:nvSpPr>
-        <p:spPr>
-          <a:xfrm>
-            <a:off x="457200" y="274638"/>
-            <a:ext cx="8229600" cy="1143000"/>
-          </a:xfrm>
-          <a:prstGeom prst="rect">
-            <a:avLst/>
-          </a:prstGeom>
-          <a:noFill/>
-          <a:ln>
-            <a:noFill/>
-          </a:ln>
-        </p:spPr>
-        <p:txBody>
-          <a:bodyPr spcFirstLastPara="1" wrap="square" lIns="91425" tIns="45700" rIns="91425" bIns="45700" anchor="ctr" anchorCtr="0">
-            <a:noAutofit/>
-          </a:bodyPr>
-          <a:lstStyle/>
-          <a:p>
-            <a:pPr marL="0" lvl="0" indent="0" algn="ctr" rtl="0">
-              <a:lnSpc>
-                <a:spcPct val="100000"/>
-              </a:lnSpc>
-              <a:spcBef>
-                <a:spcPts val="0"/>
-              </a:spcBef>
-              <a:spcAft>
-                <a:spcPts val="0"/>
-              </a:spcAft>
-              <a:buSzPts val="1400"/>
-              <a:buNone/>
-            </a:pPr>
-            <a:r>
-              <a:rPr lang="en-US" dirty="0">
-                <a:solidFill>
-                  <a:srgbClr val="C00000"/>
-                </a:solidFill>
-              </a:rPr>
-              <a:t>Endeavour</a:t>
-            </a:r>
-            <a:endParaRPr dirty="0">
-              <a:solidFill>
-                <a:srgbClr val="C00000"/>
-              </a:solidFill>
-            </a:endParaRPr>
-          </a:p>
-        </p:txBody>
-      </p:sp>
-      <p:sp>
-        <p:nvSpPr>
-          <p:cNvPr id="176" name="Google Shape;176;p15"/>
-          <p:cNvSpPr txBox="1">
-            <a:spLocks noGrp="1"/>
-          </p:cNvSpPr>
-          <p:nvPr>
-            <p:ph type="body" idx="1"/>
-          </p:nvPr>
-        </p:nvSpPr>
-        <p:spPr>
-          <a:xfrm>
-            <a:off x="457200" y="1373952"/>
-            <a:ext cx="8229600" cy="4525963"/>
-          </a:xfrm>
-          <a:prstGeom prst="rect">
-            <a:avLst/>
-          </a:prstGeom>
-          <a:noFill/>
-          <a:ln>
-            <a:noFill/>
-          </a:ln>
-        </p:spPr>
-        <p:txBody>
-          <a:bodyPr spcFirstLastPara="1" wrap="square" lIns="91425" tIns="45700" rIns="91425" bIns="45700" anchor="t" anchorCtr="0">
-            <a:noAutofit/>
-          </a:bodyPr>
-          <a:lstStyle/>
-          <a:p>
-            <a:pPr marL="342900" lvl="0" indent="-342900" algn="l" rtl="0">
-              <a:lnSpc>
-                <a:spcPct val="100000"/>
-              </a:lnSpc>
-              <a:spcBef>
-                <a:spcPts val="0"/>
-              </a:spcBef>
-              <a:spcAft>
-                <a:spcPts val="0"/>
-              </a:spcAft>
-              <a:buClr>
-                <a:schemeClr val="dk1"/>
-              </a:buClr>
-              <a:buSzPts val="3200"/>
-              <a:buChar char="•"/>
-            </a:pPr>
-            <a:r>
-              <a:rPr lang="en-US" b="1" dirty="0"/>
-              <a:t>Member Roles</a:t>
-            </a:r>
-            <a:endParaRPr b="1" dirty="0"/>
-          </a:p>
-          <a:p>
-            <a:pPr marL="0" lvl="0" indent="0" algn="l" rtl="0">
-              <a:lnSpc>
-                <a:spcPct val="100000"/>
-              </a:lnSpc>
-              <a:spcBef>
-                <a:spcPts val="640"/>
-              </a:spcBef>
-              <a:spcAft>
-                <a:spcPts val="0"/>
-              </a:spcAft>
-              <a:buClr>
-                <a:schemeClr val="dk1"/>
-              </a:buClr>
-              <a:buSzPts val="3200"/>
-              <a:buNone/>
-            </a:pPr>
-            <a:r>
-              <a:rPr lang="en-US" sz="2000" b="1" dirty="0"/>
-              <a:t>       </a:t>
-            </a:r>
-          </a:p>
-          <a:p>
-            <a:pPr marL="0" lvl="0" indent="0" algn="l" rtl="0">
-              <a:lnSpc>
-                <a:spcPct val="100000"/>
-              </a:lnSpc>
-              <a:spcBef>
-                <a:spcPts val="640"/>
-              </a:spcBef>
-              <a:spcAft>
-                <a:spcPts val="0"/>
-              </a:spcAft>
-              <a:buClr>
-                <a:schemeClr val="dk1"/>
-              </a:buClr>
-              <a:buSzPts val="3200"/>
-              <a:buNone/>
-            </a:pPr>
-            <a:r>
-              <a:rPr lang="en-US" sz="2800" b="1" dirty="0"/>
-              <a:t>         - Ali Kayani</a:t>
-            </a:r>
-          </a:p>
-          <a:p>
-            <a:pPr marL="1200150" lvl="2" indent="-285750">
-              <a:spcBef>
-                <a:spcPts val="640"/>
-              </a:spcBef>
-              <a:buSzPts val="3200"/>
-            </a:pPr>
-            <a:r>
-              <a:rPr lang="en-US" dirty="0"/>
-              <a:t>APIs</a:t>
-            </a:r>
-          </a:p>
-          <a:p>
-            <a:pPr marL="1200150" lvl="2" indent="-285750">
-              <a:spcBef>
-                <a:spcPts val="640"/>
-              </a:spcBef>
-              <a:buSzPts val="3200"/>
-            </a:pPr>
-            <a:r>
-              <a:rPr lang="en-US" dirty="0"/>
-              <a:t>Database</a:t>
-            </a:r>
-          </a:p>
-          <a:p>
-            <a:pPr marL="1200150" lvl="2" indent="-285750">
-              <a:spcBef>
-                <a:spcPts val="640"/>
-              </a:spcBef>
-              <a:buSzPts val="3200"/>
-            </a:pPr>
-            <a:r>
-              <a:rPr lang="en-US" dirty="0"/>
-              <a:t>GUI</a:t>
-            </a:r>
-            <a:r>
-              <a:rPr lang="en-US" b="1" dirty="0"/>
-              <a:t> (</a:t>
-            </a:r>
-            <a:r>
-              <a:rPr lang="en-US" dirty="0"/>
-              <a:t>UI/UX)</a:t>
-            </a:r>
-          </a:p>
-          <a:p>
-            <a:pPr marL="1200150" lvl="2" indent="-285750">
-              <a:spcBef>
-                <a:spcPts val="640"/>
-              </a:spcBef>
-              <a:buSzPts val="3200"/>
-            </a:pPr>
-            <a:r>
-              <a:rPr lang="en-US" dirty="0"/>
-              <a:t>System Architecture</a:t>
-            </a:r>
-          </a:p>
-          <a:p>
-            <a:pPr marL="1200150" lvl="2" indent="-285750">
-              <a:spcBef>
-                <a:spcPts val="640"/>
-              </a:spcBef>
-              <a:buSzPts val="3200"/>
-            </a:pPr>
-            <a:r>
-              <a:rPr lang="en-US" dirty="0"/>
-              <a:t>Project Management</a:t>
-            </a:r>
-          </a:p>
-          <a:p>
-            <a:pPr marL="1200150" lvl="2" indent="-285750">
-              <a:spcBef>
-                <a:spcPts val="640"/>
-              </a:spcBef>
-              <a:buSzPts val="3200"/>
-            </a:pPr>
-            <a:r>
-              <a:rPr lang="en-US" dirty="0"/>
-              <a:t>Quality Testing/Assurance</a:t>
-            </a:r>
-          </a:p>
-          <a:p>
-            <a:pPr marL="1200150" lvl="2" indent="-285750">
-              <a:spcBef>
-                <a:spcPts val="640"/>
-              </a:spcBef>
-              <a:buSzPts val="3200"/>
-            </a:pPr>
-            <a:r>
-              <a:rPr lang="en-US" dirty="0"/>
-              <a:t>Documentation</a:t>
-            </a:r>
-          </a:p>
-          <a:p>
-            <a:pPr marL="0" lvl="0" indent="0" algn="l" rtl="0">
-              <a:lnSpc>
-                <a:spcPct val="100000"/>
-              </a:lnSpc>
-              <a:spcBef>
-                <a:spcPts val="640"/>
-              </a:spcBef>
-              <a:spcAft>
-                <a:spcPts val="0"/>
-              </a:spcAft>
-              <a:buClr>
-                <a:schemeClr val="dk1"/>
-              </a:buClr>
-              <a:buSzPts val="3200"/>
-              <a:buNone/>
-            </a:pPr>
-            <a:r>
-              <a:rPr lang="en-US" sz="2000" b="1" dirty="0"/>
-              <a:t>        </a:t>
-            </a:r>
-            <a:endParaRPr lang="en-US" sz="1100" b="1" dirty="0"/>
-          </a:p>
-          <a:p>
-            <a:pPr marL="0" lvl="0" indent="0" algn="l" rtl="0">
-              <a:lnSpc>
-                <a:spcPct val="100000"/>
-              </a:lnSpc>
-              <a:spcBef>
-                <a:spcPts val="640"/>
-              </a:spcBef>
-              <a:spcAft>
-                <a:spcPts val="0"/>
-              </a:spcAft>
-              <a:buClr>
-                <a:schemeClr val="dk1"/>
-              </a:buClr>
-              <a:buSzPts val="3200"/>
-              <a:buNone/>
-            </a:pPr>
-            <a:endParaRPr lang="en-US" sz="1800" b="1" dirty="0"/>
-          </a:p>
-        </p:txBody>
-      </p:sp>
-      <p:sp>
-        <p:nvSpPr>
-          <p:cNvPr id="2" name="TextBox 1">
-            <a:extLst>
-              <a:ext uri="{FF2B5EF4-FFF2-40B4-BE49-F238E27FC236}">
-                <a16:creationId xmlns:a16="http://schemas.microsoft.com/office/drawing/2014/main" id="{4EE3CB95-C0FE-0EEA-4321-88C9924D9575}"/>
-              </a:ext>
-            </a:extLst>
-          </p:cNvPr>
-          <p:cNvSpPr txBox="1"/>
-          <p:nvPr/>
-        </p:nvSpPr>
-        <p:spPr>
-          <a:xfrm>
-            <a:off x="4432151" y="2323092"/>
-            <a:ext cx="4254649" cy="1677382"/>
-          </a:xfrm>
-          <a:prstGeom prst="rect">
-            <a:avLst/>
-          </a:prstGeom>
-          <a:noFill/>
-        </p:spPr>
-        <p:txBody>
-          <a:bodyPr wrap="square" rtlCol="0">
-            <a:spAutoFit/>
-          </a:bodyPr>
-          <a:lstStyle/>
-          <a:p>
-            <a:pPr marL="0" lvl="0" indent="0" algn="l" rtl="0">
-              <a:lnSpc>
-                <a:spcPct val="100000"/>
-              </a:lnSpc>
-              <a:spcBef>
-                <a:spcPts val="640"/>
-              </a:spcBef>
-              <a:spcAft>
-                <a:spcPts val="0"/>
-              </a:spcAft>
-              <a:buClr>
-                <a:schemeClr val="dk1"/>
-              </a:buClr>
-              <a:buSzPts val="3200"/>
-              <a:buNone/>
-            </a:pPr>
-            <a:r>
-              <a:rPr lang="en-US" sz="2800" dirty="0">
-                <a:latin typeface="Calibri" panose="020F0502020204030204" pitchFamily="34" charset="0"/>
-                <a:cs typeface="Calibri" panose="020F0502020204030204" pitchFamily="34" charset="0"/>
-              </a:rPr>
-              <a:t>-</a:t>
-            </a:r>
-            <a:r>
-              <a:rPr lang="en-US" sz="2800" b="1" dirty="0">
-                <a:latin typeface="Calibri" panose="020F0502020204030204" pitchFamily="34" charset="0"/>
-                <a:cs typeface="Calibri" panose="020F0502020204030204" pitchFamily="34" charset="0"/>
-              </a:rPr>
-              <a:t> Umar Waqar</a:t>
-            </a:r>
-          </a:p>
-          <a:p>
-            <a:pPr marL="1200150" lvl="2" indent="-285750">
-              <a:spcBef>
-                <a:spcPts val="640"/>
-              </a:spcBef>
-              <a:buSzPts val="3200"/>
-              <a:buFont typeface="Arial" panose="020B0604020202020204" pitchFamily="34" charset="0"/>
-              <a:buChar char="•"/>
-            </a:pPr>
-            <a:r>
-              <a:rPr lang="en-US" sz="2000" dirty="0">
-                <a:latin typeface="Calibri" panose="020F0502020204030204" pitchFamily="34" charset="0"/>
-                <a:cs typeface="Calibri" panose="020F0502020204030204" pitchFamily="34" charset="0"/>
-              </a:rPr>
-              <a:t>Front-end</a:t>
-            </a:r>
-          </a:p>
-          <a:p>
-            <a:pPr marL="1200150" lvl="2" indent="-285750">
-              <a:spcBef>
-                <a:spcPts val="640"/>
-              </a:spcBef>
-              <a:buSzPts val="3200"/>
-              <a:buFont typeface="Arial" panose="020B0604020202020204" pitchFamily="34" charset="0"/>
-              <a:buChar char="•"/>
-            </a:pPr>
-            <a:r>
-              <a:rPr lang="en-US" sz="2000" dirty="0">
-                <a:latin typeface="Calibri" panose="020F0502020204030204" pitchFamily="34" charset="0"/>
-                <a:cs typeface="Calibri" panose="020F0502020204030204" pitchFamily="34" charset="0"/>
-              </a:rPr>
-              <a:t>Back-end</a:t>
-            </a:r>
-          </a:p>
-          <a:p>
-            <a:pPr marL="1200150" lvl="2" indent="-285750">
-              <a:spcBef>
-                <a:spcPts val="640"/>
-              </a:spcBef>
-              <a:buSzPts val="3200"/>
-              <a:buFont typeface="Arial" panose="020B0604020202020204" pitchFamily="34" charset="0"/>
-              <a:buChar char="•"/>
-            </a:pPr>
-            <a:r>
-              <a:rPr lang="en-US" sz="2000" dirty="0">
-                <a:latin typeface="Calibri" panose="020F0502020204030204" pitchFamily="34" charset="0"/>
-                <a:cs typeface="Calibri" panose="020F0502020204030204" pitchFamily="34" charset="0"/>
-              </a:rPr>
-              <a:t>Database</a:t>
-            </a:r>
-            <a:endParaRPr lang="en-PK" sz="2000" dirty="0">
-              <a:latin typeface="Calibri" panose="020F0502020204030204" pitchFamily="34" charset="0"/>
-              <a:cs typeface="Calibri" panose="020F0502020204030204" pitchFamily="34" charset="0"/>
-            </a:endParaRPr>
-          </a:p>
-        </p:txBody>
-      </p:sp>
-    </p:spTree>
-  </p:cSld>
-  <p:clrMapOvr>
-    <a:masterClrMapping/>
-  </p:clrMapOvr>
-</p:sld>
-</file>
-
-<file path=ppt/slides/slide41.xml><?xml version="1.0" encoding="utf-8"?>
-<p:sld xmlns:a="http://schemas.openxmlformats.org/drawingml/2006/main" xmlns:r="http://schemas.openxmlformats.org/officeDocument/2006/relationships" xmlns:p="http://schemas.openxmlformats.org/presentationml/2006/main">
-  <p:cSld>
-    <p:spTree>
-      <p:nvGrpSpPr>
-        <p:cNvPr id="1" name=""/>
-        <p:cNvGrpSpPr/>
-        <p:nvPr/>
-      </p:nvGrpSpPr>
-      <p:grpSpPr>
-        <a:xfrm>
-          <a:off x="0" y="0"/>
-          <a:ext cx="0" cy="0"/>
-          <a:chOff x="0" y="0"/>
-          <a:chExt cx="0" cy="0"/>
-        </a:xfrm>
-      </p:grpSpPr>
-      <p:sp>
-        <p:nvSpPr>
-          <p:cNvPr id="2" name="Title 1">
-            <a:extLst>
-              <a:ext uri="{FF2B5EF4-FFF2-40B4-BE49-F238E27FC236}">
-                <a16:creationId xmlns:a16="http://schemas.microsoft.com/office/drawing/2014/main" id="{AFD39681-43BE-851F-B451-139810008CD5}"/>
-              </a:ext>
-            </a:extLst>
-          </p:cNvPr>
-          <p:cNvSpPr>
-            <a:spLocks noGrp="1"/>
-          </p:cNvSpPr>
-          <p:nvPr>
-            <p:ph type="title"/>
-          </p:nvPr>
-        </p:nvSpPr>
-        <p:spPr/>
-        <p:txBody>
-          <a:bodyPr/>
-          <a:lstStyle/>
-          <a:p>
-            <a:r>
-              <a:rPr lang="en-US" dirty="0"/>
-              <a:t>Endeavour</a:t>
-            </a:r>
-            <a:endParaRPr lang="en-PK" dirty="0"/>
-          </a:p>
-        </p:txBody>
-      </p:sp>
-      <p:sp>
-        <p:nvSpPr>
-          <p:cNvPr id="3" name="Text Placeholder 2">
-            <a:extLst>
-              <a:ext uri="{FF2B5EF4-FFF2-40B4-BE49-F238E27FC236}">
-                <a16:creationId xmlns:a16="http://schemas.microsoft.com/office/drawing/2014/main" id="{77665501-CA17-5E1B-1C17-D33B8DD67E1A}"/>
-              </a:ext>
-            </a:extLst>
-          </p:cNvPr>
-          <p:cNvSpPr>
-            <a:spLocks noGrp="1"/>
-          </p:cNvSpPr>
-          <p:nvPr>
-            <p:ph type="body" idx="1"/>
-          </p:nvPr>
-        </p:nvSpPr>
-        <p:spPr/>
-        <p:txBody>
-          <a:bodyPr/>
-          <a:lstStyle/>
-          <a:p>
-            <a:pPr algn="just">
-              <a:buNone/>
-            </a:pPr>
-            <a:r>
-              <a:rPr lang="en-GB" sz="2400" b="1" dirty="0"/>
-              <a:t>Software Development Lifecycle</a:t>
-            </a:r>
-            <a:endParaRPr lang="en-US" sz="2400" b="1" dirty="0"/>
-          </a:p>
-          <a:p>
-            <a:pPr algn="just">
-              <a:buNone/>
-            </a:pPr>
-            <a:r>
-              <a:rPr lang="en-PK" sz="2400" b="1" dirty="0"/>
-              <a:t>1. </a:t>
-            </a:r>
-            <a:r>
-              <a:rPr lang="en-GB" sz="2400" b="1" dirty="0"/>
-              <a:t>Development Methodology: Agile</a:t>
-            </a:r>
-          </a:p>
-          <a:p>
-            <a:pPr algn="just">
-              <a:buFont typeface="Arial" panose="020B0604020202020204" pitchFamily="34" charset="0"/>
-              <a:buChar char="•"/>
-            </a:pPr>
-            <a:r>
-              <a:rPr lang="en-GB" sz="2400" dirty="0"/>
-              <a:t>Weekly sprint planning and review sessions</a:t>
-            </a:r>
-          </a:p>
-          <a:p>
-            <a:pPr algn="just">
-              <a:buNone/>
-            </a:pPr>
-            <a:r>
-              <a:rPr lang="en-US" sz="2400" b="1" dirty="0"/>
-              <a:t>2. </a:t>
-            </a:r>
-            <a:r>
-              <a:rPr lang="en-GB" sz="2400" b="1" dirty="0"/>
-              <a:t>Requirements Gathering</a:t>
-            </a:r>
-          </a:p>
-          <a:p>
-            <a:pPr algn="just">
-              <a:buFont typeface="Arial" panose="020B0604020202020204" pitchFamily="34" charset="0"/>
-              <a:buChar char="•"/>
-            </a:pPr>
-            <a:r>
-              <a:rPr lang="en-GB" sz="2400" dirty="0"/>
-              <a:t>Functional needs &amp; non-functional expectations</a:t>
-            </a:r>
-            <a:endParaRPr lang="en-PK" sz="2400" dirty="0"/>
-          </a:p>
-          <a:p>
-            <a:pPr algn="just">
-              <a:buNone/>
-            </a:pPr>
-            <a:r>
-              <a:rPr lang="en-PK" sz="2400" b="1" dirty="0"/>
-              <a:t>3. </a:t>
-            </a:r>
-            <a:r>
-              <a:rPr lang="en-GB" sz="2400" b="1" dirty="0"/>
-              <a:t>System Design</a:t>
-            </a:r>
-          </a:p>
-          <a:p>
-            <a:pPr>
-              <a:buFont typeface="Arial" panose="020B0604020202020204" pitchFamily="34" charset="0"/>
-              <a:buChar char="•"/>
-            </a:pPr>
-            <a:r>
-              <a:rPr lang="en-GB" sz="2400" dirty="0"/>
-              <a:t>Modular, scalable client-server architecture</a:t>
-            </a:r>
-          </a:p>
-          <a:p>
-            <a:pPr algn="just">
-              <a:buNone/>
-            </a:pPr>
-            <a:r>
-              <a:rPr lang="en-GB" sz="2400" b="1" dirty="0"/>
-              <a:t>4. Development Phases</a:t>
-            </a:r>
-          </a:p>
-          <a:p>
-            <a:pPr algn="just">
-              <a:buFont typeface="Arial" panose="020B0604020202020204" pitchFamily="34" charset="0"/>
-              <a:buChar char="•"/>
-            </a:pPr>
-            <a:r>
-              <a:rPr lang="en-GB" sz="2400" dirty="0"/>
-              <a:t>Frontend</a:t>
-            </a:r>
-            <a:r>
-              <a:rPr lang="en-GB" sz="2400" b="1" dirty="0"/>
-              <a:t> </a:t>
-            </a:r>
-            <a:r>
-              <a:rPr lang="en-GB" sz="2400" dirty="0"/>
-              <a:t>(React + Vite + Tailwind)</a:t>
-            </a:r>
-          </a:p>
-          <a:p>
-            <a:pPr algn="just">
-              <a:buFont typeface="Arial" panose="020B0604020202020204" pitchFamily="34" charset="0"/>
-              <a:buChar char="•"/>
-            </a:pPr>
-            <a:r>
-              <a:rPr lang="en-GB" sz="2400" dirty="0"/>
-              <a:t>Backend</a:t>
-            </a:r>
-            <a:r>
-              <a:rPr lang="en-GB" sz="2400" b="1" dirty="0"/>
-              <a:t> </a:t>
-            </a:r>
-            <a:r>
-              <a:rPr lang="en-GB" sz="2400" dirty="0"/>
-              <a:t>(Django REST + Integration)</a:t>
-            </a:r>
-          </a:p>
-          <a:p>
-            <a:pPr marL="114300" indent="0">
-              <a:buNone/>
-            </a:pPr>
-            <a:endParaRPr lang="en-GB" sz="2400" dirty="0"/>
-          </a:p>
-          <a:p>
-            <a:pPr algn="just">
-              <a:buNone/>
-            </a:pPr>
-            <a:endParaRPr lang="en-US" sz="2400" dirty="0"/>
-          </a:p>
-          <a:p>
-            <a:pPr algn="just">
-              <a:buFont typeface="Arial" panose="020B0604020202020204" pitchFamily="34" charset="0"/>
-              <a:buChar char="•"/>
-            </a:pPr>
-            <a:endParaRPr lang="en-GB" sz="2400" dirty="0"/>
-          </a:p>
-          <a:p>
-            <a:pPr algn="just">
-              <a:buNone/>
-            </a:pPr>
-            <a:endParaRPr lang="en-PK" sz="2400" dirty="0"/>
-          </a:p>
-          <a:p>
-            <a:pPr algn="just">
-              <a:buFont typeface="Arial" panose="020B0604020202020204" pitchFamily="34" charset="0"/>
-              <a:buChar char="•"/>
-            </a:pPr>
-            <a:endParaRPr lang="en-GB" sz="2400" dirty="0"/>
-          </a:p>
-          <a:p>
-            <a:pPr algn="just">
-              <a:buNone/>
-            </a:pPr>
-            <a:endParaRPr lang="en-PK" sz="2400" dirty="0"/>
-          </a:p>
-        </p:txBody>
-      </p:sp>
-    </p:spTree>
-    <p:extLst>
-      <p:ext uri="{BB962C8B-B14F-4D97-AF65-F5344CB8AC3E}">
-        <p14:creationId xmlns:p14="http://schemas.microsoft.com/office/powerpoint/2010/main" val="3886331905"/>
-      </p:ext>
-    </p:extLst>
-  </p:cSld>
-  <p:clrMapOvr>
-    <a:masterClrMapping/>
-  </p:clrMapOvr>
-</p:sld>
-</file>
-
-<file path=ppt/slides/slide42.xml><?xml version="1.0" encoding="utf-8"?>
-<p:sld xmlns:a="http://schemas.openxmlformats.org/drawingml/2006/main" xmlns:r="http://schemas.openxmlformats.org/officeDocument/2006/relationships" xmlns:p="http://schemas.openxmlformats.org/presentationml/2006/main">
-  <p:cSld>
-    <p:spTree>
-      <p:nvGrpSpPr>
-        <p:cNvPr id="1" name="Shape 180"/>
-        <p:cNvGrpSpPr/>
-        <p:nvPr/>
-      </p:nvGrpSpPr>
-      <p:grpSpPr>
-        <a:xfrm>
-          <a:off x="0" y="0"/>
-          <a:ext cx="0" cy="0"/>
-          <a:chOff x="0" y="0"/>
-          <a:chExt cx="0" cy="0"/>
-        </a:xfrm>
-      </p:grpSpPr>
-      <p:sp>
-        <p:nvSpPr>
-          <p:cNvPr id="181" name="Google Shape;181;p16"/>
-          <p:cNvSpPr txBox="1">
-            <a:spLocks noGrp="1"/>
-          </p:cNvSpPr>
-          <p:nvPr>
-            <p:ph type="title"/>
-          </p:nvPr>
-        </p:nvSpPr>
-        <p:spPr>
-          <a:xfrm>
-            <a:off x="722313" y="4406900"/>
-            <a:ext cx="7772400" cy="1362075"/>
-          </a:xfrm>
-          <a:prstGeom prst="rect">
-            <a:avLst/>
-          </a:prstGeom>
-          <a:noFill/>
-          <a:ln>
-            <a:noFill/>
-          </a:ln>
-        </p:spPr>
-        <p:txBody>
-          <a:bodyPr spcFirstLastPara="1" wrap="square" lIns="91425" tIns="45700" rIns="91425" bIns="45700" anchor="t" anchorCtr="0">
-            <a:normAutofit/>
-          </a:bodyPr>
-          <a:lstStyle/>
-          <a:p>
-            <a:pPr marL="0" lvl="0" indent="0" algn="l" rtl="0">
-              <a:lnSpc>
-                <a:spcPct val="100000"/>
-              </a:lnSpc>
-              <a:spcBef>
-                <a:spcPts val="0"/>
-              </a:spcBef>
-              <a:spcAft>
-                <a:spcPts val="0"/>
-              </a:spcAft>
-              <a:buSzPts val="1400"/>
-              <a:buNone/>
-            </a:pPr>
-            <a:r>
-              <a:rPr lang="en-US"/>
-              <a:t>NEXT STEPS</a:t>
-            </a:r>
-            <a:endParaRPr/>
-          </a:p>
-        </p:txBody>
-      </p:sp>
-      <p:sp>
-        <p:nvSpPr>
-          <p:cNvPr id="182" name="Google Shape;182;p16"/>
-          <p:cNvSpPr txBox="1">
-            <a:spLocks noGrp="1"/>
-          </p:cNvSpPr>
-          <p:nvPr>
-            <p:ph type="body" idx="1"/>
-          </p:nvPr>
-        </p:nvSpPr>
-        <p:spPr>
-          <a:xfrm>
-            <a:off x="722313" y="2906713"/>
-            <a:ext cx="7772400" cy="1500187"/>
-          </a:xfrm>
-          <a:prstGeom prst="rect">
-            <a:avLst/>
-          </a:prstGeom>
-          <a:noFill/>
-          <a:ln>
-            <a:noFill/>
-          </a:ln>
-        </p:spPr>
-        <p:txBody>
-          <a:bodyPr spcFirstLastPara="1" wrap="square" lIns="91425" tIns="45700" rIns="91425" bIns="45700" anchor="b" anchorCtr="0">
-            <a:normAutofit/>
-          </a:bodyPr>
-          <a:lstStyle/>
-          <a:p>
-            <a:pPr marL="44450" lvl="0" indent="0" algn="l" rtl="0">
-              <a:lnSpc>
-                <a:spcPct val="100000"/>
-              </a:lnSpc>
-              <a:spcBef>
-                <a:spcPts val="0"/>
-              </a:spcBef>
-              <a:spcAft>
-                <a:spcPts val="0"/>
-              </a:spcAft>
-              <a:buClr>
-                <a:srgbClr val="888888"/>
-              </a:buClr>
-              <a:buSzPts val="2000"/>
-              <a:buFont typeface="Arial"/>
-              <a:buNone/>
-            </a:pPr>
-            <a:endParaRPr/>
-          </a:p>
-        </p:txBody>
-      </p:sp>
-    </p:spTree>
-  </p:cSld>
-  <p:clrMapOvr>
-    <a:masterClrMapping/>
-  </p:clrMapOvr>
-</p:sld>
-</file>
-
-<file path=ppt/slides/slide43.xml><?xml version="1.0" encoding="utf-8"?>
-<p:sld xmlns:a="http://schemas.openxmlformats.org/drawingml/2006/main" xmlns:r="http://schemas.openxmlformats.org/officeDocument/2006/relationships" xmlns:p="http://schemas.openxmlformats.org/presentationml/2006/main">
-  <p:cSld>
-    <p:spTree>
-      <p:nvGrpSpPr>
         <p:cNvPr id="1" name="Shape 186"/>
         <p:cNvGrpSpPr/>
         <p:nvPr/>
@@ -26950,14 +25505,14 @@
             <a:br>
               <a:rPr lang="en-US" dirty="0">
                 <a:solidFill>
-                  <a:srgbClr val="FF0000"/>
+                  <a:schemeClr val="tx1"/>
                 </a:solidFill>
               </a:rPr>
             </a:br>
             <a:r>
               <a:rPr lang="en-US" dirty="0">
                 <a:solidFill>
-                  <a:srgbClr val="FF0000"/>
+                  <a:schemeClr val="tx1"/>
                 </a:solidFill>
               </a:rPr>
               <a:t>Work Breakdown Structure</a:t>
@@ -26965,13 +25520,13 @@
             <a:br>
               <a:rPr lang="en-US" dirty="0">
                 <a:solidFill>
-                  <a:srgbClr val="FF0000"/>
+                  <a:schemeClr val="tx1"/>
                 </a:solidFill>
               </a:rPr>
             </a:br>
             <a:endParaRPr dirty="0">
               <a:solidFill>
-                <a:srgbClr val="FF0000"/>
+                <a:schemeClr val="tx1"/>
               </a:solidFill>
             </a:endParaRPr>
           </a:p>
@@ -27218,10 +25773,10 @@
               <a:buChar char="–"/>
             </a:pPr>
             <a:r>
-              <a:rPr lang="en-US" sz="2000" dirty="0"/>
+              <a:rPr lang="en-US" sz="2000" strike="sngStrike" dirty="0"/>
               <a:t>Back &amp; Front Linkage</a:t>
             </a:r>
-            <a:endParaRPr lang="en-US" sz="2800" dirty="0"/>
+            <a:endParaRPr lang="en-US" sz="2800" strike="sngStrike" dirty="0"/>
           </a:p>
           <a:p>
             <a:pPr marL="342900" indent="-342900">
@@ -27255,7 +25810,7 @@
               <a:buChar char="–"/>
             </a:pPr>
             <a:r>
-              <a:rPr lang="en-US" sz="1600" strike="sngStrike" dirty="0"/>
+              <a:rPr lang="en-US" sz="1600" dirty="0"/>
               <a:t>Email Sending</a:t>
             </a:r>
           </a:p>
@@ -27608,7 +26163,7 @@
 </p:sld>
 </file>
 
-<file path=ppt/slides/slide44.xml><?xml version="1.0" encoding="utf-8"?>
+<file path=ppt/slides/slide41.xml><?xml version="1.0" encoding="utf-8"?>
 <p:sld xmlns:a="http://schemas.openxmlformats.org/drawingml/2006/main" xmlns:r="http://schemas.openxmlformats.org/officeDocument/2006/relationships" xmlns:p="http://schemas.openxmlformats.org/presentationml/2006/main">
   <p:cSld>
     <p:spTree>
@@ -27804,7 +26359,7 @@
 </p:sld>
 </file>
 
-<file path=ppt/slides/slide45.xml><?xml version="1.0" encoding="utf-8"?>
+<file path=ppt/slides/slide42.xml><?xml version="1.0" encoding="utf-8"?>
 <p:sld xmlns:a="http://schemas.openxmlformats.org/drawingml/2006/main" xmlns:r="http://schemas.openxmlformats.org/officeDocument/2006/relationships" xmlns:p="http://schemas.openxmlformats.org/presentationml/2006/main">
   <p:cSld>
     <p:spTree>
@@ -27976,7 +26531,7 @@
 </p:sld>
 </file>
 
-<file path=ppt/slides/slide46.xml><?xml version="1.0" encoding="utf-8"?>
+<file path=ppt/slides/slide43.xml><?xml version="1.0" encoding="utf-8"?>
 <p:sld xmlns:a="http://schemas.openxmlformats.org/drawingml/2006/main" xmlns:r="http://schemas.openxmlformats.org/officeDocument/2006/relationships" xmlns:p="http://schemas.openxmlformats.org/presentationml/2006/main">
   <p:cSld>
     <p:spTree>
@@ -28101,7 +26656,7 @@
 </p:sld>
 </file>
 
-<file path=ppt/slides/slide47.xml><?xml version="1.0" encoding="utf-8"?>
+<file path=ppt/slides/slide44.xml><?xml version="1.0" encoding="utf-8"?>
 <p:sld xmlns:a="http://schemas.openxmlformats.org/drawingml/2006/main" xmlns:r="http://schemas.openxmlformats.org/officeDocument/2006/relationships" xmlns:p="http://schemas.openxmlformats.org/presentationml/2006/main">
   <p:cSld>
     <p:spTree>
@@ -28244,7 +26799,7 @@
             </a:pPr>
             <a:r>
               <a:rPr lang="en-GB" dirty="0"/>
-              <a:t>JWT-based login system. With MFA, RECAPTCHA</a:t>
+              <a:t>JWT-based login system.</a:t>
             </a:r>
           </a:p>
           <a:p>
@@ -28297,7 +26852,7 @@
 </p:sld>
 </file>
 
-<file path=ppt/slides/slide48.xml><?xml version="1.0" encoding="utf-8"?>
+<file path=ppt/slides/slide45.xml><?xml version="1.0" encoding="utf-8"?>
 <p:sld xmlns:a="http://schemas.openxmlformats.org/drawingml/2006/main" xmlns:r="http://schemas.openxmlformats.org/officeDocument/2006/relationships" xmlns:p="http://schemas.openxmlformats.org/presentationml/2006/main">
   <p:cSld>
     <p:spTree>
@@ -28381,7 +26936,7 @@
             </a:pPr>
             <a:r>
               <a:rPr lang="en-GB" dirty="0"/>
-              <a:t>Role-specific dashboards for every user</a:t>
+              <a:t>Specific dashboards for every user</a:t>
             </a:r>
           </a:p>
           <a:p>
@@ -28400,7 +26955,7 @@
             </a:pPr>
             <a:r>
               <a:rPr lang="en-GB" sz="2800" b="1" dirty="0"/>
-              <a:t>Backend &amp; Security Foundations</a:t>
+              <a:t>Backend</a:t>
             </a:r>
           </a:p>
           <a:p>
@@ -28410,7 +26965,7 @@
             </a:pPr>
             <a:r>
               <a:rPr lang="en-GB" sz="2800" b="1" dirty="0"/>
-              <a:t>User Profiles &amp; Privileges:</a:t>
+              <a:t>Database &amp; Backend:</a:t>
             </a:r>
             <a:endParaRPr lang="en-GB" sz="2800" dirty="0"/>
           </a:p>
@@ -28421,48 +26976,23 @@
             </a:pPr>
             <a:r>
               <a:rPr lang="en-GB" dirty="0"/>
-              <a:t>Implemented Role-Based Access Control (RBAC).</a:t>
-            </a:r>
-          </a:p>
-          <a:p>
-            <a:pPr>
-              <a:buFont typeface="Arial" panose="020B0604020202020204" pitchFamily="34" charset="0"/>
-              <a:buChar char="•"/>
-            </a:pPr>
-            <a:r>
-              <a:rPr lang="en-GB" sz="2800" b="1" dirty="0"/>
-              <a:t>Database &amp; Backend:</a:t>
-            </a:r>
-            <a:endParaRPr lang="en-GB" sz="2800" dirty="0"/>
-          </a:p>
-          <a:p>
-            <a:pPr marL="742950" lvl="1" indent="-285750">
-              <a:buFont typeface="Arial" panose="020B0604020202020204" pitchFamily="34" charset="0"/>
-              <a:buChar char="•"/>
-            </a:pPr>
-            <a:r>
-              <a:rPr lang="en-GB" dirty="0"/>
               <a:t>Backend - </a:t>
             </a:r>
             <a:r>
               <a:rPr lang="en-GB" dirty="0">
                 <a:solidFill>
+                  <a:schemeClr val="tx1"/>
+                </a:solidFill>
+              </a:rPr>
+              <a:t>Expres.js</a:t>
+            </a:r>
+            <a:r>
+              <a:rPr lang="en-GB" dirty="0">
+                <a:solidFill>
                   <a:srgbClr val="FF0000"/>
                 </a:solidFill>
               </a:rPr>
-              <a:t>Django</a:t>
-            </a:r>
-            <a:r>
-              <a:rPr lang="en-GB" dirty="0"/>
               <a:t> </a:t>
-            </a:r>
-            <a:r>
-              <a:rPr lang="en-GB" dirty="0">
-                <a:solidFill>
-                  <a:srgbClr val="FF0000"/>
-                </a:solidFill>
-              </a:rPr>
-              <a:t>REST. </a:t>
             </a:r>
             <a:r>
               <a:rPr lang="en-GB" dirty="0">
@@ -28507,7 +27037,7 @@
 </p:sld>
 </file>
 
-<file path=ppt/slides/slide49.xml><?xml version="1.0" encoding="utf-8"?>
+<file path=ppt/slides/slide46.xml><?xml version="1.0" encoding="utf-8"?>
 <p:sld xmlns:a="http://schemas.openxmlformats.org/drawingml/2006/main" xmlns:r="http://schemas.openxmlformats.org/officeDocument/2006/relationships" xmlns:p="http://schemas.openxmlformats.org/presentationml/2006/main">
   <p:cSld>
     <p:spTree>
@@ -28591,7 +27121,7 @@
             </a:pPr>
             <a:r>
               <a:rPr lang="en-GB" dirty="0"/>
-              <a:t>Auto-generated reports with export options (PDF/CSV).</a:t>
+              <a:t>Generated reports on dashboard.</a:t>
             </a:r>
           </a:p>
           <a:p>
@@ -28619,7 +27149,7 @@
             </a:pPr>
             <a:r>
               <a:rPr lang="en-GB" dirty="0"/>
-              <a:t>Fully functional modules for testing phishing scenarios in a controlled environment.</a:t>
+              <a:t>Functional modules for testing phishing scenarios in a controlled environment.</a:t>
             </a:r>
           </a:p>
           <a:p>
@@ -28633,6 +27163,249 @@
         <p14:creationId xmlns:p14="http://schemas.microsoft.com/office/powerpoint/2010/main" val="296371065"/>
       </p:ext>
     </p:extLst>
+  </p:cSld>
+  <p:clrMapOvr>
+    <a:masterClrMapping/>
+  </p:clrMapOvr>
+</p:sld>
+</file>
+
+<file path=ppt/slides/slide47.xml><?xml version="1.0" encoding="utf-8"?>
+<p:sld xmlns:a="http://schemas.openxmlformats.org/drawingml/2006/main" xmlns:r="http://schemas.openxmlformats.org/officeDocument/2006/relationships" xmlns:p="http://schemas.openxmlformats.org/presentationml/2006/main">
+  <p:cSld>
+    <p:spTree>
+      <p:nvGrpSpPr>
+        <p:cNvPr id="1" name="Shape 211"/>
+        <p:cNvGrpSpPr/>
+        <p:nvPr/>
+      </p:nvGrpSpPr>
+      <p:grpSpPr>
+        <a:xfrm>
+          <a:off x="0" y="0"/>
+          <a:ext cx="0" cy="0"/>
+          <a:chOff x="0" y="0"/>
+          <a:chExt cx="0" cy="0"/>
+        </a:xfrm>
+      </p:grpSpPr>
+      <p:sp>
+        <p:nvSpPr>
+          <p:cNvPr id="212" name="Google Shape;212;p21"/>
+          <p:cNvSpPr txBox="1">
+            <a:spLocks noGrp="1"/>
+          </p:cNvSpPr>
+          <p:nvPr>
+            <p:ph type="title"/>
+          </p:nvPr>
+        </p:nvSpPr>
+        <p:spPr>
+          <a:xfrm>
+            <a:off x="457200" y="274638"/>
+            <a:ext cx="8229600" cy="1143000"/>
+          </a:xfrm>
+          <a:prstGeom prst="rect">
+            <a:avLst/>
+          </a:prstGeom>
+          <a:noFill/>
+          <a:ln>
+            <a:noFill/>
+          </a:ln>
+        </p:spPr>
+        <p:txBody>
+          <a:bodyPr spcFirstLastPara="1" wrap="square" lIns="91425" tIns="45700" rIns="91425" bIns="45700" anchor="ctr" anchorCtr="0">
+            <a:noAutofit/>
+          </a:bodyPr>
+          <a:lstStyle/>
+          <a:p>
+            <a:pPr marL="0" lvl="0" indent="0" algn="ctr" rtl="0">
+              <a:lnSpc>
+                <a:spcPct val="100000"/>
+              </a:lnSpc>
+              <a:spcBef>
+                <a:spcPts val="0"/>
+              </a:spcBef>
+              <a:spcAft>
+                <a:spcPts val="0"/>
+              </a:spcAft>
+              <a:buSzPts val="1400"/>
+              <a:buNone/>
+            </a:pPr>
+            <a:r>
+              <a:rPr lang="en-US"/>
+              <a:t>Report</a:t>
+            </a:r>
+            <a:endParaRPr/>
+          </a:p>
+        </p:txBody>
+      </p:sp>
+      <p:sp>
+        <p:nvSpPr>
+          <p:cNvPr id="213" name="Google Shape;213;p21"/>
+          <p:cNvSpPr txBox="1">
+            <a:spLocks noGrp="1"/>
+          </p:cNvSpPr>
+          <p:nvPr>
+            <p:ph type="body" idx="1"/>
+          </p:nvPr>
+        </p:nvSpPr>
+        <p:spPr>
+          <a:xfrm>
+            <a:off x="457200" y="1600200"/>
+            <a:ext cx="8229600" cy="4525963"/>
+          </a:xfrm>
+          <a:prstGeom prst="rect">
+            <a:avLst/>
+          </a:prstGeom>
+          <a:noFill/>
+          <a:ln>
+            <a:noFill/>
+          </a:ln>
+        </p:spPr>
+        <p:txBody>
+          <a:bodyPr spcFirstLastPara="1" wrap="square" lIns="91425" tIns="45700" rIns="91425" bIns="45700" anchor="t" anchorCtr="0">
+            <a:noAutofit/>
+          </a:bodyPr>
+          <a:lstStyle/>
+          <a:p>
+            <a:pPr marL="342900" lvl="0" indent="-342900" algn="l" rtl="0">
+              <a:lnSpc>
+                <a:spcPct val="100000"/>
+              </a:lnSpc>
+              <a:spcBef>
+                <a:spcPts val="0"/>
+              </a:spcBef>
+              <a:spcAft>
+                <a:spcPts val="0"/>
+              </a:spcAft>
+              <a:buClr>
+                <a:schemeClr val="dk1"/>
+              </a:buClr>
+              <a:buSzPts val="3200"/>
+              <a:buChar char="•"/>
+            </a:pPr>
+            <a:r>
+              <a:rPr lang="en-US"/>
+              <a:t>Chapter 1: Introduction</a:t>
+            </a:r>
+            <a:endParaRPr/>
+          </a:p>
+          <a:p>
+            <a:pPr marL="342900" lvl="0" indent="-342900" algn="l" rtl="0">
+              <a:lnSpc>
+                <a:spcPct val="100000"/>
+              </a:lnSpc>
+              <a:spcBef>
+                <a:spcPts val="640"/>
+              </a:spcBef>
+              <a:spcAft>
+                <a:spcPts val="0"/>
+              </a:spcAft>
+              <a:buClr>
+                <a:schemeClr val="dk1"/>
+              </a:buClr>
+              <a:buSzPts val="3200"/>
+              <a:buChar char="•"/>
+            </a:pPr>
+            <a:r>
+              <a:rPr lang="en-US"/>
+              <a:t>Chapter 2: Literature Review / Market Survey</a:t>
+            </a:r>
+            <a:endParaRPr/>
+          </a:p>
+          <a:p>
+            <a:pPr marL="342900" lvl="0" indent="-342900" algn="l" rtl="0">
+              <a:lnSpc>
+                <a:spcPct val="100000"/>
+              </a:lnSpc>
+              <a:spcBef>
+                <a:spcPts val="640"/>
+              </a:spcBef>
+              <a:spcAft>
+                <a:spcPts val="0"/>
+              </a:spcAft>
+              <a:buClr>
+                <a:schemeClr val="dk1"/>
+              </a:buClr>
+              <a:buSzPts val="3200"/>
+              <a:buChar char="•"/>
+            </a:pPr>
+            <a:r>
+              <a:rPr lang="en-US"/>
+              <a:t>Chapter 3: Requirements and Design</a:t>
+            </a:r>
+            <a:endParaRPr/>
+          </a:p>
+          <a:p>
+            <a:pPr marL="342900" lvl="0" indent="-342900" algn="l" rtl="0">
+              <a:lnSpc>
+                <a:spcPct val="100000"/>
+              </a:lnSpc>
+              <a:spcBef>
+                <a:spcPts val="640"/>
+              </a:spcBef>
+              <a:spcAft>
+                <a:spcPts val="0"/>
+              </a:spcAft>
+              <a:buClr>
+                <a:schemeClr val="dk1"/>
+              </a:buClr>
+              <a:buSzPts val="3200"/>
+              <a:buChar char="•"/>
+            </a:pPr>
+            <a:r>
+              <a:rPr lang="en-US"/>
+              <a:t>Chapter 4: Implementation and Test Cases</a:t>
+            </a:r>
+            <a:endParaRPr/>
+          </a:p>
+          <a:p>
+            <a:pPr marL="342900" lvl="0" indent="-342900" algn="l" rtl="0">
+              <a:lnSpc>
+                <a:spcPct val="100000"/>
+              </a:lnSpc>
+              <a:spcBef>
+                <a:spcPts val="640"/>
+              </a:spcBef>
+              <a:spcAft>
+                <a:spcPts val="0"/>
+              </a:spcAft>
+              <a:buClr>
+                <a:schemeClr val="dk1"/>
+              </a:buClr>
+              <a:buSzPts val="3200"/>
+              <a:buChar char="•"/>
+            </a:pPr>
+            <a:r>
+              <a:rPr lang="en-US"/>
+              <a:t>Chapter 5: Experiment Results and Analysis</a:t>
+            </a:r>
+            <a:endParaRPr/>
+          </a:p>
+          <a:p>
+            <a:pPr marL="342900" lvl="0" indent="-342900" algn="l" rtl="0">
+              <a:lnSpc>
+                <a:spcPct val="100000"/>
+              </a:lnSpc>
+              <a:spcBef>
+                <a:spcPts val="640"/>
+              </a:spcBef>
+              <a:spcAft>
+                <a:spcPts val="0"/>
+              </a:spcAft>
+              <a:buClr>
+                <a:schemeClr val="dk1"/>
+              </a:buClr>
+              <a:buSzPts val="3200"/>
+              <a:buChar char="•"/>
+            </a:pPr>
+            <a:r>
+              <a:rPr lang="en-US"/>
+              <a:t>Chapter 6: Conclusion &amp; Future Direction</a:t>
+            </a:r>
+            <a:endParaRPr/>
+          </a:p>
+        </p:txBody>
+      </p:sp>
+    </p:spTree>
   </p:cSld>
   <p:clrMapOvr>
     <a:masterClrMapping/>
@@ -28811,7 +27584,7 @@
                 <a:ea typeface="Times New Roman" panose="02020603050405020304" pitchFamily="18" charset="0"/>
                 <a:cs typeface="Calibri" panose="020F0502020204030204" pitchFamily="34" charset="0"/>
               </a:rPr>
-              <a:t>Exploiting human vulnerabilities more than technological ones. </a:t>
+              <a:t>Exploiting the human vulnerabilities more than technological ones. </a:t>
             </a:r>
             <a:endParaRPr lang="en-US" sz="2800" dirty="0">
               <a:solidFill>
@@ -28850,249 +27623,6 @@
           <a:p>
             <a:pPr algn="just"/>
             <a:endParaRPr dirty="0"/>
-          </a:p>
-        </p:txBody>
-      </p:sp>
-    </p:spTree>
-  </p:cSld>
-  <p:clrMapOvr>
-    <a:masterClrMapping/>
-  </p:clrMapOvr>
-</p:sld>
-</file>
-
-<file path=ppt/slides/slide50.xml><?xml version="1.0" encoding="utf-8"?>
-<p:sld xmlns:a="http://schemas.openxmlformats.org/drawingml/2006/main" xmlns:r="http://schemas.openxmlformats.org/officeDocument/2006/relationships" xmlns:p="http://schemas.openxmlformats.org/presentationml/2006/main">
-  <p:cSld>
-    <p:spTree>
-      <p:nvGrpSpPr>
-        <p:cNvPr id="1" name="Shape 211"/>
-        <p:cNvGrpSpPr/>
-        <p:nvPr/>
-      </p:nvGrpSpPr>
-      <p:grpSpPr>
-        <a:xfrm>
-          <a:off x="0" y="0"/>
-          <a:ext cx="0" cy="0"/>
-          <a:chOff x="0" y="0"/>
-          <a:chExt cx="0" cy="0"/>
-        </a:xfrm>
-      </p:grpSpPr>
-      <p:sp>
-        <p:nvSpPr>
-          <p:cNvPr id="212" name="Google Shape;212;p21"/>
-          <p:cNvSpPr txBox="1">
-            <a:spLocks noGrp="1"/>
-          </p:cNvSpPr>
-          <p:nvPr>
-            <p:ph type="title"/>
-          </p:nvPr>
-        </p:nvSpPr>
-        <p:spPr>
-          <a:xfrm>
-            <a:off x="457200" y="274638"/>
-            <a:ext cx="8229600" cy="1143000"/>
-          </a:xfrm>
-          <a:prstGeom prst="rect">
-            <a:avLst/>
-          </a:prstGeom>
-          <a:noFill/>
-          <a:ln>
-            <a:noFill/>
-          </a:ln>
-        </p:spPr>
-        <p:txBody>
-          <a:bodyPr spcFirstLastPara="1" wrap="square" lIns="91425" tIns="45700" rIns="91425" bIns="45700" anchor="ctr" anchorCtr="0">
-            <a:noAutofit/>
-          </a:bodyPr>
-          <a:lstStyle/>
-          <a:p>
-            <a:pPr marL="0" lvl="0" indent="0" algn="ctr" rtl="0">
-              <a:lnSpc>
-                <a:spcPct val="100000"/>
-              </a:lnSpc>
-              <a:spcBef>
-                <a:spcPts val="0"/>
-              </a:spcBef>
-              <a:spcAft>
-                <a:spcPts val="0"/>
-              </a:spcAft>
-              <a:buSzPts val="1400"/>
-              <a:buNone/>
-            </a:pPr>
-            <a:r>
-              <a:rPr lang="en-US"/>
-              <a:t>Report</a:t>
-            </a:r>
-            <a:endParaRPr/>
-          </a:p>
-        </p:txBody>
-      </p:sp>
-      <p:sp>
-        <p:nvSpPr>
-          <p:cNvPr id="213" name="Google Shape;213;p21"/>
-          <p:cNvSpPr txBox="1">
-            <a:spLocks noGrp="1"/>
-          </p:cNvSpPr>
-          <p:nvPr>
-            <p:ph type="body" idx="1"/>
-          </p:nvPr>
-        </p:nvSpPr>
-        <p:spPr>
-          <a:xfrm>
-            <a:off x="457200" y="1600200"/>
-            <a:ext cx="8229600" cy="4525963"/>
-          </a:xfrm>
-          <a:prstGeom prst="rect">
-            <a:avLst/>
-          </a:prstGeom>
-          <a:noFill/>
-          <a:ln>
-            <a:noFill/>
-          </a:ln>
-        </p:spPr>
-        <p:txBody>
-          <a:bodyPr spcFirstLastPara="1" wrap="square" lIns="91425" tIns="45700" rIns="91425" bIns="45700" anchor="t" anchorCtr="0">
-            <a:noAutofit/>
-          </a:bodyPr>
-          <a:lstStyle/>
-          <a:p>
-            <a:pPr marL="342900" lvl="0" indent="-342900" algn="l" rtl="0">
-              <a:lnSpc>
-                <a:spcPct val="100000"/>
-              </a:lnSpc>
-              <a:spcBef>
-                <a:spcPts val="0"/>
-              </a:spcBef>
-              <a:spcAft>
-                <a:spcPts val="0"/>
-              </a:spcAft>
-              <a:buClr>
-                <a:schemeClr val="dk1"/>
-              </a:buClr>
-              <a:buSzPts val="3200"/>
-              <a:buChar char="•"/>
-            </a:pPr>
-            <a:r>
-              <a:rPr lang="en-US"/>
-              <a:t>Chapter 1: Introduction</a:t>
-            </a:r>
-            <a:endParaRPr/>
-          </a:p>
-          <a:p>
-            <a:pPr marL="342900" lvl="0" indent="-342900" algn="l" rtl="0">
-              <a:lnSpc>
-                <a:spcPct val="100000"/>
-              </a:lnSpc>
-              <a:spcBef>
-                <a:spcPts val="640"/>
-              </a:spcBef>
-              <a:spcAft>
-                <a:spcPts val="0"/>
-              </a:spcAft>
-              <a:buClr>
-                <a:schemeClr val="dk1"/>
-              </a:buClr>
-              <a:buSzPts val="3200"/>
-              <a:buChar char="•"/>
-            </a:pPr>
-            <a:r>
-              <a:rPr lang="en-US"/>
-              <a:t>Chapter 2: Literature Review / Market Survey</a:t>
-            </a:r>
-            <a:endParaRPr/>
-          </a:p>
-          <a:p>
-            <a:pPr marL="342900" lvl="0" indent="-342900" algn="l" rtl="0">
-              <a:lnSpc>
-                <a:spcPct val="100000"/>
-              </a:lnSpc>
-              <a:spcBef>
-                <a:spcPts val="640"/>
-              </a:spcBef>
-              <a:spcAft>
-                <a:spcPts val="0"/>
-              </a:spcAft>
-              <a:buClr>
-                <a:schemeClr val="dk1"/>
-              </a:buClr>
-              <a:buSzPts val="3200"/>
-              <a:buChar char="•"/>
-            </a:pPr>
-            <a:r>
-              <a:rPr lang="en-US"/>
-              <a:t>Chapter 3: Requirements and Design</a:t>
-            </a:r>
-            <a:endParaRPr/>
-          </a:p>
-          <a:p>
-            <a:pPr marL="342900" lvl="0" indent="-342900" algn="l" rtl="0">
-              <a:lnSpc>
-                <a:spcPct val="100000"/>
-              </a:lnSpc>
-              <a:spcBef>
-                <a:spcPts val="640"/>
-              </a:spcBef>
-              <a:spcAft>
-                <a:spcPts val="0"/>
-              </a:spcAft>
-              <a:buClr>
-                <a:schemeClr val="dk1"/>
-              </a:buClr>
-              <a:buSzPts val="3200"/>
-              <a:buChar char="•"/>
-            </a:pPr>
-            <a:r>
-              <a:rPr lang="en-US"/>
-              <a:t>Chapter 4: Implementation and Test Cases</a:t>
-            </a:r>
-            <a:endParaRPr/>
-          </a:p>
-          <a:p>
-            <a:pPr marL="342900" lvl="0" indent="-342900" algn="l" rtl="0">
-              <a:lnSpc>
-                <a:spcPct val="100000"/>
-              </a:lnSpc>
-              <a:spcBef>
-                <a:spcPts val="640"/>
-              </a:spcBef>
-              <a:spcAft>
-                <a:spcPts val="0"/>
-              </a:spcAft>
-              <a:buClr>
-                <a:schemeClr val="dk1"/>
-              </a:buClr>
-              <a:buSzPts val="3200"/>
-              <a:buChar char="•"/>
-            </a:pPr>
-            <a:r>
-              <a:rPr lang="en-US"/>
-              <a:t>Chapter 5: Experiment Results and Analysis</a:t>
-            </a:r>
-            <a:endParaRPr/>
-          </a:p>
-          <a:p>
-            <a:pPr marL="342900" lvl="0" indent="-342900" algn="l" rtl="0">
-              <a:lnSpc>
-                <a:spcPct val="100000"/>
-              </a:lnSpc>
-              <a:spcBef>
-                <a:spcPts val="640"/>
-              </a:spcBef>
-              <a:spcAft>
-                <a:spcPts val="0"/>
-              </a:spcAft>
-              <a:buClr>
-                <a:schemeClr val="dk1"/>
-              </a:buClr>
-              <a:buSzPts val="3200"/>
-              <a:buChar char="•"/>
-            </a:pPr>
-            <a:r>
-              <a:rPr lang="en-US"/>
-              <a:t>Chapter 6: Conclusion &amp; Future Direction</a:t>
-            </a:r>
-            <a:endParaRPr/>
           </a:p>
         </p:txBody>
       </p:sp>
@@ -29182,7 +27712,7 @@
                 <a:ea typeface="Times New Roman" panose="02020603050405020304" pitchFamily="18" charset="0"/>
                 <a:cs typeface="Calibri" panose="020F0502020204030204" pitchFamily="34" charset="0"/>
               </a:rPr>
-              <a:t>In Pakistan — we suffer due to the lack of accessible, realistic, and localized training tools. </a:t>
+              <a:t>In Pakistan — we suffer due to the lack of accessible, realistic, and localized training tools, </a:t>
             </a:r>
           </a:p>
           <a:p>
@@ -29292,7 +27822,7 @@
                 <a:ea typeface="Times New Roman" panose="02020603050405020304" pitchFamily="18" charset="0"/>
                 <a:cs typeface="Calibri" panose="020F0502020204030204" pitchFamily="34" charset="0"/>
               </a:rPr>
-              <a:t>s</a:t>
+              <a:t>S</a:t>
             </a:r>
             <a:r>
               <a:rPr lang="en-GB" sz="2800" dirty="0">
@@ -29304,30 +27834,7 @@
                 <a:ea typeface="Times New Roman" panose="02020603050405020304" pitchFamily="18" charset="0"/>
                 <a:cs typeface="Calibri" panose="020F0502020204030204" pitchFamily="34" charset="0"/>
               </a:rPr>
-              <a:t>calable, customizable</a:t>
-            </a:r>
-            <a:r>
-              <a:rPr lang="en-GB" sz="2800" dirty="0">
-                <a:solidFill>
-                  <a:srgbClr val="000000"/>
-                </a:solidFill>
-                <a:latin typeface="Calibri" panose="020F0502020204030204" pitchFamily="34" charset="0"/>
-                <a:ea typeface="Times New Roman" panose="02020603050405020304" pitchFamily="18" charset="0"/>
-                <a:cs typeface="Calibri" panose="020F0502020204030204" pitchFamily="34" charset="0"/>
-              </a:rPr>
-              <a:t> &amp;</a:t>
-            </a:r>
-            <a:r>
-              <a:rPr lang="en-GB" sz="2800" dirty="0">
-                <a:solidFill>
-                  <a:srgbClr val="000000"/>
-                </a:solidFill>
-                <a:effectLst/>
-                <a:latin typeface="Calibri" panose="020F0502020204030204" pitchFamily="34" charset="0"/>
-                <a:ea typeface="Times New Roman" panose="02020603050405020304" pitchFamily="18" charset="0"/>
-                <a:cs typeface="Calibri" panose="020F0502020204030204" pitchFamily="34" charset="0"/>
-              </a:rPr>
-              <a:t> realistic.</a:t>
+              <a:t>calable, customizable, and locally adaptable platform</a:t>
             </a:r>
             <a:endParaRPr lang="en-PK" sz="2400" dirty="0"/>
           </a:p>
@@ -29419,11 +27926,12 @@
                 <a:solidFill>
                   <a:srgbClr val="000000"/>
                 </a:solidFill>
+                <a:effectLst/>
                 <a:latin typeface="Calibri" panose="020F0502020204030204" pitchFamily="34" charset="0"/>
                 <a:ea typeface="Times New Roman" panose="02020603050405020304" pitchFamily="18" charset="0"/>
                 <a:cs typeface="Calibri" panose="020F0502020204030204" pitchFamily="34" charset="0"/>
               </a:rPr>
-              <a:t>Guaranteeing</a:t>
+              <a:t>The</a:t>
             </a:r>
             <a:r>
               <a:rPr lang="en-GB" sz="2800" b="1" dirty="0">
@@ -29447,7 +27955,7 @@
                 <a:ea typeface="Times New Roman" panose="02020603050405020304" pitchFamily="18" charset="0"/>
                 <a:cs typeface="Calibri" panose="020F0502020204030204" pitchFamily="34" charset="0"/>
               </a:rPr>
-              <a:t> for organizational security.</a:t>
+              <a:t> for organizational cybersecurity.</a:t>
             </a:r>
           </a:p>
           <a:p>
@@ -29485,7 +27993,7 @@
                 <a:ea typeface="Times New Roman" panose="02020603050405020304" pitchFamily="18" charset="0"/>
                 <a:cs typeface="Calibri" panose="020F0502020204030204" pitchFamily="34" charset="0"/>
               </a:rPr>
-              <a:t>imulating real-world phishing attacks</a:t>
+              <a:t>imulate real-world phishing attacks</a:t>
             </a:r>
             <a:r>
               <a:rPr lang="en-GB" sz="2800" dirty="0">
@@ -29524,7 +28032,7 @@
                 <a:ea typeface="Times New Roman" panose="02020603050405020304" pitchFamily="18" charset="0"/>
                 <a:cs typeface="Calibri" panose="020F0502020204030204" pitchFamily="34" charset="0"/>
               </a:rPr>
-              <a:t>Monitoring each and every user’s interactions.</a:t>
+              <a:t>Monitoring each and every users’ interactions.</a:t>
             </a:r>
           </a:p>
           <a:p>
@@ -29614,6 +28122,267 @@
 </file>
 
 <file path=ppt/slides/slide8.xml><?xml version="1.0" encoding="utf-8"?>
+<p:sld xmlns:a="http://schemas.openxmlformats.org/drawingml/2006/main" xmlns:r="http://schemas.openxmlformats.org/officeDocument/2006/relationships" xmlns:p="http://schemas.openxmlformats.org/presentationml/2006/main">
+  <p:cSld>
+    <p:spTree>
+      <p:nvGrpSpPr>
+        <p:cNvPr id="1" name=""/>
+        <p:cNvGrpSpPr/>
+        <p:nvPr/>
+      </p:nvGrpSpPr>
+      <p:grpSpPr>
+        <a:xfrm>
+          <a:off x="0" y="0"/>
+          <a:ext cx="0" cy="0"/>
+          <a:chOff x="0" y="0"/>
+          <a:chExt cx="0" cy="0"/>
+        </a:xfrm>
+      </p:grpSpPr>
+      <p:sp>
+        <p:nvSpPr>
+          <p:cNvPr id="2" name="Title 1">
+            <a:extLst>
+              <a:ext uri="{FF2B5EF4-FFF2-40B4-BE49-F238E27FC236}">
+                <a16:creationId xmlns:a16="http://schemas.microsoft.com/office/drawing/2014/main" id="{8BA9FC6C-FEA6-F9D3-1882-1843CAEAE81E}"/>
+              </a:ext>
+            </a:extLst>
+          </p:cNvPr>
+          <p:cNvSpPr>
+            <a:spLocks noGrp="1"/>
+          </p:cNvSpPr>
+          <p:nvPr>
+            <p:ph type="title"/>
+          </p:nvPr>
+        </p:nvSpPr>
+        <p:spPr/>
+        <p:txBody>
+          <a:bodyPr/>
+          <a:lstStyle/>
+          <a:p>
+            <a:r>
+              <a:rPr lang="en-US" dirty="0"/>
+              <a:t>Introduction and Background </a:t>
+            </a:r>
+            <a:endParaRPr lang="en-PK" dirty="0"/>
+          </a:p>
+        </p:txBody>
+      </p:sp>
+      <p:sp>
+        <p:nvSpPr>
+          <p:cNvPr id="3" name="Text Placeholder 2">
+            <a:extLst>
+              <a:ext uri="{FF2B5EF4-FFF2-40B4-BE49-F238E27FC236}">
+                <a16:creationId xmlns:a16="http://schemas.microsoft.com/office/drawing/2014/main" id="{B723606E-3F19-4DA2-65F0-3557B4BF4D59}"/>
+              </a:ext>
+            </a:extLst>
+          </p:cNvPr>
+          <p:cNvSpPr>
+            <a:spLocks noGrp="1"/>
+          </p:cNvSpPr>
+          <p:nvPr>
+            <p:ph type="body" idx="1"/>
+          </p:nvPr>
+        </p:nvSpPr>
+        <p:spPr/>
+        <p:txBody>
+          <a:bodyPr/>
+          <a:lstStyle/>
+          <a:p>
+            <a:pPr algn="just"/>
+            <a:r>
+              <a:rPr lang="en-GB" sz="2800" dirty="0">
+                <a:solidFill>
+                  <a:srgbClr val="000000"/>
+                </a:solidFill>
+                <a:effectLst/>
+                <a:latin typeface="Calibri" panose="020F0502020204030204" pitchFamily="34" charset="0"/>
+                <a:ea typeface="Times New Roman" panose="02020603050405020304" pitchFamily="18" charset="0"/>
+                <a:cs typeface="Calibri" panose="020F0502020204030204" pitchFamily="34" charset="0"/>
+              </a:rPr>
+              <a:t>Measuring company’s awareness and behavioural risk.</a:t>
+            </a:r>
+          </a:p>
+          <a:p>
+            <a:pPr algn="just"/>
+            <a:endParaRPr lang="en-GB" sz="2800" dirty="0">
+              <a:solidFill>
+                <a:srgbClr val="000000"/>
+              </a:solidFill>
+              <a:effectLst/>
+              <a:latin typeface="Calibri" panose="020F0502020204030204" pitchFamily="34" charset="0"/>
+              <a:ea typeface="Times New Roman" panose="02020603050405020304" pitchFamily="18" charset="0"/>
+              <a:cs typeface="Calibri" panose="020F0502020204030204" pitchFamily="34" charset="0"/>
+            </a:endParaRPr>
+          </a:p>
+          <a:p>
+            <a:pPr algn="just"/>
+            <a:r>
+              <a:rPr lang="en-GB" sz="2800" dirty="0">
+                <a:solidFill>
+                  <a:srgbClr val="000000"/>
+                </a:solidFill>
+                <a:latin typeface="Calibri" panose="020F0502020204030204" pitchFamily="34" charset="0"/>
+                <a:ea typeface="Times New Roman" panose="02020603050405020304" pitchFamily="18" charset="0"/>
+                <a:cs typeface="Calibri" panose="020F0502020204030204" pitchFamily="34" charset="0"/>
+              </a:rPr>
+              <a:t>I</a:t>
+            </a:r>
+            <a:r>
+              <a:rPr lang="en-GB" sz="2800" dirty="0">
+                <a:solidFill>
+                  <a:srgbClr val="000000"/>
+                </a:solidFill>
+                <a:effectLst/>
+                <a:latin typeface="Calibri" panose="020F0502020204030204" pitchFamily="34" charset="0"/>
+                <a:ea typeface="Times New Roman" panose="02020603050405020304" pitchFamily="18" charset="0"/>
+                <a:cs typeface="Calibri" panose="020F0502020204030204" pitchFamily="34" charset="0"/>
+              </a:rPr>
+              <a:t>nternational solutions are prohibitively expensive, rigid, disconnected from regional threats.</a:t>
+            </a:r>
+          </a:p>
+          <a:p>
+            <a:pPr algn="just"/>
+            <a:endParaRPr lang="en-GB" sz="2800" dirty="0">
+              <a:solidFill>
+                <a:srgbClr val="000000"/>
+              </a:solidFill>
+              <a:effectLst/>
+              <a:latin typeface="Calibri" panose="020F0502020204030204" pitchFamily="34" charset="0"/>
+              <a:ea typeface="Times New Roman" panose="02020603050405020304" pitchFamily="18" charset="0"/>
+              <a:cs typeface="Calibri" panose="020F0502020204030204" pitchFamily="34" charset="0"/>
+            </a:endParaRPr>
+          </a:p>
+          <a:p>
+            <a:pPr algn="just"/>
+            <a:r>
+              <a:rPr lang="en-GB" sz="2800" dirty="0">
+                <a:solidFill>
+                  <a:srgbClr val="000000"/>
+                </a:solidFill>
+                <a:effectLst/>
+                <a:latin typeface="Calibri" panose="020F0502020204030204" pitchFamily="34" charset="0"/>
+                <a:ea typeface="Times New Roman" panose="02020603050405020304" pitchFamily="18" charset="0"/>
+                <a:cs typeface="Calibri" panose="020F0502020204030204" pitchFamily="34" charset="0"/>
+              </a:rPr>
+              <a:t>Phish Net </a:t>
+            </a:r>
+            <a:r>
+              <a:rPr lang="en-GB" sz="2800" dirty="0">
+                <a:solidFill>
+                  <a:srgbClr val="000000"/>
+                </a:solidFill>
+                <a:latin typeface="Calibri" panose="020F0502020204030204" pitchFamily="34" charset="0"/>
+                <a:ea typeface="Times New Roman" panose="02020603050405020304" pitchFamily="18" charset="0"/>
+                <a:cs typeface="Calibri" panose="020F0502020204030204" pitchFamily="34" charset="0"/>
+              </a:rPr>
+              <a:t>— </a:t>
+            </a:r>
+            <a:r>
+              <a:rPr lang="en-GB" sz="2800" b="1" dirty="0">
+                <a:solidFill>
+                  <a:srgbClr val="000000"/>
+                </a:solidFill>
+                <a:latin typeface="Calibri" panose="020F0502020204030204" pitchFamily="34" charset="0"/>
+                <a:ea typeface="Times New Roman" panose="02020603050405020304" pitchFamily="18" charset="0"/>
+                <a:cs typeface="Calibri" panose="020F0502020204030204" pitchFamily="34" charset="0"/>
+              </a:rPr>
+              <a:t>D</a:t>
+            </a:r>
+            <a:r>
+              <a:rPr lang="en-GB" sz="2800" b="1" dirty="0">
+                <a:solidFill>
+                  <a:srgbClr val="000000"/>
+                </a:solidFill>
+                <a:effectLst/>
+                <a:latin typeface="Calibri" panose="020F0502020204030204" pitchFamily="34" charset="0"/>
+                <a:ea typeface="Times New Roman" panose="02020603050405020304" pitchFamily="18" charset="0"/>
+                <a:cs typeface="Calibri" panose="020F0502020204030204" pitchFamily="34" charset="0"/>
+              </a:rPr>
+              <a:t>ynamic phishing campaign management</a:t>
+            </a:r>
+            <a:r>
+              <a:rPr lang="en-GB" sz="2800" dirty="0">
+                <a:solidFill>
+                  <a:srgbClr val="000000"/>
+                </a:solidFill>
+                <a:effectLst/>
+                <a:latin typeface="Calibri" panose="020F0502020204030204" pitchFamily="34" charset="0"/>
+                <a:ea typeface="Times New Roman" panose="02020603050405020304" pitchFamily="18" charset="0"/>
+                <a:cs typeface="Calibri" panose="020F0502020204030204" pitchFamily="34" charset="0"/>
+              </a:rPr>
+              <a:t>, </a:t>
+            </a:r>
+            <a:r>
+              <a:rPr lang="en-GB" sz="2800" b="1" dirty="0">
+                <a:solidFill>
+                  <a:srgbClr val="000000"/>
+                </a:solidFill>
+                <a:effectLst/>
+                <a:latin typeface="Calibri" panose="020F0502020204030204" pitchFamily="34" charset="0"/>
+                <a:ea typeface="Times New Roman" panose="02020603050405020304" pitchFamily="18" charset="0"/>
+                <a:cs typeface="Calibri" panose="020F0502020204030204" pitchFamily="34" charset="0"/>
+              </a:rPr>
+              <a:t>role-based access control</a:t>
+            </a:r>
+            <a:r>
+              <a:rPr lang="en-GB" sz="2800" dirty="0">
+                <a:solidFill>
+                  <a:srgbClr val="000000"/>
+                </a:solidFill>
+                <a:effectLst/>
+                <a:latin typeface="Calibri" panose="020F0502020204030204" pitchFamily="34" charset="0"/>
+                <a:ea typeface="Times New Roman" panose="02020603050405020304" pitchFamily="18" charset="0"/>
+                <a:cs typeface="Calibri" panose="020F0502020204030204" pitchFamily="34" charset="0"/>
+              </a:rPr>
+              <a:t>, and </a:t>
+            </a:r>
+            <a:r>
+              <a:rPr lang="en-GB" sz="2800" b="1" dirty="0">
+                <a:solidFill>
+                  <a:srgbClr val="000000"/>
+                </a:solidFill>
+                <a:effectLst/>
+                <a:latin typeface="Calibri" panose="020F0502020204030204" pitchFamily="34" charset="0"/>
+                <a:ea typeface="Times New Roman" panose="02020603050405020304" pitchFamily="18" charset="0"/>
+                <a:cs typeface="Calibri" panose="020F0502020204030204" pitchFamily="34" charset="0"/>
+              </a:rPr>
+              <a:t>real-time behavioural insights</a:t>
+            </a:r>
+            <a:r>
+              <a:rPr lang="en-GB" sz="2800" dirty="0">
+                <a:solidFill>
+                  <a:srgbClr val="000000"/>
+                </a:solidFill>
+                <a:effectLst/>
+                <a:latin typeface="Calibri" panose="020F0502020204030204" pitchFamily="34" charset="0"/>
+                <a:ea typeface="Times New Roman" panose="02020603050405020304" pitchFamily="18" charset="0"/>
+                <a:cs typeface="Calibri" panose="020F0502020204030204" pitchFamily="34" charset="0"/>
+              </a:rPr>
+              <a:t>  </a:t>
+            </a:r>
+            <a:endParaRPr lang="en-PK" sz="2800" dirty="0">
+              <a:effectLst/>
+              <a:latin typeface="Calibri" panose="020F0502020204030204" pitchFamily="34" charset="0"/>
+              <a:ea typeface="Times New Roman" panose="02020603050405020304" pitchFamily="18" charset="0"/>
+              <a:cs typeface="Calibri" panose="020F0502020204030204" pitchFamily="34" charset="0"/>
+            </a:endParaRPr>
+          </a:p>
+        </p:txBody>
+      </p:sp>
+    </p:spTree>
+    <p:extLst>
+      <p:ext uri="{BB962C8B-B14F-4D97-AF65-F5344CB8AC3E}">
+        <p14:creationId xmlns:p14="http://schemas.microsoft.com/office/powerpoint/2010/main" val="2126967441"/>
+      </p:ext>
+    </p:extLst>
+  </p:cSld>
+  <p:clrMapOvr>
+    <a:masterClrMapping/>
+  </p:clrMapOvr>
+</p:sld>
+</file>
+
+<file path=ppt/slides/slide9.xml><?xml version="1.0" encoding="utf-8"?>
 <p:sld xmlns:a="http://schemas.openxmlformats.org/drawingml/2006/main" xmlns:r="http://schemas.openxmlformats.org/officeDocument/2006/relationships" xmlns:p="http://schemas.openxmlformats.org/presentationml/2006/main">
   <p:cSld>
     <p:spTree>
@@ -29828,203 +28597,6 @@
         </p:txBody>
       </p:sp>
     </p:spTree>
-  </p:cSld>
-  <p:clrMapOvr>
-    <a:masterClrMapping/>
-  </p:clrMapOvr>
-</p:sld>
-</file>
-
-<file path=ppt/slides/slide9.xml><?xml version="1.0" encoding="utf-8"?>
-<p:sld xmlns:a="http://schemas.openxmlformats.org/drawingml/2006/main" xmlns:r="http://schemas.openxmlformats.org/officeDocument/2006/relationships" xmlns:p="http://schemas.openxmlformats.org/presentationml/2006/main">
-  <p:cSld>
-    <p:spTree>
-      <p:nvGrpSpPr>
-        <p:cNvPr id="1" name=""/>
-        <p:cNvGrpSpPr/>
-        <p:nvPr/>
-      </p:nvGrpSpPr>
-      <p:grpSpPr>
-        <a:xfrm>
-          <a:off x="0" y="0"/>
-          <a:ext cx="0" cy="0"/>
-          <a:chOff x="0" y="0"/>
-          <a:chExt cx="0" cy="0"/>
-        </a:xfrm>
-      </p:grpSpPr>
-      <p:sp>
-        <p:nvSpPr>
-          <p:cNvPr id="2" name="Title 1">
-            <a:extLst>
-              <a:ext uri="{FF2B5EF4-FFF2-40B4-BE49-F238E27FC236}">
-                <a16:creationId xmlns:a16="http://schemas.microsoft.com/office/drawing/2014/main" id="{C0E44F6D-25B9-C725-741D-36C977387772}"/>
-              </a:ext>
-            </a:extLst>
-          </p:cNvPr>
-          <p:cNvSpPr>
-            <a:spLocks noGrp="1"/>
-          </p:cNvSpPr>
-          <p:nvPr>
-            <p:ph type="title"/>
-          </p:nvPr>
-        </p:nvSpPr>
-        <p:spPr/>
-        <p:txBody>
-          <a:bodyPr/>
-          <a:lstStyle/>
-          <a:p>
-            <a:r>
-              <a:rPr lang="en-US" dirty="0"/>
-              <a:t>Market Survey and Summary Table</a:t>
-            </a:r>
-            <a:endParaRPr lang="en-GB" dirty="0"/>
-          </a:p>
-        </p:txBody>
-      </p:sp>
-      <p:sp>
-        <p:nvSpPr>
-          <p:cNvPr id="3" name="Text Placeholder 2">
-            <a:extLst>
-              <a:ext uri="{FF2B5EF4-FFF2-40B4-BE49-F238E27FC236}">
-                <a16:creationId xmlns:a16="http://schemas.microsoft.com/office/drawing/2014/main" id="{87AC33E8-2A2D-9A40-561C-224508C06439}"/>
-              </a:ext>
-            </a:extLst>
-          </p:cNvPr>
-          <p:cNvSpPr>
-            <a:spLocks noGrp="1"/>
-          </p:cNvSpPr>
-          <p:nvPr>
-            <p:ph type="body" idx="1"/>
-          </p:nvPr>
-        </p:nvSpPr>
-        <p:spPr/>
-        <p:txBody>
-          <a:bodyPr/>
-          <a:lstStyle/>
-          <a:p>
-            <a:pPr algn="just"/>
-            <a:r>
-              <a:rPr lang="en-GB" dirty="0">
-                <a:solidFill>
-                  <a:srgbClr val="000000"/>
-                </a:solidFill>
-                <a:latin typeface="Calibri" panose="020F0502020204030204" pitchFamily="34" charset="0"/>
-                <a:ea typeface="Times New Roman" panose="02020603050405020304" pitchFamily="18" charset="0"/>
-                <a:cs typeface="Calibri" panose="020F0502020204030204" pitchFamily="34" charset="0"/>
-              </a:rPr>
-              <a:t>Competition (International) — expensive, not customizable, unlocalized, limited scope.</a:t>
-            </a:r>
-          </a:p>
-          <a:p>
-            <a:pPr algn="just"/>
-            <a:endParaRPr lang="en-GB" dirty="0">
-              <a:solidFill>
-                <a:srgbClr val="000000"/>
-              </a:solidFill>
-              <a:latin typeface="Calibri" panose="020F0502020204030204" pitchFamily="34" charset="0"/>
-              <a:ea typeface="Times New Roman" panose="02020603050405020304" pitchFamily="18" charset="0"/>
-              <a:cs typeface="Calibri" panose="020F0502020204030204" pitchFamily="34" charset="0"/>
-            </a:endParaRPr>
-          </a:p>
-          <a:p>
-            <a:pPr algn="just"/>
-            <a:r>
-              <a:rPr lang="en-GB" b="1" dirty="0">
-                <a:solidFill>
-                  <a:srgbClr val="000000"/>
-                </a:solidFill>
-                <a:latin typeface="Calibri" panose="020F0502020204030204" pitchFamily="34" charset="0"/>
-                <a:ea typeface="Times New Roman" panose="02020603050405020304" pitchFamily="18" charset="0"/>
-                <a:cs typeface="Calibri" panose="020F0502020204030204" pitchFamily="34" charset="0"/>
-              </a:rPr>
-              <a:t>Phish Net</a:t>
-            </a:r>
-            <a:r>
-              <a:rPr lang="en-GB" sz="2000" b="1" dirty="0">
-                <a:solidFill>
-                  <a:srgbClr val="000000"/>
-                </a:solidFill>
-                <a:latin typeface="Calibri" panose="020F0502020204030204" pitchFamily="34" charset="0"/>
-                <a:ea typeface="Times New Roman" panose="02020603050405020304" pitchFamily="18" charset="0"/>
-                <a:cs typeface="Calibri" panose="020F0502020204030204" pitchFamily="34" charset="0"/>
-              </a:rPr>
-              <a:t> </a:t>
-            </a:r>
-            <a:r>
-              <a:rPr lang="en-GB" sz="2000" dirty="0">
-                <a:solidFill>
-                  <a:srgbClr val="000000"/>
-                </a:solidFill>
-                <a:latin typeface="Calibri" panose="020F0502020204030204" pitchFamily="34" charset="0"/>
-                <a:ea typeface="Times New Roman" panose="02020603050405020304" pitchFamily="18" charset="0"/>
-                <a:cs typeface="Calibri" panose="020F0502020204030204" pitchFamily="34" charset="0"/>
-              </a:rPr>
-              <a:t>—</a:t>
-            </a:r>
-            <a:r>
-              <a:rPr lang="en-GB" sz="2000" b="1" dirty="0">
-                <a:solidFill>
-                  <a:srgbClr val="000000"/>
-                </a:solidFill>
-                <a:latin typeface="Calibri" panose="020F0502020204030204" pitchFamily="34" charset="0"/>
-                <a:ea typeface="Times New Roman" panose="02020603050405020304" pitchFamily="18" charset="0"/>
-                <a:cs typeface="Calibri" panose="020F0502020204030204" pitchFamily="34" charset="0"/>
-              </a:rPr>
-              <a:t> </a:t>
-            </a:r>
-            <a:r>
-              <a:rPr lang="en-GB" dirty="0">
-                <a:solidFill>
-                  <a:srgbClr val="000000"/>
-                </a:solidFill>
-                <a:latin typeface="Calibri" panose="020F0502020204030204" pitchFamily="34" charset="0"/>
-                <a:ea typeface="Times New Roman" panose="02020603050405020304" pitchFamily="18" charset="0"/>
-                <a:cs typeface="Calibri" panose="020F0502020204030204" pitchFamily="34" charset="0"/>
-              </a:rPr>
-              <a:t>scalable, customizable &amp; realistic.</a:t>
-            </a:r>
-          </a:p>
-          <a:p>
-            <a:pPr algn="just"/>
-            <a:endParaRPr lang="en-GB" dirty="0">
-              <a:solidFill>
-                <a:srgbClr val="000000"/>
-              </a:solidFill>
-              <a:latin typeface="Calibri" panose="020F0502020204030204" pitchFamily="34" charset="0"/>
-              <a:ea typeface="Times New Roman" panose="02020603050405020304" pitchFamily="18" charset="0"/>
-              <a:cs typeface="Calibri" panose="020F0502020204030204" pitchFamily="34" charset="0"/>
-            </a:endParaRPr>
-          </a:p>
-          <a:p>
-            <a:pPr algn="just"/>
-            <a:r>
-              <a:rPr lang="en-GB" dirty="0">
-                <a:solidFill>
-                  <a:srgbClr val="000000"/>
-                </a:solidFill>
-                <a:latin typeface="Calibri" panose="020F0502020204030204" pitchFamily="34" charset="0"/>
-                <a:ea typeface="Times New Roman" panose="02020603050405020304" pitchFamily="18" charset="0"/>
-                <a:cs typeface="Calibri" panose="020F0502020204030204" pitchFamily="34" charset="0"/>
-              </a:rPr>
-              <a:t>Phish Net — dynamic campaigns, user management, RBAC, and real-time user interactions.  </a:t>
-            </a:r>
-            <a:endParaRPr lang="en-PK" dirty="0">
-              <a:latin typeface="Calibri" panose="020F0502020204030204" pitchFamily="34" charset="0"/>
-              <a:ea typeface="Times New Roman" panose="02020603050405020304" pitchFamily="18" charset="0"/>
-              <a:cs typeface="Calibri" panose="020F0502020204030204" pitchFamily="34" charset="0"/>
-            </a:endParaRPr>
-          </a:p>
-          <a:p>
-            <a:endParaRPr lang="en-GB" dirty="0"/>
-          </a:p>
-        </p:txBody>
-      </p:sp>
-    </p:spTree>
-    <p:extLst>
-      <p:ext uri="{BB962C8B-B14F-4D97-AF65-F5344CB8AC3E}">
-        <p14:creationId xmlns:p14="http://schemas.microsoft.com/office/powerpoint/2010/main" val="2960951061"/>
-      </p:ext>
-    </p:extLst>
   </p:cSld>
   <p:clrMapOvr>
     <a:masterClrMapping/>
